--- a/A405최종발표.pptx
+++ b/A405최종발표.pptx
@@ -5,10 +5,10 @@
     <p:sldMasterId id="2147483648" r:id="rId1"/>
   </p:sldMasterIdLst>
   <p:notesMasterIdLst>
-    <p:notesMasterId r:id="rId27"/>
+    <p:notesMasterId r:id="rId29"/>
   </p:notesMasterIdLst>
   <p:handoutMasterIdLst>
-    <p:handoutMasterId r:id="rId28"/>
+    <p:handoutMasterId r:id="rId30"/>
   </p:handoutMasterIdLst>
   <p:sldIdLst>
     <p:sldId id="256" r:id="rId2"/>
@@ -22,20 +22,22 @@
     <p:sldId id="265" r:id="rId10"/>
     <p:sldId id="285" r:id="rId11"/>
     <p:sldId id="282" r:id="rId12"/>
-    <p:sldId id="288" r:id="rId13"/>
-    <p:sldId id="269" r:id="rId14"/>
-    <p:sldId id="295" r:id="rId15"/>
-    <p:sldId id="294" r:id="rId16"/>
-    <p:sldId id="291" r:id="rId17"/>
-    <p:sldId id="271" r:id="rId18"/>
-    <p:sldId id="289" r:id="rId19"/>
-    <p:sldId id="272" r:id="rId20"/>
-    <p:sldId id="292" r:id="rId21"/>
-    <p:sldId id="273" r:id="rId22"/>
-    <p:sldId id="293" r:id="rId23"/>
-    <p:sldId id="274" r:id="rId24"/>
-    <p:sldId id="276" r:id="rId25"/>
-    <p:sldId id="277" r:id="rId26"/>
+    <p:sldId id="296" r:id="rId13"/>
+    <p:sldId id="297" r:id="rId14"/>
+    <p:sldId id="298" r:id="rId15"/>
+    <p:sldId id="288" r:id="rId16"/>
+    <p:sldId id="299" r:id="rId17"/>
+    <p:sldId id="300" r:id="rId18"/>
+    <p:sldId id="269" r:id="rId19"/>
+    <p:sldId id="295" r:id="rId20"/>
+    <p:sldId id="294" r:id="rId21"/>
+    <p:sldId id="271" r:id="rId22"/>
+    <p:sldId id="273" r:id="rId23"/>
+    <p:sldId id="272" r:id="rId24"/>
+    <p:sldId id="292" r:id="rId25"/>
+    <p:sldId id="274" r:id="rId26"/>
+    <p:sldId id="276" r:id="rId27"/>
+    <p:sldId id="277" r:id="rId28"/>
   </p:sldIdLst>
   <p:sldSz cx="12192000" cy="6858000"/>
   <p:notesSz cx="6858000" cy="9144000"/>
@@ -227,7 +229,7 @@
           <a:p>
             <a:fld id="{E8FB14FE-5CC5-4E46-82D1-57C0A4ABBC8D}" type="datetimeFigureOut">
               <a:rPr lang="ko-KR" altLang="en-US" smtClean="0"/>
-              <a:t>2023-05-15</a:t>
+              <a:t>2023-05-16</a:t>
             </a:fld>
             <a:endParaRPr lang="ko-KR" altLang="en-US"/>
           </a:p>
@@ -392,7 +394,7 @@
           <a:p>
             <a:fld id="{D79BC688-A94E-4EDA-A0BC-96AFD3F20229}" type="datetimeFigureOut">
               <a:rPr lang="ko-KR" altLang="en-US" smtClean="0"/>
-              <a:t>2023-05-15</a:t>
+              <a:t>2023-05-16</a:t>
             </a:fld>
             <a:endParaRPr lang="ko-KR" altLang="en-US"/>
           </a:p>
@@ -1244,6 +1246,138 @@
           <a:bodyPr/>
           <a:lstStyle/>
           <a:p>
+            <a:r>
+              <a:rPr lang="ko-KR" altLang="en-US" dirty="0" smtClean="0"/>
+              <a:t>첫번째 기능은 최단 경로 탐색 기능입니다</a:t>
+            </a:r>
+            <a:r>
+              <a:rPr lang="en-US" altLang="ko-KR" dirty="0" smtClean="0"/>
+              <a:t>.</a:t>
+            </a:r>
+          </a:p>
+          <a:p>
+            <a:r>
+              <a:rPr lang="ko-KR" altLang="en-US" dirty="0" err="1" smtClean="0"/>
+              <a:t>장볼구니에</a:t>
+            </a:r>
+            <a:r>
+              <a:rPr lang="ko-KR" altLang="en-US" dirty="0" smtClean="0"/>
+              <a:t> 미리 담아놓은 상품 또는 카테고리를 이용하여</a:t>
+            </a:r>
+            <a:r>
+              <a:rPr lang="ko-KR" altLang="en-US" baseline="0" dirty="0" smtClean="0"/>
+              <a:t> </a:t>
+            </a:r>
+            <a:r>
+              <a:rPr lang="ko-KR" altLang="en-US" dirty="0" smtClean="0"/>
+              <a:t>현재 나의 위치를 기준으로 물건들을 가장 최단 거리로 방문할 수 있는 경로를 찾습니다</a:t>
+            </a:r>
+            <a:r>
+              <a:rPr lang="en-US" altLang="ko-KR" dirty="0" smtClean="0"/>
+              <a:t>.</a:t>
+            </a:r>
+          </a:p>
+          <a:p>
+            <a:endParaRPr lang="en-US" altLang="ko-KR" dirty="0" smtClean="0"/>
+          </a:p>
+          <a:p>
+            <a:r>
+              <a:rPr lang="ko-KR" altLang="en-US" dirty="0" smtClean="0"/>
+              <a:t>최단 경로가 만들어지면 </a:t>
+            </a:r>
+            <a:r>
+              <a:rPr lang="en-US" altLang="ko-KR" dirty="0" smtClean="0"/>
+              <a:t>AR</a:t>
+            </a:r>
+            <a:r>
+              <a:rPr lang="ko-KR" altLang="en-US" dirty="0" smtClean="0"/>
+              <a:t>을 이용해 사용자에게 어디로 가야할 지 화살표를 이용하여 길안내를 시작합니다</a:t>
+            </a:r>
+            <a:r>
+              <a:rPr lang="en-US" altLang="ko-KR" dirty="0" smtClean="0"/>
+              <a:t>.</a:t>
+            </a:r>
+          </a:p>
+          <a:p>
+            <a:r>
+              <a:rPr lang="ko-KR" altLang="en-US" dirty="0" smtClean="0"/>
+              <a:t>상품의 위치에 도착하면</a:t>
+            </a:r>
+            <a:r>
+              <a:rPr lang="ko-KR" altLang="en-US" baseline="0" dirty="0" smtClean="0"/>
+              <a:t> </a:t>
+            </a:r>
+            <a:r>
+              <a:rPr lang="ko-KR" altLang="en-US" dirty="0" smtClean="0"/>
+              <a:t>내비게이션은 다음 물건으로 안내를 시작합니다</a:t>
+            </a:r>
+            <a:r>
+              <a:rPr lang="en-US" altLang="ko-KR" dirty="0" smtClean="0"/>
+              <a:t>.</a:t>
+            </a:r>
+          </a:p>
+          <a:p>
+            <a:endParaRPr lang="en-US" altLang="ko-KR" dirty="0" smtClean="0"/>
+          </a:p>
+          <a:p>
+            <a:pPr marL="0" marR="0" indent="0" algn="l" defTabSz="914400" rtl="0" eaLnBrk="1" fontAlgn="auto" latinLnBrk="1" hangingPunct="1">
+              <a:lnSpc>
+                <a:spcPct val="100000"/>
+              </a:lnSpc>
+              <a:spcBef>
+                <a:spcPts val="0"/>
+              </a:spcBef>
+              <a:spcAft>
+                <a:spcPts val="0"/>
+              </a:spcAft>
+              <a:buClrTx/>
+              <a:buSzTx/>
+              <a:buFontTx/>
+              <a:buNone/>
+              <a:tabLst/>
+              <a:defRPr/>
+            </a:pPr>
+            <a:r>
+              <a:rPr lang="ko-KR" altLang="en-US" dirty="0" smtClean="0"/>
+              <a:t>저희 서비스에서는 </a:t>
+            </a:r>
+            <a:r>
+              <a:rPr lang="ko-KR" altLang="en-US" dirty="0" err="1" smtClean="0"/>
+              <a:t>관련도를</a:t>
+            </a:r>
+            <a:r>
+              <a:rPr lang="ko-KR" altLang="en-US" dirty="0" smtClean="0"/>
+              <a:t> 이용한 검색을 통해 유사한 제품까지 검색이 가능하며 그 제품을 사용해본 사람이 결제 후 리뷰를 남기면 인공지능 모델을 이용해 리뷰의 </a:t>
+            </a:r>
+            <a:r>
+              <a:rPr lang="ko-KR" altLang="en-US" dirty="0" err="1" smtClean="0"/>
+              <a:t>긍</a:t>
+            </a:r>
+            <a:r>
+              <a:rPr lang="en-US" altLang="ko-KR" dirty="0" smtClean="0"/>
+              <a:t>/</a:t>
+            </a:r>
+            <a:r>
+              <a:rPr lang="ko-KR" altLang="en-US" dirty="0" smtClean="0"/>
+              <a:t>부정 여부를 판단한 후</a:t>
+            </a:r>
+            <a:r>
+              <a:rPr lang="en-US" altLang="ko-KR" dirty="0" smtClean="0"/>
+              <a:t>, </a:t>
+            </a:r>
+            <a:r>
+              <a:rPr lang="ko-KR" altLang="en-US" dirty="0" smtClean="0"/>
+              <a:t>키워드 추출을 이용해 제품의 핵심 키워드를 간편하게 확인할 수 있도록 하였습니다</a:t>
+            </a:r>
+            <a:r>
+              <a:rPr lang="en-US" altLang="ko-KR" dirty="0" smtClean="0"/>
+              <a:t>.</a:t>
+            </a:r>
+          </a:p>
+          <a:p>
+            <a:endParaRPr lang="en-US" altLang="ko-KR" dirty="0" smtClean="0"/>
+          </a:p>
+          <a:p>
             <a:endParaRPr lang="ko-KR" altLang="en-US" dirty="0"/>
           </a:p>
         </p:txBody>
@@ -1274,7 +1408,7 @@
     </p:spTree>
     <p:extLst>
       <p:ext uri="{BB962C8B-B14F-4D97-AF65-F5344CB8AC3E}">
-        <p14:creationId xmlns:p14="http://schemas.microsoft.com/office/powerpoint/2010/main" val="1164201089"/>
+        <p14:creationId xmlns:p14="http://schemas.microsoft.com/office/powerpoint/2010/main" val="244072758"/>
       </p:ext>
     </p:extLst>
   </p:cSld>
@@ -1330,12 +1464,136 @@
           <a:p>
             <a:r>
               <a:rPr lang="ko-KR" altLang="en-US" dirty="0" smtClean="0"/>
-              <a:t>다음은 저희 기술 스택과 개발 현황입니다</a:t>
+              <a:t>첫번째 기능은 최단 경로 탐색 기능입니다</a:t>
             </a:r>
             <a:r>
               <a:rPr lang="en-US" altLang="ko-KR" dirty="0" smtClean="0"/>
               <a:t>.</a:t>
             </a:r>
+          </a:p>
+          <a:p>
+            <a:r>
+              <a:rPr lang="ko-KR" altLang="en-US" dirty="0" err="1" smtClean="0"/>
+              <a:t>장볼구니에</a:t>
+            </a:r>
+            <a:r>
+              <a:rPr lang="ko-KR" altLang="en-US" dirty="0" smtClean="0"/>
+              <a:t> 미리 담아놓은 상품 또는 카테고리를 이용하여</a:t>
+            </a:r>
+            <a:r>
+              <a:rPr lang="ko-KR" altLang="en-US" baseline="0" dirty="0" smtClean="0"/>
+              <a:t> </a:t>
+            </a:r>
+            <a:r>
+              <a:rPr lang="ko-KR" altLang="en-US" dirty="0" smtClean="0"/>
+              <a:t>현재 나의 위치를 기준으로 물건들을 가장 최단 거리로 방문할 수 있는 경로를 찾습니다</a:t>
+            </a:r>
+            <a:r>
+              <a:rPr lang="en-US" altLang="ko-KR" dirty="0" smtClean="0"/>
+              <a:t>.</a:t>
+            </a:r>
+          </a:p>
+          <a:p>
+            <a:endParaRPr lang="en-US" altLang="ko-KR" dirty="0" smtClean="0"/>
+          </a:p>
+          <a:p>
+            <a:r>
+              <a:rPr lang="ko-KR" altLang="en-US" dirty="0" smtClean="0"/>
+              <a:t>최단 경로가 만들어지면 </a:t>
+            </a:r>
+            <a:r>
+              <a:rPr lang="en-US" altLang="ko-KR" dirty="0" smtClean="0"/>
+              <a:t>AR</a:t>
+            </a:r>
+            <a:r>
+              <a:rPr lang="ko-KR" altLang="en-US" dirty="0" smtClean="0"/>
+              <a:t>을 이용해 사용자에게 어디로 가야할 지 화살표를 이용하여 길안내를 시작합니다</a:t>
+            </a:r>
+            <a:r>
+              <a:rPr lang="en-US" altLang="ko-KR" dirty="0" smtClean="0"/>
+              <a:t>.</a:t>
+            </a:r>
+          </a:p>
+          <a:p>
+            <a:r>
+              <a:rPr lang="ko-KR" altLang="en-US" dirty="0" smtClean="0"/>
+              <a:t>상품의 위치에 도착하면</a:t>
+            </a:r>
+            <a:r>
+              <a:rPr lang="ko-KR" altLang="en-US" baseline="0" dirty="0" smtClean="0"/>
+              <a:t> </a:t>
+            </a:r>
+            <a:r>
+              <a:rPr lang="ko-KR" altLang="en-US" dirty="0" smtClean="0"/>
+              <a:t>내비게이션은 다음 물건으로 안내를 시작합니다</a:t>
+            </a:r>
+            <a:r>
+              <a:rPr lang="en-US" altLang="ko-KR" dirty="0" smtClean="0"/>
+              <a:t>.</a:t>
+            </a:r>
+          </a:p>
+          <a:p>
+            <a:endParaRPr lang="en-US" altLang="ko-KR" dirty="0" smtClean="0"/>
+          </a:p>
+          <a:p>
+            <a:pPr marL="0" marR="0" indent="0" algn="l" defTabSz="914400" rtl="0" eaLnBrk="1" fontAlgn="auto" latinLnBrk="1" hangingPunct="1">
+              <a:lnSpc>
+                <a:spcPct val="100000"/>
+              </a:lnSpc>
+              <a:spcBef>
+                <a:spcPts val="0"/>
+              </a:spcBef>
+              <a:spcAft>
+                <a:spcPts val="0"/>
+              </a:spcAft>
+              <a:buClrTx/>
+              <a:buSzTx/>
+              <a:buFontTx/>
+              <a:buNone/>
+              <a:tabLst/>
+              <a:defRPr/>
+            </a:pPr>
+            <a:r>
+              <a:rPr lang="ko-KR" altLang="en-US" dirty="0" smtClean="0"/>
+              <a:t>저희 서비스에서는 </a:t>
+            </a:r>
+            <a:r>
+              <a:rPr lang="ko-KR" altLang="en-US" dirty="0" err="1" smtClean="0"/>
+              <a:t>관련도를</a:t>
+            </a:r>
+            <a:r>
+              <a:rPr lang="ko-KR" altLang="en-US" dirty="0" smtClean="0"/>
+              <a:t> 이용한 검색을 통해 유사한 제품까지 검색이 가능하며 그 제품을 사용해본 사람이 결제 후 리뷰를 남기면 인공지능 모델을 이용해 리뷰의 </a:t>
+            </a:r>
+            <a:r>
+              <a:rPr lang="ko-KR" altLang="en-US" dirty="0" err="1" smtClean="0"/>
+              <a:t>긍</a:t>
+            </a:r>
+            <a:r>
+              <a:rPr lang="en-US" altLang="ko-KR" dirty="0" smtClean="0"/>
+              <a:t>/</a:t>
+            </a:r>
+            <a:r>
+              <a:rPr lang="ko-KR" altLang="en-US" dirty="0" smtClean="0"/>
+              <a:t>부정 여부를 판단한 후</a:t>
+            </a:r>
+            <a:r>
+              <a:rPr lang="en-US" altLang="ko-KR" dirty="0" smtClean="0"/>
+              <a:t>, </a:t>
+            </a:r>
+            <a:r>
+              <a:rPr lang="ko-KR" altLang="en-US" dirty="0" smtClean="0"/>
+              <a:t>키워드 추출을 이용해 제품의 핵심 키워드를 간편하게 확인할 수 있도록 하였습니다</a:t>
+            </a:r>
+            <a:r>
+              <a:rPr lang="en-US" altLang="ko-KR" dirty="0" smtClean="0"/>
+              <a:t>.</a:t>
+            </a:r>
+          </a:p>
+          <a:p>
+            <a:endParaRPr lang="en-US" altLang="ko-KR" dirty="0" smtClean="0"/>
+          </a:p>
+          <a:p>
             <a:endParaRPr lang="ko-KR" altLang="en-US" dirty="0"/>
           </a:p>
         </p:txBody>
@@ -1366,7 +1624,7 @@
     </p:spTree>
     <p:extLst>
       <p:ext uri="{BB962C8B-B14F-4D97-AF65-F5344CB8AC3E}">
-        <p14:creationId xmlns:p14="http://schemas.microsoft.com/office/powerpoint/2010/main" val="1700658537"/>
+        <p14:creationId xmlns:p14="http://schemas.microsoft.com/office/powerpoint/2010/main" val="2787618377"/>
       </p:ext>
     </p:extLst>
   </p:cSld>
@@ -1422,12 +1680,136 @@
           <a:p>
             <a:r>
               <a:rPr lang="ko-KR" altLang="en-US" dirty="0" smtClean="0"/>
-              <a:t>다음은 저희 기술 스택과 개발 현황입니다</a:t>
+              <a:t>첫번째 기능은 최단 경로 탐색 기능입니다</a:t>
             </a:r>
             <a:r>
               <a:rPr lang="en-US" altLang="ko-KR" dirty="0" smtClean="0"/>
               <a:t>.</a:t>
             </a:r>
+          </a:p>
+          <a:p>
+            <a:r>
+              <a:rPr lang="ko-KR" altLang="en-US" dirty="0" err="1" smtClean="0"/>
+              <a:t>장볼구니에</a:t>
+            </a:r>
+            <a:r>
+              <a:rPr lang="ko-KR" altLang="en-US" dirty="0" smtClean="0"/>
+              <a:t> 미리 담아놓은 상품 또는 카테고리를 이용하여</a:t>
+            </a:r>
+            <a:r>
+              <a:rPr lang="ko-KR" altLang="en-US" baseline="0" dirty="0" smtClean="0"/>
+              <a:t> </a:t>
+            </a:r>
+            <a:r>
+              <a:rPr lang="ko-KR" altLang="en-US" dirty="0" smtClean="0"/>
+              <a:t>현재 나의 위치를 기준으로 물건들을 가장 최단 거리로 방문할 수 있는 경로를 찾습니다</a:t>
+            </a:r>
+            <a:r>
+              <a:rPr lang="en-US" altLang="ko-KR" dirty="0" smtClean="0"/>
+              <a:t>.</a:t>
+            </a:r>
+          </a:p>
+          <a:p>
+            <a:endParaRPr lang="en-US" altLang="ko-KR" dirty="0" smtClean="0"/>
+          </a:p>
+          <a:p>
+            <a:r>
+              <a:rPr lang="ko-KR" altLang="en-US" dirty="0" smtClean="0"/>
+              <a:t>최단 경로가 만들어지면 </a:t>
+            </a:r>
+            <a:r>
+              <a:rPr lang="en-US" altLang="ko-KR" dirty="0" smtClean="0"/>
+              <a:t>AR</a:t>
+            </a:r>
+            <a:r>
+              <a:rPr lang="ko-KR" altLang="en-US" dirty="0" smtClean="0"/>
+              <a:t>을 이용해 사용자에게 어디로 가야할 지 화살표를 이용하여 길안내를 시작합니다</a:t>
+            </a:r>
+            <a:r>
+              <a:rPr lang="en-US" altLang="ko-KR" dirty="0" smtClean="0"/>
+              <a:t>.</a:t>
+            </a:r>
+          </a:p>
+          <a:p>
+            <a:r>
+              <a:rPr lang="ko-KR" altLang="en-US" dirty="0" smtClean="0"/>
+              <a:t>상품의 위치에 도착하면</a:t>
+            </a:r>
+            <a:r>
+              <a:rPr lang="ko-KR" altLang="en-US" baseline="0" dirty="0" smtClean="0"/>
+              <a:t> </a:t>
+            </a:r>
+            <a:r>
+              <a:rPr lang="ko-KR" altLang="en-US" dirty="0" smtClean="0"/>
+              <a:t>내비게이션은 다음 물건으로 안내를 시작합니다</a:t>
+            </a:r>
+            <a:r>
+              <a:rPr lang="en-US" altLang="ko-KR" dirty="0" smtClean="0"/>
+              <a:t>.</a:t>
+            </a:r>
+          </a:p>
+          <a:p>
+            <a:endParaRPr lang="en-US" altLang="ko-KR" dirty="0" smtClean="0"/>
+          </a:p>
+          <a:p>
+            <a:pPr marL="0" marR="0" indent="0" algn="l" defTabSz="914400" rtl="0" eaLnBrk="1" fontAlgn="auto" latinLnBrk="1" hangingPunct="1">
+              <a:lnSpc>
+                <a:spcPct val="100000"/>
+              </a:lnSpc>
+              <a:spcBef>
+                <a:spcPts val="0"/>
+              </a:spcBef>
+              <a:spcAft>
+                <a:spcPts val="0"/>
+              </a:spcAft>
+              <a:buClrTx/>
+              <a:buSzTx/>
+              <a:buFontTx/>
+              <a:buNone/>
+              <a:tabLst/>
+              <a:defRPr/>
+            </a:pPr>
+            <a:r>
+              <a:rPr lang="ko-KR" altLang="en-US" dirty="0" smtClean="0"/>
+              <a:t>저희 서비스에서는 </a:t>
+            </a:r>
+            <a:r>
+              <a:rPr lang="ko-KR" altLang="en-US" dirty="0" err="1" smtClean="0"/>
+              <a:t>관련도를</a:t>
+            </a:r>
+            <a:r>
+              <a:rPr lang="ko-KR" altLang="en-US" dirty="0" smtClean="0"/>
+              <a:t> 이용한 검색을 통해 유사한 제품까지 검색이 가능하며 그 제품을 사용해본 사람이 결제 후 리뷰를 남기면 인공지능 모델을 이용해 리뷰의 </a:t>
+            </a:r>
+            <a:r>
+              <a:rPr lang="ko-KR" altLang="en-US" dirty="0" err="1" smtClean="0"/>
+              <a:t>긍</a:t>
+            </a:r>
+            <a:r>
+              <a:rPr lang="en-US" altLang="ko-KR" dirty="0" smtClean="0"/>
+              <a:t>/</a:t>
+            </a:r>
+            <a:r>
+              <a:rPr lang="ko-KR" altLang="en-US" dirty="0" smtClean="0"/>
+              <a:t>부정 여부를 판단한 후</a:t>
+            </a:r>
+            <a:r>
+              <a:rPr lang="en-US" altLang="ko-KR" dirty="0" smtClean="0"/>
+              <a:t>, </a:t>
+            </a:r>
+            <a:r>
+              <a:rPr lang="ko-KR" altLang="en-US" dirty="0" smtClean="0"/>
+              <a:t>키워드 추출을 이용해 제품의 핵심 키워드를 간편하게 확인할 수 있도록 하였습니다</a:t>
+            </a:r>
+            <a:r>
+              <a:rPr lang="en-US" altLang="ko-KR" dirty="0" smtClean="0"/>
+              <a:t>.</a:t>
+            </a:r>
+          </a:p>
+          <a:p>
+            <a:endParaRPr lang="en-US" altLang="ko-KR" dirty="0" smtClean="0"/>
+          </a:p>
+          <a:p>
             <a:endParaRPr lang="ko-KR" altLang="en-US" dirty="0"/>
           </a:p>
         </p:txBody>
@@ -1458,7 +1840,7 @@
     </p:spTree>
     <p:extLst>
       <p:ext uri="{BB962C8B-B14F-4D97-AF65-F5344CB8AC3E}">
-        <p14:creationId xmlns:p14="http://schemas.microsoft.com/office/powerpoint/2010/main" val="692525258"/>
+        <p14:creationId xmlns:p14="http://schemas.microsoft.com/office/powerpoint/2010/main" val="3240937792"/>
       </p:ext>
     </p:extLst>
   </p:cSld>
@@ -1512,94 +1894,6 @@
           <a:bodyPr/>
           <a:lstStyle/>
           <a:p>
-            <a:r>
-              <a:rPr lang="ko-KR" altLang="en-US" dirty="0" err="1" smtClean="0"/>
-              <a:t>프론트엔드는</a:t>
-            </a:r>
-            <a:r>
-              <a:rPr lang="ko-KR" altLang="en-US" dirty="0" smtClean="0"/>
-              <a:t> </a:t>
-            </a:r>
-            <a:r>
-              <a:rPr lang="ko-KR" altLang="en-US" dirty="0" err="1" smtClean="0"/>
-              <a:t>코틀린</a:t>
-            </a:r>
-            <a:r>
-              <a:rPr lang="ko-KR" altLang="en-US" dirty="0" smtClean="0"/>
-              <a:t> 기반의 안드로이드 앱을 개발할 예정이며 </a:t>
-            </a:r>
-            <a:r>
-              <a:rPr lang="en-US" altLang="ko-KR" dirty="0" smtClean="0"/>
-              <a:t>AR</a:t>
-            </a:r>
-            <a:r>
-              <a:rPr lang="ko-KR" altLang="en-US" dirty="0" smtClean="0"/>
-              <a:t>로 내비게이션을 구상하는 부분은 </a:t>
-            </a:r>
-            <a:r>
-              <a:rPr lang="ko-KR" altLang="en-US" dirty="0" err="1" smtClean="0"/>
-              <a:t>실내라는</a:t>
-            </a:r>
-            <a:r>
-              <a:rPr lang="ko-KR" altLang="en-US" dirty="0" smtClean="0"/>
-              <a:t> 제약 </a:t>
-            </a:r>
-            <a:r>
-              <a:rPr lang="ko-KR" altLang="en-US" dirty="0" err="1" smtClean="0"/>
-              <a:t>떄문에</a:t>
-            </a:r>
-            <a:r>
-              <a:rPr lang="ko-KR" altLang="en-US" dirty="0" smtClean="0"/>
-              <a:t> </a:t>
-            </a:r>
-            <a:r>
-              <a:rPr lang="ko-KR" altLang="en-US" dirty="0" err="1" smtClean="0"/>
-              <a:t>유니티로</a:t>
-            </a:r>
-            <a:r>
-              <a:rPr lang="ko-KR" altLang="en-US" dirty="0" smtClean="0"/>
-              <a:t> </a:t>
-            </a:r>
-            <a:r>
-              <a:rPr lang="en-US" altLang="ko-KR" dirty="0" smtClean="0"/>
-              <a:t>map</a:t>
-            </a:r>
-            <a:r>
-              <a:rPr lang="ko-KR" altLang="en-US" dirty="0" smtClean="0"/>
-              <a:t>을 만들어 </a:t>
-            </a:r>
-            <a:r>
-              <a:rPr lang="ko-KR" altLang="en-US" dirty="0" err="1" smtClean="0"/>
-              <a:t>맥스트</a:t>
-            </a:r>
-            <a:r>
-              <a:rPr lang="ko-KR" altLang="en-US" dirty="0" smtClean="0"/>
-              <a:t> </a:t>
-            </a:r>
-            <a:r>
-              <a:rPr lang="en-US" altLang="ko-KR" dirty="0" smtClean="0"/>
-              <a:t>SDK</a:t>
-            </a:r>
-            <a:r>
-              <a:rPr lang="ko-KR" altLang="en-US" dirty="0" smtClean="0"/>
-              <a:t>를 활용하여 </a:t>
-            </a:r>
-            <a:r>
-              <a:rPr lang="en-US" altLang="ko-KR" dirty="0" smtClean="0"/>
-              <a:t>AR</a:t>
-            </a:r>
-            <a:r>
-              <a:rPr lang="en-US" altLang="ko-KR" baseline="0" dirty="0" smtClean="0"/>
-              <a:t> </a:t>
-            </a:r>
-            <a:r>
-              <a:rPr lang="ko-KR" altLang="en-US" dirty="0" smtClean="0"/>
-              <a:t>길 안내가 가능하도록 할 예정입니다</a:t>
-            </a:r>
-            <a:r>
-              <a:rPr lang="en-US" altLang="ko-KR" dirty="0" smtClean="0"/>
-              <a:t>.</a:t>
-            </a:r>
             <a:endParaRPr lang="ko-KR" altLang="en-US" dirty="0"/>
           </a:p>
         </p:txBody>
@@ -1630,7 +1924,7 @@
     </p:spTree>
     <p:extLst>
       <p:ext uri="{BB962C8B-B14F-4D97-AF65-F5344CB8AC3E}">
-        <p14:creationId xmlns:p14="http://schemas.microsoft.com/office/powerpoint/2010/main" val="309242344"/>
+        <p14:creationId xmlns:p14="http://schemas.microsoft.com/office/powerpoint/2010/main" val="1164201089"/>
       </p:ext>
     </p:extLst>
   </p:cSld>
@@ -1686,80 +1980,136 @@
           <a:p>
             <a:r>
               <a:rPr lang="ko-KR" altLang="en-US" dirty="0" smtClean="0"/>
-              <a:t>앞서 </a:t>
-            </a:r>
+              <a:t>첫번째 기능은 최단 경로 탐색 기능입니다</a:t>
+            </a:r>
+            <a:r>
+              <a:rPr lang="en-US" altLang="ko-KR" dirty="0" smtClean="0"/>
+              <a:t>.</a:t>
+            </a:r>
+          </a:p>
+          <a:p>
             <a:r>
               <a:rPr lang="ko-KR" altLang="en-US" dirty="0" err="1" smtClean="0"/>
-              <a:t>보여드렸다시피</a:t>
-            </a:r>
-            <a:r>
-              <a:rPr lang="en-US" altLang="ko-KR" baseline="0" dirty="0" smtClean="0"/>
-              <a:t> </a:t>
-            </a:r>
-            <a:r>
-              <a:rPr lang="ko-KR" altLang="en-US" dirty="0" err="1" smtClean="0"/>
-              <a:t>목업은</a:t>
-            </a:r>
-            <a:r>
-              <a:rPr lang="ko-KR" altLang="en-US" dirty="0" smtClean="0"/>
-              <a:t> 제작</a:t>
-            </a:r>
-            <a:r>
-              <a:rPr lang="ko-KR" altLang="en-US" baseline="0" dirty="0" smtClean="0"/>
-              <a:t> 중이고</a:t>
-            </a:r>
-            <a:r>
-              <a:rPr lang="en-US" altLang="ko-KR" baseline="0" dirty="0" smtClean="0"/>
-              <a:t>,</a:t>
+              <a:t>장볼구니에</a:t>
+            </a:r>
+            <a:r>
+              <a:rPr lang="ko-KR" altLang="en-US" dirty="0" smtClean="0"/>
+              <a:t> 미리 담아놓은 상품 또는 카테고리를 이용하여</a:t>
             </a:r>
             <a:r>
               <a:rPr lang="ko-KR" altLang="en-US" baseline="0" dirty="0" smtClean="0"/>
               <a:t> </a:t>
             </a:r>
             <a:r>
-              <a:rPr lang="ko-KR" altLang="en-US" baseline="0" dirty="0" err="1" smtClean="0"/>
-              <a:t>코틀린과</a:t>
+              <a:rPr lang="ko-KR" altLang="en-US" dirty="0" smtClean="0"/>
+              <a:t>현재 나의 위치를 기준으로 물건들을 가장 최단 거리로 방문할 수 있는 경로를 찾습니다</a:t>
+            </a:r>
+            <a:r>
+              <a:rPr lang="en-US" altLang="ko-KR" dirty="0" smtClean="0"/>
+              <a:t>.</a:t>
+            </a:r>
+          </a:p>
+          <a:p>
+            <a:endParaRPr lang="en-US" altLang="ko-KR" dirty="0" smtClean="0"/>
+          </a:p>
+          <a:p>
+            <a:r>
+              <a:rPr lang="ko-KR" altLang="en-US" dirty="0" smtClean="0"/>
+              <a:t>최단 경로가 만들어지면 </a:t>
+            </a:r>
+            <a:r>
+              <a:rPr lang="en-US" altLang="ko-KR" dirty="0" smtClean="0"/>
+              <a:t>AR</a:t>
+            </a:r>
+            <a:r>
+              <a:rPr lang="ko-KR" altLang="en-US" dirty="0" smtClean="0"/>
+              <a:t>을 이용해 사용자에게 어디로 가야할 지 화살표를 이용하여 길안내를 시작합니다</a:t>
+            </a:r>
+            <a:r>
+              <a:rPr lang="en-US" altLang="ko-KR" dirty="0" smtClean="0"/>
+              <a:t>.</a:t>
+            </a:r>
+          </a:p>
+          <a:p>
+            <a:r>
+              <a:rPr lang="ko-KR" altLang="en-US" dirty="0" smtClean="0"/>
+              <a:t>상품의 위치에 도착하면</a:t>
             </a:r>
             <a:r>
               <a:rPr lang="ko-KR" altLang="en-US" baseline="0" dirty="0" smtClean="0"/>
               <a:t> </a:t>
             </a:r>
             <a:r>
-              <a:rPr lang="ko-KR" altLang="en-US" baseline="0" dirty="0" err="1" smtClean="0"/>
-              <a:t>유니티를</a:t>
-            </a:r>
-            <a:r>
-              <a:rPr lang="ko-KR" altLang="en-US" baseline="0" dirty="0" smtClean="0"/>
-              <a:t> 공부하는 것과 동시에 </a:t>
-            </a:r>
-            <a:r>
-              <a:rPr lang="ko-KR" altLang="en-US" dirty="0" err="1" smtClean="0"/>
-              <a:t>유니티랑</a:t>
-            </a:r>
-            <a:r>
-              <a:rPr lang="ko-KR" altLang="en-US" dirty="0" smtClean="0"/>
-              <a:t> </a:t>
-            </a:r>
-            <a:r>
-              <a:rPr lang="ko-KR" altLang="en-US" dirty="0" err="1" smtClean="0"/>
-              <a:t>맥스트를</a:t>
-            </a:r>
-            <a:r>
-              <a:rPr lang="ko-KR" altLang="en-US" dirty="0" smtClean="0"/>
-              <a:t> 활용해서 간단하게나마 </a:t>
-            </a:r>
-            <a:r>
-              <a:rPr lang="en-US" altLang="ko-KR" dirty="0" smtClean="0"/>
-              <a:t>AR </a:t>
-            </a:r>
-            <a:r>
-              <a:rPr lang="ko-KR" altLang="en-US" dirty="0" smtClean="0"/>
-              <a:t>테스트를 해보고 있습니다</a:t>
+              <a:rPr lang="ko-KR" altLang="en-US" dirty="0" smtClean="0"/>
+              <a:t>내비게이션은 다음 물건으로 안내를 시작합니다</a:t>
             </a:r>
             <a:r>
               <a:rPr lang="en-US" altLang="ko-KR" dirty="0" smtClean="0"/>
               <a:t>.</a:t>
             </a:r>
+          </a:p>
+          <a:p>
+            <a:endParaRPr lang="en-US" altLang="ko-KR" dirty="0" smtClean="0"/>
+          </a:p>
+          <a:p>
+            <a:pPr marL="0" marR="0" indent="0" algn="l" defTabSz="914400" rtl="0" eaLnBrk="1" fontAlgn="auto" latinLnBrk="1" hangingPunct="1">
+              <a:lnSpc>
+                <a:spcPct val="100000"/>
+              </a:lnSpc>
+              <a:spcBef>
+                <a:spcPts val="0"/>
+              </a:spcBef>
+              <a:spcAft>
+                <a:spcPts val="0"/>
+              </a:spcAft>
+              <a:buClrTx/>
+              <a:buSzTx/>
+              <a:buFontTx/>
+              <a:buNone/>
+              <a:tabLst/>
+              <a:defRPr/>
+            </a:pPr>
+            <a:r>
+              <a:rPr lang="ko-KR" altLang="en-US" dirty="0" smtClean="0"/>
+              <a:t>저희 서비스에서는 </a:t>
+            </a:r>
+            <a:r>
+              <a:rPr lang="ko-KR" altLang="en-US" dirty="0" err="1" smtClean="0"/>
+              <a:t>관련도를</a:t>
+            </a:r>
+            <a:r>
+              <a:rPr lang="ko-KR" altLang="en-US" dirty="0" smtClean="0"/>
+              <a:t> 이용한 검색을 통해 유사한 제품까지 검색이 가능하며 그 제품을 사용해본 사람이 결제 후 리뷰를 남기면 인공지능 모델을 이용해 리뷰의 </a:t>
+            </a:r>
+            <a:r>
+              <a:rPr lang="ko-KR" altLang="en-US" dirty="0" err="1" smtClean="0"/>
+              <a:t>긍</a:t>
+            </a:r>
+            <a:r>
+              <a:rPr lang="en-US" altLang="ko-KR" dirty="0" smtClean="0"/>
+              <a:t>/</a:t>
+            </a:r>
+            <a:r>
+              <a:rPr lang="ko-KR" altLang="en-US" dirty="0" smtClean="0"/>
+              <a:t>부정 여부를 판단한 후</a:t>
+            </a:r>
+            <a:r>
+              <a:rPr lang="en-US" altLang="ko-KR" dirty="0" smtClean="0"/>
+              <a:t>, </a:t>
+            </a:r>
+            <a:r>
+              <a:rPr lang="ko-KR" altLang="en-US" dirty="0" smtClean="0"/>
+              <a:t>키워드 추출을 이용해 제품의 핵심 키워드를 간편하게 확인할 수 있도록 하였습니다</a:t>
+            </a:r>
+            <a:r>
+              <a:rPr lang="en-US" altLang="ko-KR" dirty="0" smtClean="0"/>
+              <a:t>.</a:t>
+            </a:r>
+          </a:p>
+          <a:p>
+            <a:endParaRPr lang="en-US" altLang="ko-KR" dirty="0" smtClean="0"/>
+          </a:p>
+          <a:p>
             <a:endParaRPr lang="ko-KR" altLang="en-US" dirty="0"/>
           </a:p>
         </p:txBody>
@@ -1790,7 +2140,7 @@
     </p:spTree>
     <p:extLst>
       <p:ext uri="{BB962C8B-B14F-4D97-AF65-F5344CB8AC3E}">
-        <p14:creationId xmlns:p14="http://schemas.microsoft.com/office/powerpoint/2010/main" val="3941265974"/>
+        <p14:creationId xmlns:p14="http://schemas.microsoft.com/office/powerpoint/2010/main" val="1400313732"/>
       </p:ext>
     </p:extLst>
   </p:cSld>
@@ -1845,57 +2195,137 @@
           <a:lstStyle/>
           <a:p>
             <a:r>
+              <a:rPr lang="ko-KR" altLang="en-US" dirty="0" smtClean="0"/>
+              <a:t>첫번째 기능은 최단 경로 탐색 기능입니다</a:t>
+            </a:r>
+            <a:r>
+              <a:rPr lang="en-US" altLang="ko-KR" dirty="0" smtClean="0"/>
+              <a:t>.</a:t>
+            </a:r>
+          </a:p>
+          <a:p>
+            <a:r>
               <a:rPr lang="ko-KR" altLang="en-US" dirty="0" err="1" smtClean="0"/>
-              <a:t>백엔드</a:t>
-            </a:r>
-            <a:r>
-              <a:rPr lang="ko-KR" altLang="en-US" dirty="0" smtClean="0"/>
-              <a:t> 서버는 </a:t>
+              <a:t>장볼구니에</a:t>
+            </a:r>
+            <a:r>
+              <a:rPr lang="ko-KR" altLang="en-US" dirty="0" smtClean="0"/>
+              <a:t> 미리 담아놓은 상품 또는 카테고리를 이용하여</a:t>
+            </a:r>
+            <a:r>
+              <a:rPr lang="ko-KR" altLang="en-US" baseline="0" dirty="0" smtClean="0"/>
+              <a:t> </a:t>
+            </a:r>
+            <a:r>
+              <a:rPr lang="ko-KR" altLang="en-US" dirty="0" smtClean="0"/>
+              <a:t>현재 나의 위치를 기준으로 물건들을 가장 최단 거리로 방문할 수 있는 경로를 찾습니다</a:t>
             </a:r>
             <a:r>
               <a:rPr lang="en-US" altLang="ko-KR" dirty="0" smtClean="0"/>
-              <a:t>Spring boot</a:t>
-            </a:r>
-            <a:r>
-              <a:rPr lang="ko-KR" altLang="en-US" dirty="0" smtClean="0"/>
-              <a:t>와 </a:t>
+              <a:t>.</a:t>
+            </a:r>
+          </a:p>
+          <a:p>
+            <a:endParaRPr lang="en-US" altLang="ko-KR" dirty="0" smtClean="0"/>
+          </a:p>
+          <a:p>
+            <a:r>
+              <a:rPr lang="ko-KR" altLang="en-US" dirty="0" smtClean="0"/>
+              <a:t>최단 경로가 만들어지면 </a:t>
+            </a:r>
+            <a:r>
+              <a:rPr lang="en-US" altLang="ko-KR" dirty="0" smtClean="0"/>
+              <a:t>AR</a:t>
+            </a:r>
+            <a:r>
+              <a:rPr lang="ko-KR" altLang="en-US" dirty="0" smtClean="0"/>
+              <a:t>을 이용해 사용자에게 어디로 가야할 지 화살표를 이용하여 길안내를 시작합니다</a:t>
+            </a:r>
+            <a:r>
+              <a:rPr lang="en-US" altLang="ko-KR" dirty="0" smtClean="0"/>
+              <a:t>.</a:t>
+            </a:r>
+          </a:p>
+          <a:p>
+            <a:r>
+              <a:rPr lang="ko-KR" altLang="en-US" dirty="0" smtClean="0"/>
+              <a:t>상품의 위치에 도착하면</a:t>
+            </a:r>
+            <a:r>
+              <a:rPr lang="ko-KR" altLang="en-US" baseline="0" dirty="0" smtClean="0"/>
+              <a:t> </a:t>
+            </a:r>
+            <a:r>
+              <a:rPr lang="ko-KR" altLang="en-US" dirty="0" smtClean="0"/>
+              <a:t>내비게이션은 다음 물건으로 안내를 시작합니다</a:t>
+            </a:r>
+            <a:r>
+              <a:rPr lang="en-US" altLang="ko-KR" dirty="0" smtClean="0"/>
+              <a:t>.</a:t>
+            </a:r>
+          </a:p>
+          <a:p>
+            <a:endParaRPr lang="en-US" altLang="ko-KR" dirty="0" smtClean="0"/>
+          </a:p>
+          <a:p>
+            <a:pPr marL="0" marR="0" indent="0" algn="l" defTabSz="914400" rtl="0" eaLnBrk="1" fontAlgn="auto" latinLnBrk="1" hangingPunct="1">
+              <a:lnSpc>
+                <a:spcPct val="100000"/>
+              </a:lnSpc>
+              <a:spcBef>
+                <a:spcPts val="0"/>
+              </a:spcBef>
+              <a:spcAft>
+                <a:spcPts val="0"/>
+              </a:spcAft>
+              <a:buClrTx/>
+              <a:buSzTx/>
+              <a:buFontTx/>
+              <a:buNone/>
+              <a:tabLst/>
+              <a:defRPr/>
+            </a:pPr>
+            <a:r>
+              <a:rPr lang="ko-KR" altLang="en-US" dirty="0" smtClean="0"/>
+              <a:t>저희 서비스에서는 </a:t>
             </a:r>
             <a:r>
               <a:rPr lang="ko-KR" altLang="en-US" dirty="0" err="1" smtClean="0"/>
-              <a:t>코틀린을</a:t>
-            </a:r>
-            <a:r>
-              <a:rPr lang="ko-KR" altLang="en-US" dirty="0" smtClean="0"/>
-              <a:t> 사용하여 개발 예정입니다</a:t>
+              <a:t>관련도를</a:t>
+            </a:r>
+            <a:r>
+              <a:rPr lang="ko-KR" altLang="en-US" dirty="0" smtClean="0"/>
+              <a:t> 이용한 검색을 통해 유사한 제품까지 검색이 가능하며 그 제품을 사용해본 사람이 결제 후 리뷰를 남기면 인공지능 모델을 이용해 리뷰의 </a:t>
+            </a:r>
+            <a:r>
+              <a:rPr lang="ko-KR" altLang="en-US" dirty="0" err="1" smtClean="0"/>
+              <a:t>긍</a:t>
             </a:r>
             <a:r>
               <a:rPr lang="en-US" altLang="ko-KR" dirty="0" smtClean="0"/>
-              <a:t>. </a:t>
-            </a:r>
-            <a:r>
-              <a:rPr lang="ko-KR" altLang="en-US" dirty="0" smtClean="0"/>
-              <a:t>물건들의 위치를 통해 최단 경로를 반환할 예정이며 </a:t>
-            </a:r>
-            <a:r>
-              <a:rPr lang="ko-KR" altLang="en-US" dirty="0" err="1" smtClean="0"/>
-              <a:t>엘라스틱</a:t>
-            </a:r>
-            <a:r>
-              <a:rPr lang="ko-KR" altLang="en-US" dirty="0" smtClean="0"/>
-              <a:t> </a:t>
-            </a:r>
-            <a:r>
-              <a:rPr lang="ko-KR" altLang="en-US" dirty="0" err="1" smtClean="0"/>
-              <a:t>서치를</a:t>
-            </a:r>
-            <a:r>
-              <a:rPr lang="ko-KR" altLang="en-US" dirty="0" smtClean="0"/>
-              <a:t> 이용해 상품 검색을 진행할 예정입니다</a:t>
+              <a:t>/</a:t>
+            </a:r>
+            <a:r>
+              <a:rPr lang="ko-KR" altLang="en-US" dirty="0" smtClean="0"/>
+              <a:t>부정 여부를 판단한 후</a:t>
             </a:r>
             <a:r>
               <a:rPr lang="en-US" altLang="ko-KR" dirty="0" smtClean="0"/>
-              <a:t>. </a:t>
-            </a:r>
+              <a:t>, </a:t>
+            </a:r>
+            <a:r>
+              <a:rPr lang="ko-KR" altLang="en-US" dirty="0" smtClean="0"/>
+              <a:t>키워드 추출을 이용해 제품의 핵심 키워드를 간편하게 확인할 수 있도록 하였습니다</a:t>
+            </a:r>
+            <a:r>
+              <a:rPr lang="en-US" altLang="ko-KR" dirty="0" smtClean="0"/>
+              <a:t>.</a:t>
+            </a:r>
+          </a:p>
+          <a:p>
+            <a:endParaRPr lang="en-US" altLang="ko-KR" dirty="0" smtClean="0"/>
+          </a:p>
+          <a:p>
             <a:endParaRPr lang="ko-KR" altLang="en-US" dirty="0"/>
           </a:p>
         </p:txBody>
@@ -1926,7 +2356,7 @@
     </p:spTree>
     <p:extLst>
       <p:ext uri="{BB962C8B-B14F-4D97-AF65-F5344CB8AC3E}">
-        <p14:creationId xmlns:p14="http://schemas.microsoft.com/office/powerpoint/2010/main" val="1555847606"/>
+        <p14:creationId xmlns:p14="http://schemas.microsoft.com/office/powerpoint/2010/main" val="2485419267"/>
       </p:ext>
     </p:extLst>
   </p:cSld>
@@ -1982,39 +2412,7 @@
           <a:p>
             <a:r>
               <a:rPr lang="ko-KR" altLang="en-US" dirty="0" smtClean="0"/>
-              <a:t>현재 </a:t>
-            </a:r>
-            <a:r>
-              <a:rPr lang="en-US" altLang="ko-KR" dirty="0" smtClean="0"/>
-              <a:t>API </a:t>
-            </a:r>
-            <a:r>
-              <a:rPr lang="ko-KR" altLang="en-US" dirty="0" smtClean="0"/>
-              <a:t>명세서까지 작성 완료한 상태이며 </a:t>
-            </a:r>
-            <a:r>
-              <a:rPr lang="ko-KR" altLang="en-US" dirty="0" err="1" smtClean="0"/>
-              <a:t>코틀린</a:t>
-            </a:r>
-            <a:r>
-              <a:rPr lang="ko-KR" altLang="en-US" dirty="0" smtClean="0"/>
-              <a:t> 공부와 </a:t>
-            </a:r>
-            <a:r>
-              <a:rPr lang="ko-KR" altLang="en-US" dirty="0" err="1" smtClean="0"/>
-              <a:t>엘라스틱</a:t>
-            </a:r>
-            <a:r>
-              <a:rPr lang="ko-KR" altLang="en-US" dirty="0" smtClean="0"/>
-              <a:t> </a:t>
-            </a:r>
-            <a:r>
-              <a:rPr lang="ko-KR" altLang="en-US" dirty="0" err="1" smtClean="0"/>
-              <a:t>서치</a:t>
-            </a:r>
-            <a:r>
-              <a:rPr lang="ko-KR" altLang="en-US" dirty="0" smtClean="0"/>
-              <a:t> 공부를 진행하고 있습니다</a:t>
+              <a:t>다음은 저희 기술 스택과 개발 현황입니다</a:t>
             </a:r>
             <a:r>
               <a:rPr lang="en-US" altLang="ko-KR" dirty="0" smtClean="0"/>
@@ -2050,7 +2448,7 @@
     </p:spTree>
     <p:extLst>
       <p:ext uri="{BB962C8B-B14F-4D97-AF65-F5344CB8AC3E}">
-        <p14:creationId xmlns:p14="http://schemas.microsoft.com/office/powerpoint/2010/main" val="3315569341"/>
+        <p14:creationId xmlns:p14="http://schemas.microsoft.com/office/powerpoint/2010/main" val="1700658537"/>
       </p:ext>
     </p:extLst>
   </p:cSld>
@@ -2106,35 +2504,7 @@
           <a:p>
             <a:r>
               <a:rPr lang="ko-KR" altLang="en-US" dirty="0" smtClean="0"/>
-              <a:t>인프라는 </a:t>
-            </a:r>
-            <a:r>
-              <a:rPr lang="ko-KR" altLang="en-US" dirty="0" err="1" smtClean="0"/>
-              <a:t>젠킨스와</a:t>
-            </a:r>
-            <a:r>
-              <a:rPr lang="ko-KR" altLang="en-US" dirty="0" smtClean="0"/>
-              <a:t> </a:t>
-            </a:r>
-            <a:r>
-              <a:rPr lang="ko-KR" altLang="en-US" dirty="0" err="1" smtClean="0"/>
-              <a:t>쿠버네티스를</a:t>
-            </a:r>
-            <a:r>
-              <a:rPr lang="ko-KR" altLang="en-US" dirty="0" smtClean="0"/>
-              <a:t> 활용하여 빌드와 배포 자동화 그리고 컨테이너 오케스트레이션을 적용시켜볼 예정입니다</a:t>
-            </a:r>
-            <a:r>
-              <a:rPr lang="en-US" altLang="ko-KR" dirty="0" smtClean="0"/>
-              <a:t>. </a:t>
-            </a:r>
-            <a:r>
-              <a:rPr lang="ko-KR" altLang="en-US" dirty="0" err="1" smtClean="0"/>
-              <a:t>인프런</a:t>
-            </a:r>
-            <a:r>
-              <a:rPr lang="ko-KR" altLang="en-US" dirty="0" smtClean="0"/>
-              <a:t> 강의를 들으며 배포에 서두르고 있습니다</a:t>
+              <a:t>다음은 저희 기술 스택과 개발 현황입니다</a:t>
             </a:r>
             <a:r>
               <a:rPr lang="en-US" altLang="ko-KR" dirty="0" smtClean="0"/>
@@ -2170,7 +2540,7 @@
     </p:spTree>
     <p:extLst>
       <p:ext uri="{BB962C8B-B14F-4D97-AF65-F5344CB8AC3E}">
-        <p14:creationId xmlns:p14="http://schemas.microsoft.com/office/powerpoint/2010/main" val="1473998281"/>
+        <p14:creationId xmlns:p14="http://schemas.microsoft.com/office/powerpoint/2010/main" val="692525258"/>
       </p:ext>
     </p:extLst>
   </p:cSld>
@@ -2357,12 +2727,8 @@
           <a:lstStyle/>
           <a:p>
             <a:r>
-              <a:rPr lang="ko-KR" altLang="en-US" dirty="0" smtClean="0"/>
-              <a:t>인프라는 </a:t>
-            </a:r>
-            <a:r>
               <a:rPr lang="ko-KR" altLang="en-US" dirty="0" err="1" smtClean="0"/>
-              <a:t>젠킨스와</a:t>
+              <a:t>프론트엔드는</a:t>
             </a:r>
             <a:r>
               <a:rPr lang="ko-KR" altLang="en-US" dirty="0" smtClean="0"/>
@@ -2370,23 +2736,79 @@
             </a:r>
             <a:r>
               <a:rPr lang="ko-KR" altLang="en-US" dirty="0" err="1" smtClean="0"/>
-              <a:t>쿠버네티스를</a:t>
-            </a:r>
-            <a:r>
-              <a:rPr lang="ko-KR" altLang="en-US" dirty="0" smtClean="0"/>
-              <a:t> 활용하여 빌드와 배포 자동화 그리고 컨테이너 오케스트레이션을 적용시켜볼 예정입니다</a:t>
+              <a:t>코틀린</a:t>
+            </a:r>
+            <a:r>
+              <a:rPr lang="ko-KR" altLang="en-US" dirty="0" smtClean="0"/>
+              <a:t> 기반의 안드로이드 앱을 개발할 예정이며 </a:t>
             </a:r>
             <a:r>
               <a:rPr lang="en-US" altLang="ko-KR" dirty="0" smtClean="0"/>
-              <a:t>. </a:t>
+              <a:t>AR</a:t>
+            </a:r>
+            <a:r>
+              <a:rPr lang="ko-KR" altLang="en-US" dirty="0" smtClean="0"/>
+              <a:t>로 내비게이션을 구상하는 부분은 </a:t>
             </a:r>
             <a:r>
               <a:rPr lang="ko-KR" altLang="en-US" dirty="0" err="1" smtClean="0"/>
-              <a:t>인프런</a:t>
-            </a:r>
-            <a:r>
-              <a:rPr lang="ko-KR" altLang="en-US" dirty="0" smtClean="0"/>
-              <a:t> 강의를 들으며 배포에 서두르고 있습니다</a:t>
+              <a:t>실내라는</a:t>
+            </a:r>
+            <a:r>
+              <a:rPr lang="ko-KR" altLang="en-US" dirty="0" smtClean="0"/>
+              <a:t> 제약 </a:t>
+            </a:r>
+            <a:r>
+              <a:rPr lang="ko-KR" altLang="en-US" dirty="0" err="1" smtClean="0"/>
+              <a:t>떄문에</a:t>
+            </a:r>
+            <a:r>
+              <a:rPr lang="ko-KR" altLang="en-US" dirty="0" smtClean="0"/>
+              <a:t> </a:t>
+            </a:r>
+            <a:r>
+              <a:rPr lang="ko-KR" altLang="en-US" dirty="0" err="1" smtClean="0"/>
+              <a:t>유니티로</a:t>
+            </a:r>
+            <a:r>
+              <a:rPr lang="ko-KR" altLang="en-US" dirty="0" smtClean="0"/>
+              <a:t> </a:t>
+            </a:r>
+            <a:r>
+              <a:rPr lang="en-US" altLang="ko-KR" dirty="0" smtClean="0"/>
+              <a:t>map</a:t>
+            </a:r>
+            <a:r>
+              <a:rPr lang="ko-KR" altLang="en-US" dirty="0" smtClean="0"/>
+              <a:t>을 만들어 </a:t>
+            </a:r>
+            <a:r>
+              <a:rPr lang="ko-KR" altLang="en-US" dirty="0" err="1" smtClean="0"/>
+              <a:t>맥스트</a:t>
+            </a:r>
+            <a:r>
+              <a:rPr lang="ko-KR" altLang="en-US" dirty="0" smtClean="0"/>
+              <a:t> </a:t>
+            </a:r>
+            <a:r>
+              <a:rPr lang="en-US" altLang="ko-KR" dirty="0" smtClean="0"/>
+              <a:t>SDK</a:t>
+            </a:r>
+            <a:r>
+              <a:rPr lang="ko-KR" altLang="en-US" dirty="0" smtClean="0"/>
+              <a:t>를 활용하여 </a:t>
+            </a:r>
+            <a:r>
+              <a:rPr lang="en-US" altLang="ko-KR" dirty="0" smtClean="0"/>
+              <a:t>AR</a:t>
+            </a:r>
+            <a:r>
+              <a:rPr lang="en-US" altLang="ko-KR" baseline="0" dirty="0" smtClean="0"/>
+              <a:t> </a:t>
+            </a:r>
+            <a:r>
+              <a:rPr lang="ko-KR" altLang="en-US" dirty="0" smtClean="0"/>
+              <a:t>길 안내가 가능하도록 할 예정입니다</a:t>
             </a:r>
             <a:r>
               <a:rPr lang="en-US" altLang="ko-KR" dirty="0" smtClean="0"/>
@@ -2422,7 +2844,7 @@
     </p:spTree>
     <p:extLst>
       <p:ext uri="{BB962C8B-B14F-4D97-AF65-F5344CB8AC3E}">
-        <p14:creationId xmlns:p14="http://schemas.microsoft.com/office/powerpoint/2010/main" val="3981090095"/>
+        <p14:creationId xmlns:p14="http://schemas.microsoft.com/office/powerpoint/2010/main" val="309242344"/>
       </p:ext>
     </p:extLst>
   </p:cSld>
@@ -2477,24 +2899,28 @@
           <a:lstStyle/>
           <a:p>
             <a:r>
+              <a:rPr lang="ko-KR" altLang="en-US" dirty="0" err="1" smtClean="0"/>
+              <a:t>백엔드</a:t>
+            </a:r>
+            <a:r>
+              <a:rPr lang="ko-KR" altLang="en-US" dirty="0" smtClean="0"/>
+              <a:t> 서버는 </a:t>
+            </a:r>
+            <a:r>
               <a:rPr lang="en-US" altLang="ko-KR" dirty="0" smtClean="0"/>
-              <a:t>AI</a:t>
-            </a:r>
-            <a:r>
-              <a:rPr lang="ko-KR" altLang="en-US" dirty="0" smtClean="0"/>
-              <a:t>는 리뷰의 </a:t>
+              <a:t>Spring boot</a:t>
+            </a:r>
+            <a:r>
+              <a:rPr lang="ko-KR" altLang="en-US" dirty="0" smtClean="0"/>
+              <a:t>와 </a:t>
             </a:r>
             <a:r>
               <a:rPr lang="ko-KR" altLang="en-US" dirty="0" err="1" smtClean="0"/>
-              <a:t>긍</a:t>
-            </a:r>
-            <a:r>
-              <a:rPr lang="en-US" altLang="ko-KR" dirty="0" smtClean="0"/>
-              <a:t>/</a:t>
-            </a:r>
-            <a:r>
-              <a:rPr lang="ko-KR" altLang="en-US" dirty="0" smtClean="0"/>
-              <a:t>부정 분류와 대표적인 키워드를 추출하여 그룹화 할 수 있는 모델을 개발할 예정입니다</a:t>
+              <a:t>코틀린을</a:t>
+            </a:r>
+            <a:r>
+              <a:rPr lang="ko-KR" altLang="en-US" dirty="0" smtClean="0"/>
+              <a:t> 사용하여 개발 예정입니다</a:t>
             </a:r>
             <a:r>
               <a:rPr lang="en-US" altLang="ko-KR" dirty="0" smtClean="0"/>
@@ -2502,11 +2928,27 @@
             </a:r>
             <a:r>
               <a:rPr lang="ko-KR" altLang="en-US" dirty="0" smtClean="0"/>
-              <a:t>현재 관련 작업을 하기 위한 모델을 찾는 중입니다</a:t>
+              <a:t>물건들의 위치를 통해 최단 경로를 반환할 예정이며 </a:t>
+            </a:r>
+            <a:r>
+              <a:rPr lang="ko-KR" altLang="en-US" dirty="0" err="1" smtClean="0"/>
+              <a:t>엘라스틱</a:t>
+            </a:r>
+            <a:r>
+              <a:rPr lang="ko-KR" altLang="en-US" dirty="0" smtClean="0"/>
+              <a:t> </a:t>
+            </a:r>
+            <a:r>
+              <a:rPr lang="ko-KR" altLang="en-US" dirty="0" err="1" smtClean="0"/>
+              <a:t>서치를</a:t>
+            </a:r>
+            <a:r>
+              <a:rPr lang="ko-KR" altLang="en-US" dirty="0" smtClean="0"/>
+              <a:t> 이용해 상품 검색을 진행할 예정입니다</a:t>
             </a:r>
             <a:r>
               <a:rPr lang="en-US" altLang="ko-KR" dirty="0" smtClean="0"/>
-              <a:t>.</a:t>
+              <a:t>. </a:t>
             </a:r>
             <a:endParaRPr lang="ko-KR" altLang="en-US" dirty="0"/>
           </a:p>
@@ -2538,7 +2980,7 @@
     </p:spTree>
     <p:extLst>
       <p:ext uri="{BB962C8B-B14F-4D97-AF65-F5344CB8AC3E}">
-        <p14:creationId xmlns:p14="http://schemas.microsoft.com/office/powerpoint/2010/main" val="3161958452"/>
+        <p14:creationId xmlns:p14="http://schemas.microsoft.com/office/powerpoint/2010/main" val="1555847606"/>
       </p:ext>
     </p:extLst>
   </p:cSld>
@@ -2654,7 +3096,7 @@
     </p:spTree>
     <p:extLst>
       <p:ext uri="{BB962C8B-B14F-4D97-AF65-F5344CB8AC3E}">
-        <p14:creationId xmlns:p14="http://schemas.microsoft.com/office/powerpoint/2010/main" val="2106540331"/>
+        <p14:creationId xmlns:p14="http://schemas.microsoft.com/office/powerpoint/2010/main" val="3161958452"/>
       </p:ext>
     </p:extLst>
   </p:cSld>
@@ -2710,7 +3152,35 @@
           <a:p>
             <a:r>
               <a:rPr lang="ko-KR" altLang="en-US" dirty="0" smtClean="0"/>
-              <a:t>마지막으로 저희 팀 소개를 하도록 하겠습니다</a:t>
+              <a:t>인프라는 </a:t>
+            </a:r>
+            <a:r>
+              <a:rPr lang="ko-KR" altLang="en-US" dirty="0" err="1" smtClean="0"/>
+              <a:t>젠킨스와</a:t>
+            </a:r>
+            <a:r>
+              <a:rPr lang="ko-KR" altLang="en-US" dirty="0" smtClean="0"/>
+              <a:t> </a:t>
+            </a:r>
+            <a:r>
+              <a:rPr lang="ko-KR" altLang="en-US" dirty="0" err="1" smtClean="0"/>
+              <a:t>쿠버네티스를</a:t>
+            </a:r>
+            <a:r>
+              <a:rPr lang="ko-KR" altLang="en-US" dirty="0" smtClean="0"/>
+              <a:t> 활용하여 빌드와 배포 자동화 그리고 컨테이너 오케스트레이션을 적용시켜볼 예정입니다</a:t>
+            </a:r>
+            <a:r>
+              <a:rPr lang="en-US" altLang="ko-KR" dirty="0" smtClean="0"/>
+              <a:t>. </a:t>
+            </a:r>
+            <a:r>
+              <a:rPr lang="ko-KR" altLang="en-US" dirty="0" err="1" smtClean="0"/>
+              <a:t>인프런</a:t>
+            </a:r>
+            <a:r>
+              <a:rPr lang="ko-KR" altLang="en-US" dirty="0" smtClean="0"/>
+              <a:t> 강의를 들으며 배포에 서두르고 있습니다</a:t>
             </a:r>
             <a:r>
               <a:rPr lang="en-US" altLang="ko-KR" dirty="0" smtClean="0"/>
@@ -2746,7 +3216,7 @@
     </p:spTree>
     <p:extLst>
       <p:ext uri="{BB962C8B-B14F-4D97-AF65-F5344CB8AC3E}">
-        <p14:creationId xmlns:p14="http://schemas.microsoft.com/office/powerpoint/2010/main" val="3780804466"/>
+        <p14:creationId xmlns:p14="http://schemas.microsoft.com/office/powerpoint/2010/main" val="1473998281"/>
       </p:ext>
     </p:extLst>
   </p:cSld>
@@ -2802,11 +3272,11 @@
           <a:p>
             <a:r>
               <a:rPr lang="ko-KR" altLang="en-US" dirty="0" smtClean="0"/>
-              <a:t>저희 </a:t>
+              <a:t>인프라는 </a:t>
             </a:r>
             <a:r>
               <a:rPr lang="ko-KR" altLang="en-US" dirty="0" err="1" smtClean="0"/>
-              <a:t>팀명은</a:t>
+              <a:t>젠킨스와</a:t>
             </a:r>
             <a:r>
               <a:rPr lang="ko-KR" altLang="en-US" dirty="0" smtClean="0"/>
@@ -2814,91 +3284,23 @@
             </a:r>
             <a:r>
               <a:rPr lang="ko-KR" altLang="en-US" dirty="0" err="1" smtClean="0"/>
-              <a:t>빨간리무진인데요</a:t>
-            </a:r>
-            <a:r>
-              <a:rPr lang="en-US" altLang="ko-KR" dirty="0" smtClean="0"/>
-              <a:t>, </a:t>
-            </a:r>
-            <a:r>
-              <a:rPr lang="ko-KR" altLang="en-US" dirty="0" smtClean="0"/>
-              <a:t>리무진처럼 내부는 매우 안정적이고 편하지만 스포츠카 같은 열정과 속도로 자율 프로젝트를 진행해보자 라는 의미에서 이렇게 짓게 되었습니다</a:t>
+              <a:t>쿠버네티스를</a:t>
+            </a:r>
+            <a:r>
+              <a:rPr lang="ko-KR" altLang="en-US" dirty="0" smtClean="0"/>
+              <a:t> 활용하여 빌드와 배포 자동화 그리고 컨테이너 오케스트레이션을 적용시켜볼 예정입니다</a:t>
             </a:r>
             <a:r>
               <a:rPr lang="en-US" altLang="ko-KR" dirty="0" smtClean="0"/>
               <a:t>. </a:t>
             </a:r>
             <a:r>
-              <a:rPr lang="ko-KR" altLang="en-US" dirty="0" smtClean="0"/>
-              <a:t>팀장인 저와 </a:t>
-            </a:r>
-            <a:r>
               <a:rPr lang="ko-KR" altLang="en-US" dirty="0" err="1" smtClean="0"/>
-              <a:t>안예나</a:t>
-            </a:r>
-            <a:r>
-              <a:rPr lang="ko-KR" altLang="en-US" dirty="0" smtClean="0"/>
-              <a:t> 교육생은 </a:t>
-            </a:r>
-            <a:r>
-              <a:rPr lang="ko-KR" altLang="en-US" dirty="0" err="1" smtClean="0"/>
-              <a:t>백엔드를</a:t>
-            </a:r>
-            <a:r>
-              <a:rPr lang="ko-KR" altLang="en-US" dirty="0" smtClean="0"/>
-              <a:t> 담당하고 있고</a:t>
-            </a:r>
-            <a:r>
-              <a:rPr lang="en-US" altLang="ko-KR" dirty="0" smtClean="0"/>
-              <a:t>, </a:t>
-            </a:r>
-            <a:r>
-              <a:rPr lang="ko-KR" altLang="en-US" dirty="0" err="1" smtClean="0"/>
-              <a:t>김현호</a:t>
-            </a:r>
-            <a:r>
-              <a:rPr lang="ko-KR" altLang="en-US" dirty="0" smtClean="0"/>
-              <a:t> 교육생이 </a:t>
-            </a:r>
-            <a:r>
-              <a:rPr lang="en-US" altLang="ko-KR" dirty="0" smtClean="0"/>
-              <a:t>AI, </a:t>
-            </a:r>
-            <a:r>
-              <a:rPr lang="ko-KR" altLang="en-US" dirty="0" err="1" smtClean="0"/>
-              <a:t>권택윤</a:t>
-            </a:r>
-            <a:r>
-              <a:rPr lang="ko-KR" altLang="en-US" dirty="0" smtClean="0"/>
-              <a:t> 교육생은 인프라</a:t>
-            </a:r>
-            <a:r>
-              <a:rPr lang="en-US" altLang="ko-KR" dirty="0" smtClean="0"/>
-              <a:t>, </a:t>
-            </a:r>
-            <a:r>
-              <a:rPr lang="ko-KR" altLang="en-US" dirty="0" smtClean="0"/>
-              <a:t>유지원</a:t>
-            </a:r>
-            <a:r>
-              <a:rPr lang="en-US" altLang="ko-KR" dirty="0" smtClean="0"/>
-              <a:t>, </a:t>
-            </a:r>
-            <a:r>
-              <a:rPr lang="ko-KR" altLang="en-US" dirty="0" err="1" smtClean="0"/>
-              <a:t>조은비</a:t>
-            </a:r>
-            <a:r>
-              <a:rPr lang="ko-KR" altLang="en-US" dirty="0" smtClean="0"/>
-              <a:t> 교육생이 </a:t>
-            </a:r>
-            <a:r>
-              <a:rPr lang="ko-KR" altLang="en-US" dirty="0" err="1" smtClean="0"/>
-              <a:t>프론트엔드를</a:t>
-            </a:r>
-            <a:r>
-              <a:rPr lang="ko-KR" altLang="en-US" dirty="0" smtClean="0"/>
-              <a:t> 담당하고 있습니다</a:t>
+              <a:t>인프런</a:t>
+            </a:r>
+            <a:r>
+              <a:rPr lang="ko-KR" altLang="en-US" dirty="0" smtClean="0"/>
+              <a:t> 강의를 들으며 배포에 서두르고 있습니다</a:t>
             </a:r>
             <a:r>
               <a:rPr lang="en-US" altLang="ko-KR" dirty="0" smtClean="0"/>
@@ -2934,7 +3336,7 @@
     </p:spTree>
     <p:extLst>
       <p:ext uri="{BB962C8B-B14F-4D97-AF65-F5344CB8AC3E}">
-        <p14:creationId xmlns:p14="http://schemas.microsoft.com/office/powerpoint/2010/main" val="1881683896"/>
+        <p14:creationId xmlns:p14="http://schemas.microsoft.com/office/powerpoint/2010/main" val="3981090095"/>
       </p:ext>
     </p:extLst>
   </p:cSld>
@@ -2988,6 +3390,286 @@
           <a:bodyPr/>
           <a:lstStyle/>
           <a:p>
+            <a:r>
+              <a:rPr lang="ko-KR" altLang="en-US" dirty="0" smtClean="0"/>
+              <a:t>마지막으로 저희 팀 소개를 하도록 하겠습니다</a:t>
+            </a:r>
+            <a:r>
+              <a:rPr lang="en-US" altLang="ko-KR" dirty="0" smtClean="0"/>
+              <a:t>.</a:t>
+            </a:r>
+            <a:endParaRPr lang="ko-KR" altLang="en-US" dirty="0"/>
+          </a:p>
+        </p:txBody>
+      </p:sp>
+      <p:sp>
+        <p:nvSpPr>
+          <p:cNvPr id="4" name="슬라이드 번호 개체 틀 3"/>
+          <p:cNvSpPr>
+            <a:spLocks noGrp="1"/>
+          </p:cNvSpPr>
+          <p:nvPr>
+            <p:ph type="sldNum" sz="quarter" idx="10"/>
+          </p:nvPr>
+        </p:nvSpPr>
+        <p:spPr/>
+        <p:txBody>
+          <a:bodyPr/>
+          <a:lstStyle/>
+          <a:p>
+            <a:fld id="{1050BEFC-8EB1-4884-8D6A-EE0E1FAE2931}" type="slidenum">
+              <a:rPr lang="ko-KR" altLang="en-US" smtClean="0"/>
+              <a:t>25</a:t>
+            </a:fld>
+            <a:endParaRPr lang="ko-KR" altLang="en-US"/>
+          </a:p>
+        </p:txBody>
+      </p:sp>
+    </p:spTree>
+    <p:extLst>
+      <p:ext uri="{BB962C8B-B14F-4D97-AF65-F5344CB8AC3E}">
+        <p14:creationId xmlns:p14="http://schemas.microsoft.com/office/powerpoint/2010/main" val="3780804466"/>
+      </p:ext>
+    </p:extLst>
+  </p:cSld>
+  <p:clrMapOvr>
+    <a:masterClrMapping/>
+  </p:clrMapOvr>
+</p:notes>
+</file>
+
+<file path=ppt/notesSlides/notesSlide26.xml><?xml version="1.0" encoding="utf-8"?>
+<p:notes xmlns:a="http://schemas.openxmlformats.org/drawingml/2006/main" xmlns:r="http://schemas.openxmlformats.org/officeDocument/2006/relationships" xmlns:p="http://schemas.openxmlformats.org/presentationml/2006/main">
+  <p:cSld>
+    <p:spTree>
+      <p:nvGrpSpPr>
+        <p:cNvPr id="1" name=""/>
+        <p:cNvGrpSpPr/>
+        <p:nvPr/>
+      </p:nvGrpSpPr>
+      <p:grpSpPr>
+        <a:xfrm>
+          <a:off x="0" y="0"/>
+          <a:ext cx="0" cy="0"/>
+          <a:chOff x="0" y="0"/>
+          <a:chExt cx="0" cy="0"/>
+        </a:xfrm>
+      </p:grpSpPr>
+      <p:sp>
+        <p:nvSpPr>
+          <p:cNvPr id="2" name="슬라이드 이미지 개체 틀 1"/>
+          <p:cNvSpPr>
+            <a:spLocks noGrp="1" noRot="1" noChangeAspect="1"/>
+          </p:cNvSpPr>
+          <p:nvPr>
+            <p:ph type="sldImg"/>
+          </p:nvPr>
+        </p:nvSpPr>
+        <p:spPr/>
+      </p:sp>
+      <p:sp>
+        <p:nvSpPr>
+          <p:cNvPr id="3" name="슬라이드 노트 개체 틀 2"/>
+          <p:cNvSpPr>
+            <a:spLocks noGrp="1"/>
+          </p:cNvSpPr>
+          <p:nvPr>
+            <p:ph type="body" idx="1"/>
+          </p:nvPr>
+        </p:nvSpPr>
+        <p:spPr/>
+        <p:txBody>
+          <a:bodyPr/>
+          <a:lstStyle/>
+          <a:p>
+            <a:r>
+              <a:rPr lang="ko-KR" altLang="en-US" dirty="0" smtClean="0"/>
+              <a:t>저희 </a:t>
+            </a:r>
+            <a:r>
+              <a:rPr lang="ko-KR" altLang="en-US" dirty="0" err="1" smtClean="0"/>
+              <a:t>팀명은</a:t>
+            </a:r>
+            <a:r>
+              <a:rPr lang="ko-KR" altLang="en-US" dirty="0" smtClean="0"/>
+              <a:t> </a:t>
+            </a:r>
+            <a:r>
+              <a:rPr lang="ko-KR" altLang="en-US" dirty="0" err="1" smtClean="0"/>
+              <a:t>빨간리무진인데요</a:t>
+            </a:r>
+            <a:r>
+              <a:rPr lang="en-US" altLang="ko-KR" dirty="0" smtClean="0"/>
+              <a:t>, </a:t>
+            </a:r>
+            <a:r>
+              <a:rPr lang="ko-KR" altLang="en-US" dirty="0" smtClean="0"/>
+              <a:t>리무진처럼 내부는 매우 안정적이고 편하지만 스포츠카 같은 열정과 속도로 자율 프로젝트를 진행해보자 라는 의미에서 이렇게 짓게 되었습니다</a:t>
+            </a:r>
+            <a:r>
+              <a:rPr lang="en-US" altLang="ko-KR" dirty="0" smtClean="0"/>
+              <a:t>. </a:t>
+            </a:r>
+            <a:r>
+              <a:rPr lang="ko-KR" altLang="en-US" dirty="0" smtClean="0"/>
+              <a:t>팀장인 저와 </a:t>
+            </a:r>
+            <a:r>
+              <a:rPr lang="ko-KR" altLang="en-US" dirty="0" err="1" smtClean="0"/>
+              <a:t>안예나</a:t>
+            </a:r>
+            <a:r>
+              <a:rPr lang="ko-KR" altLang="en-US" dirty="0" smtClean="0"/>
+              <a:t> 교육생은 </a:t>
+            </a:r>
+            <a:r>
+              <a:rPr lang="ko-KR" altLang="en-US" dirty="0" err="1" smtClean="0"/>
+              <a:t>백엔드를</a:t>
+            </a:r>
+            <a:r>
+              <a:rPr lang="ko-KR" altLang="en-US" dirty="0" smtClean="0"/>
+              <a:t> 담당하고 있고</a:t>
+            </a:r>
+            <a:r>
+              <a:rPr lang="en-US" altLang="ko-KR" dirty="0" smtClean="0"/>
+              <a:t>, </a:t>
+            </a:r>
+            <a:r>
+              <a:rPr lang="ko-KR" altLang="en-US" dirty="0" err="1" smtClean="0"/>
+              <a:t>김현호</a:t>
+            </a:r>
+            <a:r>
+              <a:rPr lang="ko-KR" altLang="en-US" dirty="0" smtClean="0"/>
+              <a:t> 교육생이 </a:t>
+            </a:r>
+            <a:r>
+              <a:rPr lang="en-US" altLang="ko-KR" dirty="0" smtClean="0"/>
+              <a:t>AI, </a:t>
+            </a:r>
+            <a:r>
+              <a:rPr lang="ko-KR" altLang="en-US" dirty="0" err="1" smtClean="0"/>
+              <a:t>권택윤</a:t>
+            </a:r>
+            <a:r>
+              <a:rPr lang="ko-KR" altLang="en-US" dirty="0" smtClean="0"/>
+              <a:t> 교육생은 인프라</a:t>
+            </a:r>
+            <a:r>
+              <a:rPr lang="en-US" altLang="ko-KR" dirty="0" smtClean="0"/>
+              <a:t>, </a:t>
+            </a:r>
+            <a:r>
+              <a:rPr lang="ko-KR" altLang="en-US" dirty="0" smtClean="0"/>
+              <a:t>유지원</a:t>
+            </a:r>
+            <a:r>
+              <a:rPr lang="en-US" altLang="ko-KR" dirty="0" smtClean="0"/>
+              <a:t>, </a:t>
+            </a:r>
+            <a:r>
+              <a:rPr lang="ko-KR" altLang="en-US" dirty="0" err="1" smtClean="0"/>
+              <a:t>조은비</a:t>
+            </a:r>
+            <a:r>
+              <a:rPr lang="ko-KR" altLang="en-US" dirty="0" smtClean="0"/>
+              <a:t> 교육생이 </a:t>
+            </a:r>
+            <a:r>
+              <a:rPr lang="ko-KR" altLang="en-US" dirty="0" err="1" smtClean="0"/>
+              <a:t>프론트엔드를</a:t>
+            </a:r>
+            <a:r>
+              <a:rPr lang="ko-KR" altLang="en-US" dirty="0" smtClean="0"/>
+              <a:t> 담당하고 있습니다</a:t>
+            </a:r>
+            <a:r>
+              <a:rPr lang="en-US" altLang="ko-KR" dirty="0" smtClean="0"/>
+              <a:t>.</a:t>
+            </a:r>
+            <a:endParaRPr lang="ko-KR" altLang="en-US" dirty="0"/>
+          </a:p>
+        </p:txBody>
+      </p:sp>
+      <p:sp>
+        <p:nvSpPr>
+          <p:cNvPr id="4" name="슬라이드 번호 개체 틀 3"/>
+          <p:cNvSpPr>
+            <a:spLocks noGrp="1"/>
+          </p:cNvSpPr>
+          <p:nvPr>
+            <p:ph type="sldNum" sz="quarter" idx="10"/>
+          </p:nvPr>
+        </p:nvSpPr>
+        <p:spPr/>
+        <p:txBody>
+          <a:bodyPr/>
+          <a:lstStyle/>
+          <a:p>
+            <a:fld id="{1050BEFC-8EB1-4884-8D6A-EE0E1FAE2931}" type="slidenum">
+              <a:rPr lang="ko-KR" altLang="en-US" smtClean="0"/>
+              <a:t>26</a:t>
+            </a:fld>
+            <a:endParaRPr lang="ko-KR" altLang="en-US"/>
+          </a:p>
+        </p:txBody>
+      </p:sp>
+    </p:spTree>
+    <p:extLst>
+      <p:ext uri="{BB962C8B-B14F-4D97-AF65-F5344CB8AC3E}">
+        <p14:creationId xmlns:p14="http://schemas.microsoft.com/office/powerpoint/2010/main" val="1881683896"/>
+      </p:ext>
+    </p:extLst>
+  </p:cSld>
+  <p:clrMapOvr>
+    <a:masterClrMapping/>
+  </p:clrMapOvr>
+</p:notes>
+</file>
+
+<file path=ppt/notesSlides/notesSlide27.xml><?xml version="1.0" encoding="utf-8"?>
+<p:notes xmlns:a="http://schemas.openxmlformats.org/drawingml/2006/main" xmlns:r="http://schemas.openxmlformats.org/officeDocument/2006/relationships" xmlns:p="http://schemas.openxmlformats.org/presentationml/2006/main">
+  <p:cSld>
+    <p:spTree>
+      <p:nvGrpSpPr>
+        <p:cNvPr id="1" name=""/>
+        <p:cNvGrpSpPr/>
+        <p:nvPr/>
+      </p:nvGrpSpPr>
+      <p:grpSpPr>
+        <a:xfrm>
+          <a:off x="0" y="0"/>
+          <a:ext cx="0" cy="0"/>
+          <a:chOff x="0" y="0"/>
+          <a:chExt cx="0" cy="0"/>
+        </a:xfrm>
+      </p:grpSpPr>
+      <p:sp>
+        <p:nvSpPr>
+          <p:cNvPr id="2" name="슬라이드 이미지 개체 틀 1"/>
+          <p:cNvSpPr>
+            <a:spLocks noGrp="1" noRot="1" noChangeAspect="1"/>
+          </p:cNvSpPr>
+          <p:nvPr>
+            <p:ph type="sldImg"/>
+          </p:nvPr>
+        </p:nvSpPr>
+        <p:spPr/>
+      </p:sp>
+      <p:sp>
+        <p:nvSpPr>
+          <p:cNvPr id="3" name="슬라이드 노트 개체 틀 2"/>
+          <p:cNvSpPr>
+            <a:spLocks noGrp="1"/>
+          </p:cNvSpPr>
+          <p:nvPr>
+            <p:ph type="body" idx="1"/>
+          </p:nvPr>
+        </p:nvSpPr>
+        <p:spPr/>
+        <p:txBody>
+          <a:bodyPr/>
+          <a:lstStyle/>
+          <a:p>
             <a:pPr marL="0" marR="0" indent="0" algn="l" defTabSz="914400" rtl="0" eaLnBrk="1" fontAlgn="auto" latinLnBrk="1" hangingPunct="1">
               <a:lnSpc>
                 <a:spcPct val="100000"/>
@@ -3045,7 +3727,7 @@
           <a:p>
             <a:fld id="{1050BEFC-8EB1-4884-8D6A-EE0E1FAE2931}" type="slidenum">
               <a:rPr lang="ko-KR" altLang="en-US" smtClean="0"/>
-              <a:t>25</a:t>
+              <a:t>27</a:t>
             </a:fld>
             <a:endParaRPr lang="ko-KR" altLang="en-US"/>
           </a:p>
@@ -4145,7 +4827,7 @@
           <a:p>
             <a:fld id="{CFC0140B-8E48-413A-ACA8-5CC96E355B0C}" type="datetimeFigureOut">
               <a:rPr lang="ko-KR" altLang="en-US" smtClean="0"/>
-              <a:t>2023-05-15</a:t>
+              <a:t>2023-05-16</a:t>
             </a:fld>
             <a:endParaRPr lang="ko-KR" altLang="en-US"/>
           </a:p>
@@ -4429,7 +5111,7 @@
           <a:p>
             <a:fld id="{CFC0140B-8E48-413A-ACA8-5CC96E355B0C}" type="datetimeFigureOut">
               <a:rPr lang="ko-KR" altLang="en-US" smtClean="0"/>
-              <a:t>2023-05-15</a:t>
+              <a:t>2023-05-16</a:t>
             </a:fld>
             <a:endParaRPr lang="ko-KR" altLang="en-US"/>
           </a:p>
@@ -4682,7 +5364,7 @@
           <a:p>
             <a:fld id="{CFC0140B-8E48-413A-ACA8-5CC96E355B0C}" type="datetimeFigureOut">
               <a:rPr lang="ko-KR" altLang="en-US" smtClean="0"/>
-              <a:t>2023-05-15</a:t>
+              <a:t>2023-05-16</a:t>
             </a:fld>
             <a:endParaRPr lang="ko-KR" altLang="en-US"/>
           </a:p>
@@ -4852,7 +5534,7 @@
           <a:p>
             <a:fld id="{CFC0140B-8E48-413A-ACA8-5CC96E355B0C}" type="datetimeFigureOut">
               <a:rPr lang="ko-KR" altLang="en-US" smtClean="0"/>
-              <a:t>2023-05-15</a:t>
+              <a:t>2023-05-16</a:t>
             </a:fld>
             <a:endParaRPr lang="ko-KR" altLang="en-US"/>
           </a:p>
@@ -5032,7 +5714,7 @@
           <a:p>
             <a:fld id="{CFC0140B-8E48-413A-ACA8-5CC96E355B0C}" type="datetimeFigureOut">
               <a:rPr lang="ko-KR" altLang="en-US" smtClean="0"/>
-              <a:t>2023-05-15</a:t>
+              <a:t>2023-05-16</a:t>
             </a:fld>
             <a:endParaRPr lang="ko-KR" altLang="en-US"/>
           </a:p>
@@ -5173,7 +5855,7 @@
           <a:p>
             <a:fld id="{CFC0140B-8E48-413A-ACA8-5CC96E355B0C}" type="datetimeFigureOut">
               <a:rPr lang="ko-KR" altLang="en-US" smtClean="0"/>
-              <a:t>2023-05-15</a:t>
+              <a:t>2023-05-16</a:t>
             </a:fld>
             <a:endParaRPr lang="ko-KR" altLang="en-US"/>
           </a:p>
@@ -5398,7 +6080,7 @@
           <a:p>
             <a:fld id="{CFC0140B-8E48-413A-ACA8-5CC96E355B0C}" type="datetimeFigureOut">
               <a:rPr lang="ko-KR" altLang="en-US" smtClean="0"/>
-              <a:t>2023-05-15</a:t>
+              <a:t>2023-05-16</a:t>
             </a:fld>
             <a:endParaRPr lang="ko-KR" altLang="en-US"/>
           </a:p>
@@ -5657,7 +6339,7 @@
           <a:p>
             <a:fld id="{CFC0140B-8E48-413A-ACA8-5CC96E355B0C}" type="datetimeFigureOut">
               <a:rPr lang="ko-KR" altLang="en-US" smtClean="0"/>
-              <a:t>2023-05-15</a:t>
+              <a:t>2023-05-16</a:t>
             </a:fld>
             <a:endParaRPr lang="ko-KR" altLang="en-US"/>
           </a:p>
@@ -5910,7 +6592,7 @@
           <a:p>
             <a:fld id="{CFC0140B-8E48-413A-ACA8-5CC96E355B0C}" type="datetimeFigureOut">
               <a:rPr lang="ko-KR" altLang="en-US" smtClean="0"/>
-              <a:t>2023-05-15</a:t>
+              <a:t>2023-05-16</a:t>
             </a:fld>
             <a:endParaRPr lang="ko-KR" altLang="en-US"/>
           </a:p>
@@ -6142,7 +6824,7 @@
           <a:p>
             <a:fld id="{CFC0140B-8E48-413A-ACA8-5CC96E355B0C}" type="datetimeFigureOut">
               <a:rPr lang="ko-KR" altLang="en-US" smtClean="0"/>
-              <a:t>2023-05-15</a:t>
+              <a:t>2023-05-16</a:t>
             </a:fld>
             <a:endParaRPr lang="ko-KR" altLang="en-US"/>
           </a:p>
@@ -6509,7 +7191,7 @@
           <a:p>
             <a:fld id="{CFC0140B-8E48-413A-ACA8-5CC96E355B0C}" type="datetimeFigureOut">
               <a:rPr lang="ko-KR" altLang="en-US" smtClean="0"/>
-              <a:t>2023-05-15</a:t>
+              <a:t>2023-05-16</a:t>
             </a:fld>
             <a:endParaRPr lang="ko-KR" altLang="en-US"/>
           </a:p>
@@ -6627,7 +7309,7 @@
           <a:p>
             <a:fld id="{CFC0140B-8E48-413A-ACA8-5CC96E355B0C}" type="datetimeFigureOut">
               <a:rPr lang="ko-KR" altLang="en-US" smtClean="0"/>
-              <a:t>2023-05-15</a:t>
+              <a:t>2023-05-16</a:t>
             </a:fld>
             <a:endParaRPr lang="ko-KR" altLang="en-US"/>
           </a:p>
@@ -6729,7 +7411,7 @@
           <a:p>
             <a:fld id="{CFC0140B-8E48-413A-ACA8-5CC96E355B0C}" type="datetimeFigureOut">
               <a:rPr lang="ko-KR" altLang="en-US" smtClean="0"/>
-              <a:t>2023-05-15</a:t>
+              <a:t>2023-05-16</a:t>
             </a:fld>
             <a:endParaRPr lang="ko-KR" altLang="en-US"/>
           </a:p>
@@ -6976,7 +7658,7 @@
             <a:fld id="{CFC0140B-8E48-413A-ACA8-5CC96E355B0C}" type="datetimeFigureOut">
               <a:rPr lang="ko-KR" altLang="en-US" smtClean="0"/>
               <a:pPr/>
-              <a:t>2023-05-15</a:t>
+              <a:t>2023-05-16</a:t>
             </a:fld>
             <a:endParaRPr lang="ko-KR" altLang="en-US" dirty="0"/>
           </a:p>
@@ -9379,7 +10061,7 @@
             <a:spLocks noGrp="1"/>
           </p:cNvSpPr>
           <p:nvPr>
-            <p:ph type="ctrTitle"/>
+            <p:ph type="title"/>
           </p:nvPr>
         </p:nvSpPr>
         <p:spPr/>
@@ -9388,25 +10070,89 @@
           <a:lstStyle/>
           <a:p>
             <a:r>
+              <a:rPr lang="ko-KR" altLang="en-US" dirty="0" smtClean="0"/>
+              <a:t>주요 </a:t>
+            </a:r>
+            <a:r>
+              <a:rPr lang="ko-KR" altLang="en-US" dirty="0" smtClean="0"/>
+              <a:t>기술 </a:t>
+            </a:r>
+            <a:r>
               <a:rPr lang="en-US" altLang="ko-KR" dirty="0" smtClean="0"/>
-              <a:t>UCC </a:t>
-            </a:r>
-            <a:r>
-              <a:rPr lang="ko-KR" altLang="en-US" dirty="0" smtClean="0"/>
-              <a:t>및 </a:t>
-            </a:r>
-            <a:r>
-              <a:rPr lang="ko-KR" altLang="en-US" dirty="0" smtClean="0"/>
-              <a:t>시연</a:t>
+              <a:t>– </a:t>
+            </a:r>
+            <a:r>
+              <a:rPr lang="ko-KR" altLang="en-US" dirty="0" smtClean="0"/>
+              <a:t>최단 경로 탐색</a:t>
             </a:r>
             <a:endParaRPr lang="ko-KR" altLang="en-US" dirty="0"/>
           </a:p>
         </p:txBody>
       </p:sp>
+      <p:sp>
+        <p:nvSpPr>
+          <p:cNvPr id="7" name="내용 개체 틀 6"/>
+          <p:cNvSpPr>
+            <a:spLocks noGrp="1"/>
+          </p:cNvSpPr>
+          <p:nvPr>
+            <p:ph idx="1"/>
+          </p:nvPr>
+        </p:nvSpPr>
+        <p:spPr/>
+        <p:txBody>
+          <a:bodyPr/>
+          <a:lstStyle/>
+          <a:p>
+            <a:endParaRPr lang="ko-KR" altLang="en-US"/>
+          </a:p>
+        </p:txBody>
+      </p:sp>
+      <p:pic>
+        <p:nvPicPr>
+          <p:cNvPr id="3074" name="Picture 2" descr="Traveling Salesman Problem: TSP Solutions for Deliveries | OptimoRoute |  OptimoRoute"/>
+          <p:cNvPicPr>
+            <a:picLocks noChangeAspect="1" noChangeArrowheads="1"/>
+          </p:cNvPicPr>
+          <p:nvPr/>
+        </p:nvPicPr>
+        <p:blipFill>
+          <a:blip r:embed="rId3">
+            <a:extLst>
+              <a:ext uri="{28A0092B-C50C-407E-A947-70E740481C1C}">
+                <a14:useLocalDpi xmlns:a14="http://schemas.microsoft.com/office/drawing/2010/main" val="0"/>
+              </a:ext>
+            </a:extLst>
+          </a:blip>
+          <a:srcRect/>
+          <a:stretch>
+            <a:fillRect/>
+          </a:stretch>
+        </p:blipFill>
+        <p:spPr bwMode="auto">
+          <a:xfrm>
+            <a:off x="2801883" y="1808024"/>
+            <a:ext cx="6588234" cy="2880000"/>
+          </a:xfrm>
+          <a:prstGeom prst="rect">
+            <a:avLst/>
+          </a:prstGeom>
+          <a:noFill/>
+          <a:extLst>
+            <a:ext uri="{909E8E84-426E-40DD-AFC4-6F175D3DCCD1}">
+              <a14:hiddenFill xmlns:a14="http://schemas.microsoft.com/office/drawing/2010/main">
+                <a:solidFill>
+                  <a:srgbClr val="FFFFFF"/>
+                </a:solidFill>
+              </a14:hiddenFill>
+            </a:ext>
+          </a:extLst>
+        </p:spPr>
+      </p:pic>
     </p:spTree>
     <p:extLst>
       <p:ext uri="{BB962C8B-B14F-4D97-AF65-F5344CB8AC3E}">
-        <p14:creationId xmlns:p14="http://schemas.microsoft.com/office/powerpoint/2010/main" val="2243022263"/>
+        <p14:creationId xmlns:p14="http://schemas.microsoft.com/office/powerpoint/2010/main" val="2353331182"/>
       </p:ext>
     </p:extLst>
   </p:cSld>
@@ -9447,7 +10193,7 @@
             <a:spLocks noGrp="1"/>
           </p:cNvSpPr>
           <p:nvPr>
-            <p:ph type="ctrTitle"/>
+            <p:ph type="title"/>
           </p:nvPr>
         </p:nvSpPr>
         <p:spPr/>
@@ -9457,12 +10203,39 @@
           <a:p>
             <a:r>
               <a:rPr lang="ko-KR" altLang="en-US" dirty="0" smtClean="0"/>
+              <a:t>주요 </a:t>
+            </a:r>
+            <a:r>
+              <a:rPr lang="ko-KR" altLang="en-US" dirty="0" smtClean="0"/>
               <a:t>기술 </a:t>
             </a:r>
             <a:r>
-              <a:rPr lang="ko-KR" altLang="en-US" dirty="0" smtClean="0"/>
-              <a:t>설명</a:t>
-            </a:r>
+              <a:rPr lang="en-US" altLang="ko-KR" dirty="0" smtClean="0"/>
+              <a:t>– AR </a:t>
+            </a:r>
+            <a:r>
+              <a:rPr lang="ko-KR" altLang="en-US" dirty="0" smtClean="0"/>
+              <a:t>내비게이션</a:t>
+            </a:r>
+            <a:endParaRPr lang="ko-KR" altLang="en-US" dirty="0"/>
+          </a:p>
+        </p:txBody>
+      </p:sp>
+      <p:sp>
+        <p:nvSpPr>
+          <p:cNvPr id="7" name="내용 개체 틀 6"/>
+          <p:cNvSpPr>
+            <a:spLocks noGrp="1"/>
+          </p:cNvSpPr>
+          <p:nvPr>
+            <p:ph idx="1"/>
+          </p:nvPr>
+        </p:nvSpPr>
+        <p:spPr/>
+        <p:txBody>
+          <a:bodyPr/>
+          <a:lstStyle/>
+          <a:p>
             <a:endParaRPr lang="ko-KR" altLang="en-US" dirty="0"/>
           </a:p>
         </p:txBody>
@@ -9470,7 +10243,7 @@
     </p:spTree>
     <p:extLst>
       <p:ext uri="{BB962C8B-B14F-4D97-AF65-F5344CB8AC3E}">
-        <p14:creationId xmlns:p14="http://schemas.microsoft.com/office/powerpoint/2010/main" val="2045637221"/>
+        <p14:creationId xmlns:p14="http://schemas.microsoft.com/office/powerpoint/2010/main" val="716996190"/>
       </p:ext>
     </p:extLst>
   </p:cSld>
@@ -9506,6 +10279,755 @@
       </p:grpSpPr>
       <p:sp>
         <p:nvSpPr>
+          <p:cNvPr id="2" name="제목 1"/>
+          <p:cNvSpPr>
+            <a:spLocks noGrp="1"/>
+          </p:cNvSpPr>
+          <p:nvPr>
+            <p:ph type="title"/>
+          </p:nvPr>
+        </p:nvSpPr>
+        <p:spPr/>
+        <p:txBody>
+          <a:bodyPr/>
+          <a:lstStyle/>
+          <a:p>
+            <a:r>
+              <a:rPr lang="ko-KR" altLang="en-US" dirty="0" smtClean="0"/>
+              <a:t>주요 </a:t>
+            </a:r>
+            <a:r>
+              <a:rPr lang="ko-KR" altLang="en-US" dirty="0" smtClean="0"/>
+              <a:t>기술 </a:t>
+            </a:r>
+            <a:r>
+              <a:rPr lang="en-US" altLang="ko-KR" dirty="0" smtClean="0"/>
+              <a:t>– </a:t>
+            </a:r>
+            <a:r>
+              <a:rPr lang="ko-KR" altLang="en-US" dirty="0" smtClean="0"/>
+              <a:t>상품 검색 및 리뷰</a:t>
+            </a:r>
+            <a:endParaRPr lang="ko-KR" altLang="en-US" dirty="0"/>
+          </a:p>
+        </p:txBody>
+      </p:sp>
+      <p:sp>
+        <p:nvSpPr>
+          <p:cNvPr id="7" name="내용 개체 틀 6"/>
+          <p:cNvSpPr>
+            <a:spLocks noGrp="1"/>
+          </p:cNvSpPr>
+          <p:nvPr>
+            <p:ph idx="1"/>
+          </p:nvPr>
+        </p:nvSpPr>
+        <p:spPr/>
+        <p:txBody>
+          <a:bodyPr/>
+          <a:lstStyle/>
+          <a:p>
+            <a:endParaRPr lang="ko-KR" altLang="en-US"/>
+          </a:p>
+        </p:txBody>
+      </p:sp>
+    </p:spTree>
+    <p:extLst>
+      <p:ext uri="{BB962C8B-B14F-4D97-AF65-F5344CB8AC3E}">
+        <p14:creationId xmlns:p14="http://schemas.microsoft.com/office/powerpoint/2010/main" val="3048849678"/>
+      </p:ext>
+    </p:extLst>
+  </p:cSld>
+  <p:clrMapOvr>
+    <a:masterClrMapping/>
+  </p:clrMapOvr>
+  <p:timing>
+    <p:tnLst>
+      <p:par>
+        <p:cTn id="1" dur="indefinite" restart="never" nodeType="tmRoot"/>
+      </p:par>
+    </p:tnLst>
+  </p:timing>
+</p:sld>
+</file>
+
+<file path=ppt/slides/slide15.xml><?xml version="1.0" encoding="utf-8"?>
+<p:sld xmlns:a="http://schemas.openxmlformats.org/drawingml/2006/main" xmlns:r="http://schemas.openxmlformats.org/officeDocument/2006/relationships" xmlns:p="http://schemas.openxmlformats.org/presentationml/2006/main">
+  <p:cSld>
+    <p:spTree>
+      <p:nvGrpSpPr>
+        <p:cNvPr id="1" name=""/>
+        <p:cNvGrpSpPr/>
+        <p:nvPr/>
+      </p:nvGrpSpPr>
+      <p:grpSpPr>
+        <a:xfrm>
+          <a:off x="0" y="0"/>
+          <a:ext cx="0" cy="0"/>
+          <a:chOff x="0" y="0"/>
+          <a:chExt cx="0" cy="0"/>
+        </a:xfrm>
+      </p:grpSpPr>
+      <p:sp>
+        <p:nvSpPr>
+          <p:cNvPr id="2" name="제목 1"/>
+          <p:cNvSpPr>
+            <a:spLocks noGrp="1"/>
+          </p:cNvSpPr>
+          <p:nvPr>
+            <p:ph type="ctrTitle"/>
+          </p:nvPr>
+        </p:nvSpPr>
+        <p:spPr/>
+        <p:txBody>
+          <a:bodyPr/>
+          <a:lstStyle/>
+          <a:p>
+            <a:r>
+              <a:rPr lang="en-US" altLang="ko-KR" dirty="0" smtClean="0"/>
+              <a:t>UCC </a:t>
+            </a:r>
+            <a:r>
+              <a:rPr lang="ko-KR" altLang="en-US" dirty="0" smtClean="0"/>
+              <a:t>및 시연</a:t>
+            </a:r>
+            <a:endParaRPr lang="ko-KR" altLang="en-US" dirty="0"/>
+          </a:p>
+        </p:txBody>
+      </p:sp>
+    </p:spTree>
+    <p:extLst>
+      <p:ext uri="{BB962C8B-B14F-4D97-AF65-F5344CB8AC3E}">
+        <p14:creationId xmlns:p14="http://schemas.microsoft.com/office/powerpoint/2010/main" val="2243022263"/>
+      </p:ext>
+    </p:extLst>
+  </p:cSld>
+  <p:clrMapOvr>
+    <a:masterClrMapping/>
+  </p:clrMapOvr>
+  <p:timing>
+    <p:tnLst>
+      <p:par>
+        <p:cTn id="1" dur="indefinite" restart="never" nodeType="tmRoot"/>
+      </p:par>
+    </p:tnLst>
+  </p:timing>
+</p:sld>
+</file>
+
+<file path=ppt/slides/slide16.xml><?xml version="1.0" encoding="utf-8"?>
+<p:sld xmlns:a="http://schemas.openxmlformats.org/drawingml/2006/main" xmlns:r="http://schemas.openxmlformats.org/officeDocument/2006/relationships" xmlns:p="http://schemas.openxmlformats.org/presentationml/2006/main">
+  <p:cSld>
+    <p:spTree>
+      <p:nvGrpSpPr>
+        <p:cNvPr id="1" name=""/>
+        <p:cNvGrpSpPr/>
+        <p:nvPr/>
+      </p:nvGrpSpPr>
+      <p:grpSpPr>
+        <a:xfrm>
+          <a:off x="0" y="0"/>
+          <a:ext cx="0" cy="0"/>
+          <a:chOff x="0" y="0"/>
+          <a:chExt cx="0" cy="0"/>
+        </a:xfrm>
+      </p:grpSpPr>
+      <p:sp>
+        <p:nvSpPr>
+          <p:cNvPr id="2" name="제목 1"/>
+          <p:cNvSpPr>
+            <a:spLocks noGrp="1"/>
+          </p:cNvSpPr>
+          <p:nvPr>
+            <p:ph type="title"/>
+          </p:nvPr>
+        </p:nvSpPr>
+        <p:spPr/>
+        <p:txBody>
+          <a:bodyPr/>
+          <a:lstStyle/>
+          <a:p>
+            <a:r>
+              <a:rPr lang="ko-KR" altLang="en-US" dirty="0" smtClean="0"/>
+              <a:t>기대효과</a:t>
+            </a:r>
+            <a:endParaRPr lang="ko-KR" altLang="en-US" dirty="0"/>
+          </a:p>
+        </p:txBody>
+      </p:sp>
+      <p:sp>
+        <p:nvSpPr>
+          <p:cNvPr id="7" name="내용 개체 틀 6"/>
+          <p:cNvSpPr>
+            <a:spLocks noGrp="1"/>
+          </p:cNvSpPr>
+          <p:nvPr>
+            <p:ph idx="1"/>
+          </p:nvPr>
+        </p:nvSpPr>
+        <p:spPr>
+          <a:xfrm>
+            <a:off x="3443270" y="4371974"/>
+            <a:ext cx="5095875" cy="1952625"/>
+          </a:xfrm>
+        </p:spPr>
+        <p:txBody>
+          <a:bodyPr>
+            <a:normAutofit/>
+          </a:bodyPr>
+          <a:lstStyle/>
+          <a:p>
+            <a:r>
+              <a:rPr lang="ko-KR" altLang="en-US" sz="4400" dirty="0" smtClean="0"/>
+              <a:t>소비자</a:t>
+            </a:r>
+            <a:endParaRPr lang="en-US" altLang="ko-KR" sz="4400" dirty="0" smtClean="0"/>
+          </a:p>
+          <a:p>
+            <a:pPr marL="171450" indent="-171450">
+              <a:buFont typeface="Arial" panose="020B0604020202020204" pitchFamily="34" charset="0"/>
+              <a:buChar char="•"/>
+            </a:pPr>
+            <a:r>
+              <a:rPr lang="ko-KR" altLang="en-US" sz="1700" dirty="0" smtClean="0"/>
+              <a:t>최단 경로 탐색 알고리즘을 적용한 </a:t>
+            </a:r>
+            <a:r>
+              <a:rPr lang="en-US" altLang="ko-KR" sz="1700" dirty="0" smtClean="0"/>
+              <a:t>AR </a:t>
+            </a:r>
+            <a:r>
+              <a:rPr lang="ko-KR" altLang="en-US" sz="1700" dirty="0" smtClean="0"/>
+              <a:t>내비게이션 기능을 통해 소비자의 시간적</a:t>
+            </a:r>
+            <a:r>
+              <a:rPr lang="en-US" altLang="ko-KR" sz="1700" dirty="0" smtClean="0"/>
+              <a:t>, </a:t>
+            </a:r>
+            <a:r>
+              <a:rPr lang="ko-KR" altLang="en-US" sz="1700" dirty="0" smtClean="0"/>
+              <a:t>비용적인 절감 가능</a:t>
+            </a:r>
+            <a:endParaRPr lang="en-US" altLang="ko-KR" sz="1700" dirty="0" smtClean="0"/>
+          </a:p>
+          <a:p>
+            <a:endParaRPr lang="en-US" altLang="ko-KR" sz="2300" dirty="0"/>
+          </a:p>
+        </p:txBody>
+      </p:sp>
+      <p:sp>
+        <p:nvSpPr>
+          <p:cNvPr id="4" name="내용 개체 틀 6"/>
+          <p:cNvSpPr txBox="1">
+            <a:spLocks/>
+          </p:cNvSpPr>
+          <p:nvPr/>
+        </p:nvSpPr>
+        <p:spPr>
+          <a:xfrm>
+            <a:off x="3443270" y="2514600"/>
+            <a:ext cx="5095875" cy="1857376"/>
+          </a:xfrm>
+          <a:prstGeom prst="rect">
+            <a:avLst/>
+          </a:prstGeom>
+        </p:spPr>
+        <p:txBody>
+          <a:bodyPr vert="horz" lIns="91440" tIns="45720" rIns="91440" bIns="45720" rtlCol="0" anchor="b">
+            <a:normAutofit fontScale="85000" lnSpcReduction="20000"/>
+          </a:bodyPr>
+          <a:lstStyle>
+            <a:lvl1pPr marL="0" indent="0" algn="ctr" defTabSz="914400" rtl="0" eaLnBrk="1" latinLnBrk="1" hangingPunct="1">
+              <a:lnSpc>
+                <a:spcPct val="90000"/>
+              </a:lnSpc>
+              <a:spcBef>
+                <a:spcPts val="1000"/>
+              </a:spcBef>
+              <a:buFont typeface="Arial" panose="020B0604020202020204" pitchFamily="34" charset="0"/>
+              <a:buNone/>
+              <a:defRPr sz="2400" kern="1200">
+                <a:solidFill>
+                  <a:schemeClr val="tx1">
+                    <a:lumMod val="65000"/>
+                    <a:lumOff val="35000"/>
+                  </a:schemeClr>
+                </a:solidFill>
+                <a:latin typeface="G마켓 산스 Light" panose="02000000000000000000" pitchFamily="50" charset="-127"/>
+                <a:ea typeface="G마켓 산스 Light" panose="02000000000000000000" pitchFamily="50" charset="-127"/>
+                <a:cs typeface="+mn-cs"/>
+              </a:defRPr>
+            </a:lvl1pPr>
+            <a:lvl2pPr marL="457200" indent="0" algn="ctr" defTabSz="914400" rtl="0" eaLnBrk="1" latinLnBrk="1" hangingPunct="1">
+              <a:lnSpc>
+                <a:spcPct val="90000"/>
+              </a:lnSpc>
+              <a:spcBef>
+                <a:spcPts val="500"/>
+              </a:spcBef>
+              <a:buFont typeface="Arial" panose="020B0604020202020204" pitchFamily="34" charset="0"/>
+              <a:buNone/>
+              <a:defRPr sz="2000" kern="1200">
+                <a:solidFill>
+                  <a:schemeClr val="tx1">
+                    <a:lumMod val="65000"/>
+                    <a:lumOff val="35000"/>
+                  </a:schemeClr>
+                </a:solidFill>
+                <a:latin typeface="G마켓 산스 Light" panose="02000000000000000000" pitchFamily="50" charset="-127"/>
+                <a:ea typeface="G마켓 산스 Light" panose="02000000000000000000" pitchFamily="50" charset="-127"/>
+                <a:cs typeface="+mn-cs"/>
+              </a:defRPr>
+            </a:lvl2pPr>
+            <a:lvl3pPr marL="914400" indent="0" algn="ctr" defTabSz="914400" rtl="0" eaLnBrk="1" latinLnBrk="1" hangingPunct="1">
+              <a:lnSpc>
+                <a:spcPct val="90000"/>
+              </a:lnSpc>
+              <a:spcBef>
+                <a:spcPts val="500"/>
+              </a:spcBef>
+              <a:buFont typeface="Arial" panose="020B0604020202020204" pitchFamily="34" charset="0"/>
+              <a:buNone/>
+              <a:defRPr sz="1800" kern="1200">
+                <a:solidFill>
+                  <a:schemeClr val="tx1">
+                    <a:lumMod val="65000"/>
+                    <a:lumOff val="35000"/>
+                  </a:schemeClr>
+                </a:solidFill>
+                <a:latin typeface="G마켓 산스 Light" panose="02000000000000000000" pitchFamily="50" charset="-127"/>
+                <a:ea typeface="G마켓 산스 Light" panose="02000000000000000000" pitchFamily="50" charset="-127"/>
+                <a:cs typeface="+mn-cs"/>
+              </a:defRPr>
+            </a:lvl3pPr>
+            <a:lvl4pPr marL="1371600" indent="0" algn="ctr" defTabSz="914400" rtl="0" eaLnBrk="1" latinLnBrk="1" hangingPunct="1">
+              <a:lnSpc>
+                <a:spcPct val="90000"/>
+              </a:lnSpc>
+              <a:spcBef>
+                <a:spcPts val="500"/>
+              </a:spcBef>
+              <a:buFont typeface="Arial" panose="020B0604020202020204" pitchFamily="34" charset="0"/>
+              <a:buNone/>
+              <a:defRPr sz="1600" kern="1200">
+                <a:solidFill>
+                  <a:schemeClr val="tx1">
+                    <a:lumMod val="65000"/>
+                    <a:lumOff val="35000"/>
+                  </a:schemeClr>
+                </a:solidFill>
+                <a:latin typeface="G마켓 산스 Light" panose="02000000000000000000" pitchFamily="50" charset="-127"/>
+                <a:ea typeface="G마켓 산스 Light" panose="02000000000000000000" pitchFamily="50" charset="-127"/>
+                <a:cs typeface="+mn-cs"/>
+              </a:defRPr>
+            </a:lvl4pPr>
+            <a:lvl5pPr marL="1828800" indent="0" algn="ctr" defTabSz="914400" rtl="0" eaLnBrk="1" latinLnBrk="1" hangingPunct="1">
+              <a:lnSpc>
+                <a:spcPct val="90000"/>
+              </a:lnSpc>
+              <a:spcBef>
+                <a:spcPts val="500"/>
+              </a:spcBef>
+              <a:buFont typeface="Arial" panose="020B0604020202020204" pitchFamily="34" charset="0"/>
+              <a:buNone/>
+              <a:defRPr sz="1600" kern="1200">
+                <a:solidFill>
+                  <a:schemeClr val="tx1">
+                    <a:lumMod val="65000"/>
+                    <a:lumOff val="35000"/>
+                  </a:schemeClr>
+                </a:solidFill>
+                <a:latin typeface="G마켓 산스 Light" panose="02000000000000000000" pitchFamily="50" charset="-127"/>
+                <a:ea typeface="G마켓 산스 Light" panose="02000000000000000000" pitchFamily="50" charset="-127"/>
+                <a:cs typeface="+mn-cs"/>
+              </a:defRPr>
+            </a:lvl5pPr>
+            <a:lvl6pPr marL="2514600" indent="-228600" algn="l" defTabSz="914400" rtl="0" eaLnBrk="1" latinLnBrk="1" hangingPunct="1">
+              <a:lnSpc>
+                <a:spcPct val="90000"/>
+              </a:lnSpc>
+              <a:spcBef>
+                <a:spcPts val="500"/>
+              </a:spcBef>
+              <a:buFont typeface="Arial" panose="020B0604020202020204" pitchFamily="34" charset="0"/>
+              <a:buChar char="•"/>
+              <a:defRPr sz="1800" kern="1200">
+                <a:solidFill>
+                  <a:schemeClr val="tx1"/>
+                </a:solidFill>
+                <a:latin typeface="+mn-lt"/>
+                <a:ea typeface="+mn-ea"/>
+                <a:cs typeface="+mn-cs"/>
+              </a:defRPr>
+            </a:lvl6pPr>
+            <a:lvl7pPr marL="2971800" indent="-228600" algn="l" defTabSz="914400" rtl="0" eaLnBrk="1" latinLnBrk="1" hangingPunct="1">
+              <a:lnSpc>
+                <a:spcPct val="90000"/>
+              </a:lnSpc>
+              <a:spcBef>
+                <a:spcPts val="500"/>
+              </a:spcBef>
+              <a:buFont typeface="Arial" panose="020B0604020202020204" pitchFamily="34" charset="0"/>
+              <a:buChar char="•"/>
+              <a:defRPr sz="1800" kern="1200">
+                <a:solidFill>
+                  <a:schemeClr val="tx1"/>
+                </a:solidFill>
+                <a:latin typeface="+mn-lt"/>
+                <a:ea typeface="+mn-ea"/>
+                <a:cs typeface="+mn-cs"/>
+              </a:defRPr>
+            </a:lvl7pPr>
+            <a:lvl8pPr marL="3429000" indent="-228600" algn="l" defTabSz="914400" rtl="0" eaLnBrk="1" latinLnBrk="1" hangingPunct="1">
+              <a:lnSpc>
+                <a:spcPct val="90000"/>
+              </a:lnSpc>
+              <a:spcBef>
+                <a:spcPts val="500"/>
+              </a:spcBef>
+              <a:buFont typeface="Arial" panose="020B0604020202020204" pitchFamily="34" charset="0"/>
+              <a:buChar char="•"/>
+              <a:defRPr sz="1800" kern="1200">
+                <a:solidFill>
+                  <a:schemeClr val="tx1"/>
+                </a:solidFill>
+                <a:latin typeface="+mn-lt"/>
+                <a:ea typeface="+mn-ea"/>
+                <a:cs typeface="+mn-cs"/>
+              </a:defRPr>
+            </a:lvl8pPr>
+            <a:lvl9pPr marL="3886200" indent="-228600" algn="l" defTabSz="914400" rtl="0" eaLnBrk="1" latinLnBrk="1" hangingPunct="1">
+              <a:lnSpc>
+                <a:spcPct val="90000"/>
+              </a:lnSpc>
+              <a:spcBef>
+                <a:spcPts val="500"/>
+              </a:spcBef>
+              <a:buFont typeface="Arial" panose="020B0604020202020204" pitchFamily="34" charset="0"/>
+              <a:buChar char="•"/>
+              <a:defRPr sz="1800" kern="1200">
+                <a:solidFill>
+                  <a:schemeClr val="tx1"/>
+                </a:solidFill>
+                <a:latin typeface="+mn-lt"/>
+                <a:ea typeface="+mn-ea"/>
+                <a:cs typeface="+mn-cs"/>
+              </a:defRPr>
+            </a:lvl9pPr>
+          </a:lstStyle>
+          <a:p>
+            <a:r>
+              <a:rPr lang="ko-KR" altLang="en-US" sz="5200" dirty="0" smtClean="0"/>
+              <a:t>마트</a:t>
+            </a:r>
+            <a:endParaRPr lang="en-US" altLang="ko-KR" sz="5200" dirty="0" smtClean="0"/>
+          </a:p>
+          <a:p>
+            <a:pPr marL="342900" indent="-342900" algn="just">
+              <a:buFont typeface="Arial" panose="020B0604020202020204" pitchFamily="34" charset="0"/>
+              <a:buChar char="•"/>
+            </a:pPr>
+            <a:r>
+              <a:rPr lang="ko-KR" altLang="en-US" sz="2000" dirty="0" smtClean="0"/>
+              <a:t>온라인 매장이 더 활성화 된 지금 흥미롭고 실용적인 애플리케이션 도입으로 더 많은 오프라인 사용자 유치 가능</a:t>
+            </a:r>
+            <a:endParaRPr lang="en-US" altLang="ko-KR" sz="2000" dirty="0" smtClean="0"/>
+          </a:p>
+          <a:p>
+            <a:pPr marL="342900" indent="-342900" algn="just">
+              <a:buFont typeface="Arial" panose="020B0604020202020204" pitchFamily="34" charset="0"/>
+              <a:buChar char="•"/>
+            </a:pPr>
+            <a:r>
+              <a:rPr lang="ko-KR" altLang="en-US" sz="2000" dirty="0" smtClean="0"/>
+              <a:t>자동화된 애플리케이션의 시스템으로 노동력 절감 가능</a:t>
+            </a:r>
+            <a:endParaRPr lang="en-US" altLang="ko-KR" sz="2000" dirty="0" smtClean="0"/>
+          </a:p>
+        </p:txBody>
+      </p:sp>
+    </p:spTree>
+    <p:extLst>
+      <p:ext uri="{BB962C8B-B14F-4D97-AF65-F5344CB8AC3E}">
+        <p14:creationId xmlns:p14="http://schemas.microsoft.com/office/powerpoint/2010/main" val="3261767905"/>
+      </p:ext>
+    </p:extLst>
+  </p:cSld>
+  <p:clrMapOvr>
+    <a:masterClrMapping/>
+  </p:clrMapOvr>
+  <p:timing>
+    <p:tnLst>
+      <p:par>
+        <p:cTn id="1" dur="indefinite" restart="never" nodeType="tmRoot"/>
+      </p:par>
+    </p:tnLst>
+  </p:timing>
+</p:sld>
+</file>
+
+<file path=ppt/slides/slide17.xml><?xml version="1.0" encoding="utf-8"?>
+<p:sld xmlns:a="http://schemas.openxmlformats.org/drawingml/2006/main" xmlns:r="http://schemas.openxmlformats.org/officeDocument/2006/relationships" xmlns:p="http://schemas.openxmlformats.org/presentationml/2006/main">
+  <p:cSld>
+    <p:spTree>
+      <p:nvGrpSpPr>
+        <p:cNvPr id="1" name=""/>
+        <p:cNvGrpSpPr/>
+        <p:nvPr/>
+      </p:nvGrpSpPr>
+      <p:grpSpPr>
+        <a:xfrm>
+          <a:off x="0" y="0"/>
+          <a:ext cx="0" cy="0"/>
+          <a:chOff x="0" y="0"/>
+          <a:chExt cx="0" cy="0"/>
+        </a:xfrm>
+      </p:grpSpPr>
+      <p:sp>
+        <p:nvSpPr>
+          <p:cNvPr id="2" name="제목 1"/>
+          <p:cNvSpPr>
+            <a:spLocks noGrp="1"/>
+          </p:cNvSpPr>
+          <p:nvPr>
+            <p:ph type="title"/>
+          </p:nvPr>
+        </p:nvSpPr>
+        <p:spPr/>
+        <p:txBody>
+          <a:bodyPr/>
+          <a:lstStyle/>
+          <a:p>
+            <a:r>
+              <a:rPr lang="ko-KR" altLang="en-US" dirty="0" smtClean="0"/>
+              <a:t>개선방안</a:t>
+            </a:r>
+            <a:endParaRPr lang="ko-KR" altLang="en-US" dirty="0"/>
+          </a:p>
+        </p:txBody>
+      </p:sp>
+      <p:sp>
+        <p:nvSpPr>
+          <p:cNvPr id="7" name="내용 개체 틀 6"/>
+          <p:cNvSpPr>
+            <a:spLocks noGrp="1"/>
+          </p:cNvSpPr>
+          <p:nvPr>
+            <p:ph idx="1"/>
+          </p:nvPr>
+        </p:nvSpPr>
+        <p:spPr>
+          <a:xfrm>
+            <a:off x="838200" y="2428876"/>
+            <a:ext cx="10515600" cy="3748088"/>
+          </a:xfrm>
+        </p:spPr>
+        <p:txBody>
+          <a:bodyPr>
+            <a:normAutofit/>
+          </a:bodyPr>
+          <a:lstStyle/>
+          <a:p>
+            <a:r>
+              <a:rPr lang="ko-KR" altLang="en-US" dirty="0" smtClean="0"/>
+              <a:t>보안적 측면</a:t>
+            </a:r>
+            <a:r>
+              <a:rPr lang="en-US" altLang="ko-KR" dirty="0" smtClean="0"/>
+              <a:t>: </a:t>
+            </a:r>
+            <a:r>
+              <a:rPr lang="ko-KR" altLang="en-US" dirty="0" smtClean="0"/>
+              <a:t>추후 본 애플리케이션이 상용화된다면 무게 센서 등의 활용으로 </a:t>
+            </a:r>
+            <a:endParaRPr lang="en-US" altLang="ko-KR" dirty="0" smtClean="0"/>
+          </a:p>
+          <a:p>
+            <a:r>
+              <a:rPr lang="ko-KR" altLang="en-US" dirty="0" smtClean="0"/>
+              <a:t>보안을 높일 수 있다</a:t>
+            </a:r>
+            <a:r>
+              <a:rPr lang="en-US" altLang="ko-KR" dirty="0" smtClean="0"/>
+              <a:t>.</a:t>
+            </a:r>
+          </a:p>
+          <a:p>
+            <a:r>
+              <a:rPr lang="ko-KR" altLang="en-US" dirty="0" smtClean="0"/>
+              <a:t>기술적 측면</a:t>
+            </a:r>
+            <a:r>
+              <a:rPr lang="en-US" altLang="ko-KR" dirty="0" smtClean="0"/>
+              <a:t>: AR </a:t>
+            </a:r>
+            <a:r>
+              <a:rPr lang="ko-KR" altLang="en-US" dirty="0" smtClean="0"/>
+              <a:t>앵커를 적용으로 위치 보정을 통한 </a:t>
+            </a:r>
+            <a:r>
+              <a:rPr lang="en-US" altLang="ko-KR" dirty="0" smtClean="0"/>
+              <a:t>AR </a:t>
+            </a:r>
+            <a:r>
+              <a:rPr lang="ko-KR" altLang="en-US" dirty="0" smtClean="0"/>
+              <a:t>내비게이션의 </a:t>
+            </a:r>
+            <a:endParaRPr lang="en-US" altLang="ko-KR" dirty="0" smtClean="0"/>
+          </a:p>
+          <a:p>
+            <a:r>
+              <a:rPr lang="ko-KR" altLang="en-US" dirty="0" smtClean="0"/>
+              <a:t>정확도를 높일 수 있다</a:t>
+            </a:r>
+            <a:r>
+              <a:rPr lang="en-US" altLang="ko-KR" dirty="0" smtClean="0"/>
+              <a:t>.</a:t>
+            </a:r>
+          </a:p>
+          <a:p>
+            <a:r>
+              <a:rPr lang="ko-KR" altLang="en-US" dirty="0" smtClean="0"/>
+              <a:t>서비스적 측면</a:t>
+            </a:r>
+            <a:r>
+              <a:rPr lang="en-US" altLang="ko-KR" dirty="0" smtClean="0"/>
+              <a:t>: </a:t>
+            </a:r>
+            <a:r>
+              <a:rPr lang="ko-KR" altLang="en-US" dirty="0" smtClean="0"/>
+              <a:t>가상의 상품 바코드와 마트 </a:t>
+            </a:r>
+            <a:r>
+              <a:rPr lang="en-US" altLang="ko-KR" dirty="0" smtClean="0"/>
+              <a:t>AR</a:t>
+            </a:r>
+            <a:r>
+              <a:rPr lang="ko-KR" altLang="en-US" dirty="0" smtClean="0"/>
+              <a:t>이 아닌 마트에서 협조를 받아 </a:t>
+            </a:r>
+            <a:endParaRPr lang="en-US" altLang="ko-KR" dirty="0" smtClean="0"/>
+          </a:p>
+          <a:p>
+            <a:r>
+              <a:rPr lang="ko-KR" altLang="en-US" dirty="0" smtClean="0"/>
+              <a:t>도면과 상품 품목 </a:t>
+            </a:r>
+            <a:r>
+              <a:rPr lang="en-US" altLang="ko-KR" dirty="0" smtClean="0"/>
+              <a:t>DB</a:t>
+            </a:r>
+            <a:r>
+              <a:rPr lang="ko-KR" altLang="en-US" dirty="0" smtClean="0"/>
+              <a:t>를 통한 실제 마트 적용 가능성</a:t>
+            </a:r>
+            <a:endParaRPr lang="ko-KR" altLang="en-US" dirty="0"/>
+          </a:p>
+        </p:txBody>
+      </p:sp>
+    </p:spTree>
+    <p:extLst>
+      <p:ext uri="{BB962C8B-B14F-4D97-AF65-F5344CB8AC3E}">
+        <p14:creationId xmlns:p14="http://schemas.microsoft.com/office/powerpoint/2010/main" val="1678566559"/>
+      </p:ext>
+    </p:extLst>
+  </p:cSld>
+  <p:clrMapOvr>
+    <a:masterClrMapping/>
+  </p:clrMapOvr>
+  <p:timing>
+    <p:tnLst>
+      <p:par>
+        <p:cTn id="1" dur="indefinite" restart="never" nodeType="tmRoot"/>
+      </p:par>
+    </p:tnLst>
+  </p:timing>
+</p:sld>
+</file>
+
+<file path=ppt/slides/slide18.xml><?xml version="1.0" encoding="utf-8"?>
+<p:sld xmlns:a="http://schemas.openxmlformats.org/drawingml/2006/main" xmlns:r="http://schemas.openxmlformats.org/officeDocument/2006/relationships" xmlns:p="http://schemas.openxmlformats.org/presentationml/2006/main">
+  <p:cSld>
+    <p:spTree>
+      <p:nvGrpSpPr>
+        <p:cNvPr id="1" name=""/>
+        <p:cNvGrpSpPr/>
+        <p:nvPr/>
+      </p:nvGrpSpPr>
+      <p:grpSpPr>
+        <a:xfrm>
+          <a:off x="0" y="0"/>
+          <a:ext cx="0" cy="0"/>
+          <a:chOff x="0" y="0"/>
+          <a:chExt cx="0" cy="0"/>
+        </a:xfrm>
+      </p:grpSpPr>
+      <p:sp>
+        <p:nvSpPr>
+          <p:cNvPr id="2" name="제목 1"/>
+          <p:cNvSpPr>
+            <a:spLocks noGrp="1"/>
+          </p:cNvSpPr>
+          <p:nvPr>
+            <p:ph type="ctrTitle"/>
+          </p:nvPr>
+        </p:nvSpPr>
+        <p:spPr/>
+        <p:txBody>
+          <a:bodyPr/>
+          <a:lstStyle/>
+          <a:p>
+            <a:r>
+              <a:rPr lang="ko-KR" altLang="en-US" dirty="0" smtClean="0"/>
+              <a:t>기술 </a:t>
+            </a:r>
+            <a:r>
+              <a:rPr lang="ko-KR" altLang="en-US" dirty="0" smtClean="0"/>
+              <a:t>스택</a:t>
+            </a:r>
+            <a:endParaRPr lang="ko-KR" altLang="en-US" dirty="0"/>
+          </a:p>
+        </p:txBody>
+      </p:sp>
+    </p:spTree>
+    <p:extLst>
+      <p:ext uri="{BB962C8B-B14F-4D97-AF65-F5344CB8AC3E}">
+        <p14:creationId xmlns:p14="http://schemas.microsoft.com/office/powerpoint/2010/main" val="2045637221"/>
+      </p:ext>
+    </p:extLst>
+  </p:cSld>
+  <p:clrMapOvr>
+    <a:masterClrMapping/>
+  </p:clrMapOvr>
+  <p:timing>
+    <p:tnLst>
+      <p:par>
+        <p:cTn id="1" dur="indefinite" restart="never" nodeType="tmRoot"/>
+      </p:par>
+    </p:tnLst>
+  </p:timing>
+</p:sld>
+</file>
+
+<file path=ppt/slides/slide19.xml><?xml version="1.0" encoding="utf-8"?>
+<p:sld xmlns:a="http://schemas.openxmlformats.org/drawingml/2006/main" xmlns:r="http://schemas.openxmlformats.org/officeDocument/2006/relationships" xmlns:p="http://schemas.openxmlformats.org/presentationml/2006/main">
+  <p:cSld>
+    <p:spTree>
+      <p:nvGrpSpPr>
+        <p:cNvPr id="1" name=""/>
+        <p:cNvGrpSpPr/>
+        <p:nvPr/>
+      </p:nvGrpSpPr>
+      <p:grpSpPr>
+        <a:xfrm>
+          <a:off x="0" y="0"/>
+          <a:ext cx="0" cy="0"/>
+          <a:chOff x="0" y="0"/>
+          <a:chExt cx="0" cy="0"/>
+        </a:xfrm>
+      </p:grpSpPr>
+      <p:sp>
+        <p:nvSpPr>
           <p:cNvPr id="4" name="모서리가 둥근 직사각형 3"/>
           <p:cNvSpPr/>
           <p:nvPr/>
@@ -9762,8 +11284,8 @@
         </p:nvSpPr>
         <p:spPr>
           <a:xfrm>
-            <a:off x="358280" y="870911"/>
-            <a:ext cx="1897981" cy="2523114"/>
+            <a:off x="107004" y="139734"/>
+            <a:ext cx="2380771" cy="4101796"/>
           </a:xfrm>
           <a:prstGeom prst="roundRect">
             <a:avLst/>
@@ -10127,7 +11649,7 @@
         </p:blipFill>
         <p:spPr>
           <a:xfrm>
-            <a:off x="541820" y="3039161"/>
+            <a:off x="679068" y="3684900"/>
             <a:ext cx="1236642" cy="1080000"/>
           </a:xfrm>
           <a:prstGeom prst="rect">
@@ -10258,8 +11780,8 @@
         </p:nvCxnSpPr>
         <p:spPr>
           <a:xfrm flipV="1">
-            <a:off x="1778462" y="1082973"/>
-            <a:ext cx="2001754" cy="2496188"/>
+            <a:off x="1915710" y="1082973"/>
+            <a:ext cx="1864506" cy="3141927"/>
           </a:xfrm>
           <a:prstGeom prst="bentConnector3">
             <a:avLst>
@@ -10347,8 +11869,8 @@
         </p:blipFill>
         <p:spPr bwMode="auto">
           <a:xfrm>
-            <a:off x="657628" y="1156558"/>
-            <a:ext cx="900000" cy="900000"/>
+            <a:off x="335766" y="372585"/>
+            <a:ext cx="1080000" cy="1080000"/>
           </a:xfrm>
           <a:prstGeom prst="rect">
             <a:avLst/>
@@ -10388,8 +11910,8 @@
         </p:blipFill>
         <p:spPr bwMode="auto">
           <a:xfrm>
-            <a:off x="1145052" y="2062452"/>
-            <a:ext cx="876000" cy="900000"/>
+            <a:off x="242240" y="2420007"/>
+            <a:ext cx="1226400" cy="1260000"/>
           </a:xfrm>
           <a:prstGeom prst="rect">
             <a:avLst/>
@@ -10590,8 +12112,8 @@
         </p:nvCxnSpPr>
         <p:spPr>
           <a:xfrm flipV="1">
-            <a:off x="1778462" y="2375867"/>
-            <a:ext cx="1997182" cy="1203294"/>
+            <a:off x="1915710" y="2375867"/>
+            <a:ext cx="1859934" cy="1849033"/>
           </a:xfrm>
           <a:prstGeom prst="bentConnector3">
             <a:avLst/>
@@ -10705,9 +12227,9 @@
           <p:nvPr/>
         </p:nvCxnSpPr>
         <p:spPr>
-          <a:xfrm>
-            <a:off x="1778462" y="3579161"/>
-            <a:ext cx="2820778" cy="2702"/>
+          <a:xfrm flipV="1">
+            <a:off x="1915710" y="3581863"/>
+            <a:ext cx="2683530" cy="643037"/>
           </a:xfrm>
           <a:prstGeom prst="bentConnector3">
             <a:avLst>
@@ -11062,8 +12584,8 @@
         </p:nvCxnSpPr>
         <p:spPr>
           <a:xfrm rot="16200000" flipH="1">
-            <a:off x="3610077" y="1669225"/>
-            <a:ext cx="1023942" cy="5923814"/>
+            <a:off x="4001571" y="2060718"/>
+            <a:ext cx="378203" cy="5786566"/>
           </a:xfrm>
           <a:prstGeom prst="bentConnector2">
             <a:avLst/>
@@ -12425,132 +13947,16 @@
           </a:fontRef>
         </p:style>
       </p:cxnSp>
-    </p:spTree>
-    <p:extLst>
-      <p:ext uri="{BB962C8B-B14F-4D97-AF65-F5344CB8AC3E}">
-        <p14:creationId xmlns:p14="http://schemas.microsoft.com/office/powerpoint/2010/main" val="791313770"/>
-      </p:ext>
-    </p:extLst>
-  </p:cSld>
-  <p:clrMapOvr>
-    <a:masterClrMapping/>
-  </p:clrMapOvr>
-  <p:timing>
-    <p:tnLst>
-      <p:par>
-        <p:cTn id="1" dur="indefinite" restart="never" nodeType="tmRoot"/>
-      </p:par>
-    </p:tnLst>
-  </p:timing>
-</p:sld>
-</file>
-
-<file path=ppt/slides/slide15.xml><?xml version="1.0" encoding="utf-8"?>
-<p:sld xmlns:a="http://schemas.openxmlformats.org/drawingml/2006/main" xmlns:r="http://schemas.openxmlformats.org/officeDocument/2006/relationships" xmlns:p="http://schemas.openxmlformats.org/presentationml/2006/main">
-  <p:cSld>
-    <p:spTree>
-      <p:nvGrpSpPr>
-        <p:cNvPr id="1" name=""/>
-        <p:cNvGrpSpPr/>
-        <p:nvPr/>
-      </p:nvGrpSpPr>
-      <p:grpSpPr>
-        <a:xfrm>
-          <a:off x="0" y="0"/>
-          <a:ext cx="0" cy="0"/>
-          <a:chOff x="0" y="0"/>
-          <a:chExt cx="0" cy="0"/>
-        </a:xfrm>
-      </p:grpSpPr>
-      <p:sp>
-        <p:nvSpPr>
-          <p:cNvPr id="2" name="제목 1"/>
-          <p:cNvSpPr>
-            <a:spLocks noGrp="1"/>
-          </p:cNvSpPr>
-          <p:nvPr>
-            <p:ph type="title"/>
-          </p:nvPr>
-        </p:nvSpPr>
-        <p:spPr/>
-        <p:txBody>
-          <a:bodyPr/>
-          <a:lstStyle/>
-          <a:p>
-            <a:r>
-              <a:rPr lang="en-US" altLang="ko-KR" dirty="0" smtClean="0"/>
-              <a:t>Front-end</a:t>
-            </a:r>
-            <a:endParaRPr lang="ko-KR" altLang="en-US" dirty="0"/>
-          </a:p>
-        </p:txBody>
-      </p:sp>
-      <p:sp>
-        <p:nvSpPr>
-          <p:cNvPr id="3" name="내용 개체 틀 2"/>
-          <p:cNvSpPr>
-            <a:spLocks noGrp="1"/>
-          </p:cNvSpPr>
-          <p:nvPr>
-            <p:ph idx="1"/>
-          </p:nvPr>
-        </p:nvSpPr>
-        <p:spPr/>
-        <p:txBody>
-          <a:bodyPr>
-            <a:normAutofit/>
-          </a:bodyPr>
-          <a:lstStyle/>
-          <a:p>
-            <a:r>
-              <a:rPr lang="en-US" altLang="ko-KR" dirty="0" smtClean="0"/>
-              <a:t>Kotlin</a:t>
-            </a:r>
-            <a:r>
-              <a:rPr lang="ko-KR" altLang="en-US" dirty="0" smtClean="0"/>
-              <a:t>으로 안드로이드 애플리케이션 </a:t>
-            </a:r>
-            <a:r>
-              <a:rPr lang="ko-KR" altLang="en-US" dirty="0" smtClean="0"/>
-              <a:t>개발</a:t>
-            </a:r>
-            <a:endParaRPr lang="en-US" altLang="ko-KR" dirty="0" smtClean="0"/>
-          </a:p>
-          <a:p>
-            <a:r>
-              <a:rPr lang="en-US" altLang="ko-KR" dirty="0" smtClean="0"/>
-              <a:t>Unity</a:t>
-            </a:r>
-            <a:r>
-              <a:rPr lang="ko-KR" altLang="en-US" dirty="0" smtClean="0"/>
-              <a:t>를 </a:t>
-            </a:r>
-            <a:r>
-              <a:rPr lang="ko-KR" altLang="en-US" dirty="0" smtClean="0"/>
-              <a:t>활용하여 </a:t>
-            </a:r>
-            <a:r>
-              <a:rPr lang="en-US" altLang="ko-KR" dirty="0" smtClean="0"/>
-              <a:t>AR </a:t>
-            </a:r>
-            <a:r>
-              <a:rPr lang="ko-KR" altLang="en-US" dirty="0" smtClean="0"/>
-              <a:t>길 안내 구현</a:t>
-            </a:r>
-            <a:endParaRPr lang="ko-KR" altLang="en-US" dirty="0"/>
-          </a:p>
-        </p:txBody>
-      </p:sp>
       <p:pic>
         <p:nvPicPr>
-          <p:cNvPr id="1026" name="Picture 2" descr="Android (operating system) - Wikipedia"/>
+          <p:cNvPr id="2056" name="Picture 8" descr="Google Play Services for AR 1.3.180604066 (arm64-v8a + arm-v7a) (nodpi)  (Android 7.0+) APK Download by Google LLC - APKMirror"/>
           <p:cNvPicPr>
             <a:picLocks noChangeAspect="1" noChangeArrowheads="1"/>
           </p:cNvPicPr>
           <p:nvPr/>
         </p:nvPicPr>
         <p:blipFill>
-          <a:blip r:embed="rId3" cstate="print">
+          <a:blip r:embed="rId26" cstate="print">
             <a:extLst>
               <a:ext uri="{28A0092B-C50C-407E-A947-70E740481C1C}">
                 <a14:useLocalDpi xmlns:a14="http://schemas.microsoft.com/office/drawing/2010/main" val="0"/>
@@ -12564,8 +13970,8 @@
         </p:blipFill>
         <p:spPr bwMode="auto">
           <a:xfrm>
-            <a:off x="5065465" y="2027932"/>
-            <a:ext cx="2061069" cy="1800000"/>
+            <a:off x="1201293" y="1351501"/>
+            <a:ext cx="1260000" cy="1260000"/>
           </a:xfrm>
           <a:prstGeom prst="rect">
             <a:avLst/>
@@ -12584,14 +13990,14 @@
       </p:pic>
       <p:pic>
         <p:nvPicPr>
-          <p:cNvPr id="1028" name="Picture 4" descr="File:Unity Technologies logo.svg - Wikimedia Commons"/>
+          <p:cNvPr id="2058" name="Picture 10" descr="google gke&quot; Icon - Download for free – Iconduck"/>
           <p:cNvPicPr>
             <a:picLocks noChangeAspect="1" noChangeArrowheads="1"/>
           </p:cNvPicPr>
           <p:nvPr/>
         </p:nvPicPr>
         <p:blipFill>
-          <a:blip r:embed="rId4" cstate="print">
+          <a:blip r:embed="rId27" cstate="print">
             <a:extLst>
               <a:ext uri="{28A0092B-C50C-407E-A947-70E740481C1C}">
                 <a14:useLocalDpi xmlns:a14="http://schemas.microsoft.com/office/drawing/2010/main" val="0"/>
@@ -12605,8 +14011,8 @@
         </p:blipFill>
         <p:spPr bwMode="auto">
           <a:xfrm>
-            <a:off x="6384925" y="3827932"/>
-            <a:ext cx="3464662" cy="1260000"/>
+            <a:off x="7015031" y="90000"/>
+            <a:ext cx="1008315" cy="900000"/>
           </a:xfrm>
           <a:prstGeom prst="rect">
             <a:avLst/>
@@ -12623,883 +14029,10 @@
           </a:extLst>
         </p:spPr>
       </p:pic>
-      <p:pic>
-        <p:nvPicPr>
-          <p:cNvPr id="1030" name="Picture 6" descr="File:Kotlin logo 2021.svg"/>
-          <p:cNvPicPr>
-            <a:picLocks noChangeAspect="1" noChangeArrowheads="1"/>
-          </p:cNvPicPr>
-          <p:nvPr/>
-        </p:nvPicPr>
-        <p:blipFill>
-          <a:blip r:embed="rId5">
-            <a:extLst>
-              <a:ext uri="{28A0092B-C50C-407E-A947-70E740481C1C}">
-                <a14:useLocalDpi xmlns:a14="http://schemas.microsoft.com/office/drawing/2010/main" val="0"/>
-              </a:ext>
-            </a:extLst>
-          </a:blip>
-          <a:srcRect/>
-          <a:stretch>
-            <a:fillRect/>
-          </a:stretch>
-        </p:blipFill>
-        <p:spPr bwMode="auto">
-          <a:xfrm>
-            <a:off x="2143093" y="4007932"/>
-            <a:ext cx="4077873" cy="900000"/>
-          </a:xfrm>
-          <a:prstGeom prst="rect">
-            <a:avLst/>
-          </a:prstGeom>
-          <a:noFill/>
-          <a:extLst>
-            <a:ext uri="{909E8E84-426E-40DD-AFC4-6F175D3DCCD1}">
-              <a14:hiddenFill xmlns:a14="http://schemas.microsoft.com/office/drawing/2010/main">
-                <a:solidFill>
-                  <a:srgbClr val="FFFFFF"/>
-                </a:solidFill>
-              </a14:hiddenFill>
-            </a:ext>
-          </a:extLst>
-        </p:spPr>
-      </p:pic>
     </p:spTree>
     <p:extLst>
       <p:ext uri="{BB962C8B-B14F-4D97-AF65-F5344CB8AC3E}">
-        <p14:creationId xmlns:p14="http://schemas.microsoft.com/office/powerpoint/2010/main" val="4207081010"/>
-      </p:ext>
-    </p:extLst>
-  </p:cSld>
-  <p:clrMapOvr>
-    <a:masterClrMapping/>
-  </p:clrMapOvr>
-  <p:timing>
-    <p:tnLst>
-      <p:par>
-        <p:cTn id="1" dur="indefinite" restart="never" nodeType="tmRoot"/>
-      </p:par>
-    </p:tnLst>
-  </p:timing>
-</p:sld>
-</file>
-
-<file path=ppt/slides/slide16.xml><?xml version="1.0" encoding="utf-8"?>
-<p:sld xmlns:a="http://schemas.openxmlformats.org/drawingml/2006/main" xmlns:r="http://schemas.openxmlformats.org/officeDocument/2006/relationships" xmlns:p="http://schemas.openxmlformats.org/presentationml/2006/main">
-  <p:cSld>
-    <p:spTree>
-      <p:nvGrpSpPr>
-        <p:cNvPr id="1" name=""/>
-        <p:cNvGrpSpPr/>
-        <p:nvPr/>
-      </p:nvGrpSpPr>
-      <p:grpSpPr>
-        <a:xfrm>
-          <a:off x="0" y="0"/>
-          <a:ext cx="0" cy="0"/>
-          <a:chOff x="0" y="0"/>
-          <a:chExt cx="0" cy="0"/>
-        </a:xfrm>
-      </p:grpSpPr>
-      <p:sp>
-        <p:nvSpPr>
-          <p:cNvPr id="2" name="제목 1"/>
-          <p:cNvSpPr>
-            <a:spLocks noGrp="1"/>
-          </p:cNvSpPr>
-          <p:nvPr>
-            <p:ph type="title"/>
-          </p:nvPr>
-        </p:nvSpPr>
-        <p:spPr/>
-        <p:txBody>
-          <a:bodyPr/>
-          <a:lstStyle/>
-          <a:p>
-            <a:r>
-              <a:rPr lang="en-US" altLang="ko-KR" dirty="0" smtClean="0"/>
-              <a:t>Front-end</a:t>
-            </a:r>
-            <a:endParaRPr lang="ko-KR" altLang="en-US" dirty="0"/>
-          </a:p>
-        </p:txBody>
-      </p:sp>
-      <p:sp>
-        <p:nvSpPr>
-          <p:cNvPr id="3" name="내용 개체 틀 2"/>
-          <p:cNvSpPr>
-            <a:spLocks noGrp="1"/>
-          </p:cNvSpPr>
-          <p:nvPr>
-            <p:ph idx="1"/>
-          </p:nvPr>
-        </p:nvSpPr>
-        <p:spPr>
-          <a:xfrm>
-            <a:off x="2827613" y="5229225"/>
-            <a:ext cx="7374940" cy="938213"/>
-          </a:xfrm>
-        </p:spPr>
-        <p:txBody>
-          <a:bodyPr>
-            <a:normAutofit/>
-          </a:bodyPr>
-          <a:lstStyle/>
-          <a:p>
-            <a:r>
-              <a:rPr lang="ko-KR" altLang="en-US" dirty="0" err="1" smtClean="0"/>
-              <a:t>목업</a:t>
-            </a:r>
-            <a:r>
-              <a:rPr lang="ko-KR" altLang="en-US" dirty="0" smtClean="0"/>
-              <a:t> 제작 중</a:t>
-            </a:r>
-            <a:r>
-              <a:rPr lang="en-US" altLang="ko-KR" dirty="0" smtClean="0"/>
-              <a:t>, AR </a:t>
-            </a:r>
-            <a:r>
-              <a:rPr lang="ko-KR" altLang="en-US" dirty="0" smtClean="0"/>
-              <a:t>길 안내 테스트 진행</a:t>
-            </a:r>
-            <a:endParaRPr lang="ko-KR" altLang="en-US" dirty="0"/>
-          </a:p>
-        </p:txBody>
-      </p:sp>
-    </p:spTree>
-    <p:extLst>
-      <p:ext uri="{BB962C8B-B14F-4D97-AF65-F5344CB8AC3E}">
-        <p14:creationId xmlns:p14="http://schemas.microsoft.com/office/powerpoint/2010/main" val="109686791"/>
-      </p:ext>
-    </p:extLst>
-  </p:cSld>
-  <p:clrMapOvr>
-    <a:masterClrMapping/>
-  </p:clrMapOvr>
-  <p:timing>
-    <p:tnLst>
-      <p:par>
-        <p:cTn id="1" dur="indefinite" restart="never" nodeType="tmRoot"/>
-      </p:par>
-    </p:tnLst>
-  </p:timing>
-</p:sld>
-</file>
-
-<file path=ppt/slides/slide17.xml><?xml version="1.0" encoding="utf-8"?>
-<p:sld xmlns:a="http://schemas.openxmlformats.org/drawingml/2006/main" xmlns:r="http://schemas.openxmlformats.org/officeDocument/2006/relationships" xmlns:p="http://schemas.openxmlformats.org/presentationml/2006/main">
-  <p:cSld>
-    <p:spTree>
-      <p:nvGrpSpPr>
-        <p:cNvPr id="1" name=""/>
-        <p:cNvGrpSpPr/>
-        <p:nvPr/>
-      </p:nvGrpSpPr>
-      <p:grpSpPr>
-        <a:xfrm>
-          <a:off x="0" y="0"/>
-          <a:ext cx="0" cy="0"/>
-          <a:chOff x="0" y="0"/>
-          <a:chExt cx="0" cy="0"/>
-        </a:xfrm>
-      </p:grpSpPr>
-      <p:sp>
-        <p:nvSpPr>
-          <p:cNvPr id="2" name="제목 1"/>
-          <p:cNvSpPr>
-            <a:spLocks noGrp="1"/>
-          </p:cNvSpPr>
-          <p:nvPr>
-            <p:ph type="title"/>
-          </p:nvPr>
-        </p:nvSpPr>
-        <p:spPr/>
-        <p:txBody>
-          <a:bodyPr/>
-          <a:lstStyle/>
-          <a:p>
-            <a:r>
-              <a:rPr lang="en-US" altLang="ko-KR" dirty="0" smtClean="0"/>
-              <a:t>Back-end</a:t>
-            </a:r>
-            <a:endParaRPr lang="ko-KR" altLang="en-US" dirty="0"/>
-          </a:p>
-        </p:txBody>
-      </p:sp>
-      <p:sp>
-        <p:nvSpPr>
-          <p:cNvPr id="3" name="내용 개체 틀 2"/>
-          <p:cNvSpPr>
-            <a:spLocks noGrp="1"/>
-          </p:cNvSpPr>
-          <p:nvPr>
-            <p:ph idx="1"/>
-          </p:nvPr>
-        </p:nvSpPr>
-        <p:spPr/>
-        <p:txBody>
-          <a:bodyPr anchor="b">
-            <a:normAutofit/>
-          </a:bodyPr>
-          <a:lstStyle/>
-          <a:p>
-            <a:r>
-              <a:rPr lang="ko-KR" altLang="en-US" dirty="0" smtClean="0"/>
-              <a:t>최단 경로 탐색 알고리즘 및 </a:t>
-            </a:r>
-            <a:r>
-              <a:rPr lang="ko-KR" altLang="en-US" dirty="0" err="1" smtClean="0"/>
-              <a:t>엘라스틱</a:t>
-            </a:r>
-            <a:r>
-              <a:rPr lang="ko-KR" altLang="en-US" dirty="0" smtClean="0"/>
-              <a:t> </a:t>
-            </a:r>
-            <a:r>
-              <a:rPr lang="ko-KR" altLang="en-US" dirty="0" err="1" smtClean="0"/>
-              <a:t>서치를</a:t>
-            </a:r>
-            <a:r>
-              <a:rPr lang="ko-KR" altLang="en-US" dirty="0" smtClean="0"/>
-              <a:t> 통한 상품 검색 </a:t>
-            </a:r>
-            <a:r>
-              <a:rPr lang="ko-KR" altLang="en-US" dirty="0" smtClean="0"/>
-              <a:t>구현</a:t>
-            </a:r>
-            <a:endParaRPr lang="en-US" altLang="ko-KR" dirty="0" smtClean="0"/>
-          </a:p>
-        </p:txBody>
-      </p:sp>
-      <p:pic>
-        <p:nvPicPr>
-          <p:cNvPr id="2050" name="Picture 2" descr="Spring Framework Logo 2018.svg"/>
-          <p:cNvPicPr>
-            <a:picLocks noChangeAspect="1" noChangeArrowheads="1"/>
-          </p:cNvPicPr>
-          <p:nvPr/>
-        </p:nvPicPr>
-        <p:blipFill>
-          <a:blip r:embed="rId3" cstate="print">
-            <a:extLst>
-              <a:ext uri="{28A0092B-C50C-407E-A947-70E740481C1C}">
-                <a14:useLocalDpi xmlns:a14="http://schemas.microsoft.com/office/drawing/2010/main" val="0"/>
-              </a:ext>
-            </a:extLst>
-          </a:blip>
-          <a:srcRect/>
-          <a:stretch>
-            <a:fillRect/>
-          </a:stretch>
-        </p:blipFill>
-        <p:spPr bwMode="auto">
-          <a:xfrm>
-            <a:off x="682390" y="2741849"/>
-            <a:ext cx="4897165" cy="1260000"/>
-          </a:xfrm>
-          <a:prstGeom prst="rect">
-            <a:avLst/>
-          </a:prstGeom>
-          <a:noFill/>
-          <a:extLst>
-            <a:ext uri="{909E8E84-426E-40DD-AFC4-6F175D3DCCD1}">
-              <a14:hiddenFill xmlns:a14="http://schemas.microsoft.com/office/drawing/2010/main">
-                <a:solidFill>
-                  <a:srgbClr val="FFFFFF"/>
-                </a:solidFill>
-              </a14:hiddenFill>
-            </a:ext>
-          </a:extLst>
-        </p:spPr>
-      </p:pic>
-      <p:pic>
-        <p:nvPicPr>
-          <p:cNvPr id="11" name="Picture 6" descr="File:Kotlin logo 2021.svg"/>
-          <p:cNvPicPr>
-            <a:picLocks noChangeAspect="1" noChangeArrowheads="1"/>
-          </p:cNvPicPr>
-          <p:nvPr/>
-        </p:nvPicPr>
-        <p:blipFill>
-          <a:blip r:embed="rId4">
-            <a:extLst>
-              <a:ext uri="{28A0092B-C50C-407E-A947-70E740481C1C}">
-                <a14:useLocalDpi xmlns:a14="http://schemas.microsoft.com/office/drawing/2010/main" val="0"/>
-              </a:ext>
-            </a:extLst>
-          </a:blip>
-          <a:srcRect/>
-          <a:stretch>
-            <a:fillRect/>
-          </a:stretch>
-        </p:blipFill>
-        <p:spPr bwMode="auto">
-          <a:xfrm>
-            <a:off x="1303863" y="4235099"/>
-            <a:ext cx="4077873" cy="900000"/>
-          </a:xfrm>
-          <a:prstGeom prst="rect">
-            <a:avLst/>
-          </a:prstGeom>
-          <a:noFill/>
-          <a:extLst>
-            <a:ext uri="{909E8E84-426E-40DD-AFC4-6F175D3DCCD1}">
-              <a14:hiddenFill xmlns:a14="http://schemas.microsoft.com/office/drawing/2010/main">
-                <a:solidFill>
-                  <a:srgbClr val="FFFFFF"/>
-                </a:solidFill>
-              </a14:hiddenFill>
-            </a:ext>
-          </a:extLst>
-        </p:spPr>
-      </p:pic>
-      <p:pic>
-        <p:nvPicPr>
-          <p:cNvPr id="2052" name="Picture 4" descr="MySQL logo.svg"/>
-          <p:cNvPicPr>
-            <a:picLocks noChangeAspect="1" noChangeArrowheads="1"/>
-          </p:cNvPicPr>
-          <p:nvPr/>
-        </p:nvPicPr>
-        <p:blipFill>
-          <a:blip r:embed="rId5" cstate="print">
-            <a:extLst>
-              <a:ext uri="{28A0092B-C50C-407E-A947-70E740481C1C}">
-                <a14:useLocalDpi xmlns:a14="http://schemas.microsoft.com/office/drawing/2010/main" val="0"/>
-              </a:ext>
-            </a:extLst>
-          </a:blip>
-          <a:srcRect/>
-          <a:stretch>
-            <a:fillRect/>
-          </a:stretch>
-        </p:blipFill>
-        <p:spPr bwMode="auto">
-          <a:xfrm>
-            <a:off x="5726941" y="2832055"/>
-            <a:ext cx="1576283" cy="1080000"/>
-          </a:xfrm>
-          <a:prstGeom prst="rect">
-            <a:avLst/>
-          </a:prstGeom>
-          <a:noFill/>
-          <a:extLst>
-            <a:ext uri="{909E8E84-426E-40DD-AFC4-6F175D3DCCD1}">
-              <a14:hiddenFill xmlns:a14="http://schemas.microsoft.com/office/drawing/2010/main">
-                <a:solidFill>
-                  <a:srgbClr val="FFFFFF"/>
-                </a:solidFill>
-              </a14:hiddenFill>
-            </a:ext>
-          </a:extLst>
-        </p:spPr>
-      </p:pic>
-      <p:pic>
-        <p:nvPicPr>
-          <p:cNvPr id="2054" name="Picture 6" descr="Redis Logo.svg"/>
-          <p:cNvPicPr>
-            <a:picLocks noChangeAspect="1" noChangeArrowheads="1"/>
-          </p:cNvPicPr>
-          <p:nvPr/>
-        </p:nvPicPr>
-        <p:blipFill>
-          <a:blip r:embed="rId6" cstate="print">
-            <a:extLst>
-              <a:ext uri="{28A0092B-C50C-407E-A947-70E740481C1C}">
-                <a14:useLocalDpi xmlns:a14="http://schemas.microsoft.com/office/drawing/2010/main" val="0"/>
-              </a:ext>
-            </a:extLst>
-          </a:blip>
-          <a:srcRect/>
-          <a:stretch>
-            <a:fillRect/>
-          </a:stretch>
-        </p:blipFill>
-        <p:spPr bwMode="auto">
-          <a:xfrm>
-            <a:off x="7450610" y="2831849"/>
-            <a:ext cx="3234945" cy="1080000"/>
-          </a:xfrm>
-          <a:prstGeom prst="rect">
-            <a:avLst/>
-          </a:prstGeom>
-          <a:noFill/>
-          <a:extLst>
-            <a:ext uri="{909E8E84-426E-40DD-AFC4-6F175D3DCCD1}">
-              <a14:hiddenFill xmlns:a14="http://schemas.microsoft.com/office/drawing/2010/main">
-                <a:solidFill>
-                  <a:srgbClr val="FFFFFF"/>
-                </a:solidFill>
-              </a14:hiddenFill>
-            </a:ext>
-          </a:extLst>
-        </p:spPr>
-      </p:pic>
-      <p:pic>
-        <p:nvPicPr>
-          <p:cNvPr id="2056" name="Picture 8" descr="Amazon-S3-Logo.svg"/>
-          <p:cNvPicPr>
-            <a:picLocks noChangeAspect="1" noChangeArrowheads="1"/>
-          </p:cNvPicPr>
-          <p:nvPr/>
-        </p:nvPicPr>
-        <p:blipFill>
-          <a:blip r:embed="rId7" cstate="print">
-            <a:extLst>
-              <a:ext uri="{28A0092B-C50C-407E-A947-70E740481C1C}">
-                <a14:useLocalDpi xmlns:a14="http://schemas.microsoft.com/office/drawing/2010/main" val="0"/>
-              </a:ext>
-            </a:extLst>
-          </a:blip>
-          <a:srcRect/>
-          <a:stretch>
-            <a:fillRect/>
-          </a:stretch>
-        </p:blipFill>
-        <p:spPr bwMode="auto">
-          <a:xfrm>
-            <a:off x="10652355" y="3695099"/>
-            <a:ext cx="902821" cy="1080000"/>
-          </a:xfrm>
-          <a:prstGeom prst="rect">
-            <a:avLst/>
-          </a:prstGeom>
-          <a:noFill/>
-          <a:extLst>
-            <a:ext uri="{909E8E84-426E-40DD-AFC4-6F175D3DCCD1}">
-              <a14:hiddenFill xmlns:a14="http://schemas.microsoft.com/office/drawing/2010/main">
-                <a:solidFill>
-                  <a:srgbClr val="FFFFFF"/>
-                </a:solidFill>
-              </a14:hiddenFill>
-            </a:ext>
-          </a:extLst>
-        </p:spPr>
-      </p:pic>
-      <p:pic>
-        <p:nvPicPr>
-          <p:cNvPr id="2058" name="Picture 10" descr="Elasticsearch logo.svg"/>
-          <p:cNvPicPr>
-            <a:picLocks noChangeAspect="1" noChangeArrowheads="1"/>
-          </p:cNvPicPr>
-          <p:nvPr/>
-        </p:nvPicPr>
-        <p:blipFill>
-          <a:blip r:embed="rId8" cstate="print">
-            <a:extLst>
-              <a:ext uri="{28A0092B-C50C-407E-A947-70E740481C1C}">
-                <a14:useLocalDpi xmlns:a14="http://schemas.microsoft.com/office/drawing/2010/main" val="0"/>
-              </a:ext>
-            </a:extLst>
-          </a:blip>
-          <a:srcRect/>
-          <a:stretch>
-            <a:fillRect/>
-          </a:stretch>
-        </p:blipFill>
-        <p:spPr bwMode="auto">
-          <a:xfrm>
-            <a:off x="5579555" y="4056752"/>
-            <a:ext cx="4925414" cy="1080000"/>
-          </a:xfrm>
-          <a:prstGeom prst="rect">
-            <a:avLst/>
-          </a:prstGeom>
-          <a:noFill/>
-          <a:extLst>
-            <a:ext uri="{909E8E84-426E-40DD-AFC4-6F175D3DCCD1}">
-              <a14:hiddenFill xmlns:a14="http://schemas.microsoft.com/office/drawing/2010/main">
-                <a:solidFill>
-                  <a:srgbClr val="FFFFFF"/>
-                </a:solidFill>
-              </a14:hiddenFill>
-            </a:ext>
-          </a:extLst>
-        </p:spPr>
-      </p:pic>
-    </p:spTree>
-    <p:extLst>
-      <p:ext uri="{BB962C8B-B14F-4D97-AF65-F5344CB8AC3E}">
-        <p14:creationId xmlns:p14="http://schemas.microsoft.com/office/powerpoint/2010/main" val="2209863317"/>
-      </p:ext>
-    </p:extLst>
-  </p:cSld>
-  <p:clrMapOvr>
-    <a:masterClrMapping/>
-  </p:clrMapOvr>
-  <p:timing>
-    <p:tnLst>
-      <p:par>
-        <p:cTn id="1" dur="indefinite" restart="never" nodeType="tmRoot"/>
-      </p:par>
-    </p:tnLst>
-  </p:timing>
-</p:sld>
-</file>
-
-<file path=ppt/slides/slide18.xml><?xml version="1.0" encoding="utf-8"?>
-<p:sld xmlns:a="http://schemas.openxmlformats.org/drawingml/2006/main" xmlns:r="http://schemas.openxmlformats.org/officeDocument/2006/relationships" xmlns:p="http://schemas.openxmlformats.org/presentationml/2006/main">
-  <p:cSld>
-    <p:spTree>
-      <p:nvGrpSpPr>
-        <p:cNvPr id="1" name=""/>
-        <p:cNvGrpSpPr/>
-        <p:nvPr/>
-      </p:nvGrpSpPr>
-      <p:grpSpPr>
-        <a:xfrm>
-          <a:off x="0" y="0"/>
-          <a:ext cx="0" cy="0"/>
-          <a:chOff x="0" y="0"/>
-          <a:chExt cx="0" cy="0"/>
-        </a:xfrm>
-      </p:grpSpPr>
-      <p:sp>
-        <p:nvSpPr>
-          <p:cNvPr id="2" name="제목 1"/>
-          <p:cNvSpPr>
-            <a:spLocks noGrp="1"/>
-          </p:cNvSpPr>
-          <p:nvPr>
-            <p:ph type="title"/>
-          </p:nvPr>
-        </p:nvSpPr>
-        <p:spPr/>
-        <p:txBody>
-          <a:bodyPr/>
-          <a:lstStyle/>
-          <a:p>
-            <a:r>
-              <a:rPr lang="en-US" altLang="ko-KR" dirty="0" smtClean="0"/>
-              <a:t>Back-end</a:t>
-            </a:r>
-            <a:endParaRPr lang="ko-KR" altLang="en-US" dirty="0"/>
-          </a:p>
-        </p:txBody>
-      </p:sp>
-      <p:sp>
-        <p:nvSpPr>
-          <p:cNvPr id="3" name="내용 개체 틀 2"/>
-          <p:cNvSpPr>
-            <a:spLocks noGrp="1"/>
-          </p:cNvSpPr>
-          <p:nvPr>
-            <p:ph idx="1"/>
-          </p:nvPr>
-        </p:nvSpPr>
-        <p:spPr/>
-        <p:txBody>
-          <a:bodyPr anchor="b">
-            <a:normAutofit/>
-          </a:bodyPr>
-          <a:lstStyle/>
-          <a:p>
-            <a:r>
-              <a:rPr lang="en-US" altLang="ko-KR" dirty="0" smtClean="0"/>
-              <a:t>ERD </a:t>
-            </a:r>
-            <a:r>
-              <a:rPr lang="ko-KR" altLang="en-US" dirty="0" smtClean="0"/>
-              <a:t>설계 및 </a:t>
-            </a:r>
-            <a:r>
-              <a:rPr lang="en-US" altLang="ko-KR" dirty="0" smtClean="0"/>
-              <a:t>API </a:t>
-            </a:r>
-            <a:r>
-              <a:rPr lang="ko-KR" altLang="en-US" dirty="0" smtClean="0"/>
-              <a:t>명세 작성 완료</a:t>
-            </a:r>
-            <a:endParaRPr lang="ko-KR" altLang="en-US" dirty="0"/>
-          </a:p>
-        </p:txBody>
-      </p:sp>
-    </p:spTree>
-    <p:extLst>
-      <p:ext uri="{BB962C8B-B14F-4D97-AF65-F5344CB8AC3E}">
-        <p14:creationId xmlns:p14="http://schemas.microsoft.com/office/powerpoint/2010/main" val="2498746632"/>
-      </p:ext>
-    </p:extLst>
-  </p:cSld>
-  <p:clrMapOvr>
-    <a:masterClrMapping/>
-  </p:clrMapOvr>
-  <p:timing>
-    <p:tnLst>
-      <p:par>
-        <p:cTn id="1" dur="indefinite" restart="never" nodeType="tmRoot"/>
-      </p:par>
-    </p:tnLst>
-  </p:timing>
-</p:sld>
-</file>
-
-<file path=ppt/slides/slide19.xml><?xml version="1.0" encoding="utf-8"?>
-<p:sld xmlns:a="http://schemas.openxmlformats.org/drawingml/2006/main" xmlns:r="http://schemas.openxmlformats.org/officeDocument/2006/relationships" xmlns:p="http://schemas.openxmlformats.org/presentationml/2006/main">
-  <p:cSld>
-    <p:spTree>
-      <p:nvGrpSpPr>
-        <p:cNvPr id="1" name=""/>
-        <p:cNvGrpSpPr/>
-        <p:nvPr/>
-      </p:nvGrpSpPr>
-      <p:grpSpPr>
-        <a:xfrm>
-          <a:off x="0" y="0"/>
-          <a:ext cx="0" cy="0"/>
-          <a:chOff x="0" y="0"/>
-          <a:chExt cx="0" cy="0"/>
-        </a:xfrm>
-      </p:grpSpPr>
-      <p:sp>
-        <p:nvSpPr>
-          <p:cNvPr id="2" name="제목 1"/>
-          <p:cNvSpPr>
-            <a:spLocks noGrp="1"/>
-          </p:cNvSpPr>
-          <p:nvPr>
-            <p:ph type="title"/>
-          </p:nvPr>
-        </p:nvSpPr>
-        <p:spPr/>
-        <p:txBody>
-          <a:bodyPr/>
-          <a:lstStyle/>
-          <a:p>
-            <a:r>
-              <a:rPr lang="en-US" altLang="ko-KR" dirty="0" smtClean="0"/>
-              <a:t>Infra</a:t>
-            </a:r>
-            <a:endParaRPr lang="ko-KR" altLang="en-US" dirty="0"/>
-          </a:p>
-        </p:txBody>
-      </p:sp>
-      <p:sp>
-        <p:nvSpPr>
-          <p:cNvPr id="3" name="내용 개체 틀 2"/>
-          <p:cNvSpPr>
-            <a:spLocks noGrp="1"/>
-          </p:cNvSpPr>
-          <p:nvPr>
-            <p:ph idx="1"/>
-          </p:nvPr>
-        </p:nvSpPr>
-        <p:spPr/>
-        <p:txBody>
-          <a:bodyPr/>
-          <a:lstStyle/>
-          <a:p>
-            <a:r>
-              <a:rPr lang="ko-KR" altLang="en-US" dirty="0" err="1" smtClean="0"/>
-              <a:t>쿠버네티스를</a:t>
-            </a:r>
-            <a:r>
-              <a:rPr lang="ko-KR" altLang="en-US" dirty="0" smtClean="0"/>
-              <a:t> 활용하여 </a:t>
-            </a:r>
-            <a:r>
-              <a:rPr lang="ko-KR" altLang="en-US" dirty="0" smtClean="0"/>
-              <a:t>컨테이너 </a:t>
-            </a:r>
-            <a:r>
-              <a:rPr lang="ko-KR" altLang="en-US" dirty="0" smtClean="0"/>
-              <a:t>오케스트레이션 </a:t>
-            </a:r>
-            <a:r>
-              <a:rPr lang="ko-KR" altLang="en-US" dirty="0" smtClean="0"/>
-              <a:t>적용</a:t>
-            </a:r>
-            <a:endParaRPr lang="en-US" altLang="ko-KR" dirty="0" smtClean="0"/>
-          </a:p>
-          <a:p>
-            <a:r>
-              <a:rPr lang="ko-KR" altLang="en-US" dirty="0" err="1" smtClean="0"/>
-              <a:t>젠킨스를</a:t>
-            </a:r>
-            <a:r>
-              <a:rPr lang="ko-KR" altLang="en-US" dirty="0" smtClean="0"/>
-              <a:t> 활용한 </a:t>
-            </a:r>
-            <a:r>
-              <a:rPr lang="en-US" altLang="ko-KR" dirty="0" smtClean="0"/>
-              <a:t>CI/CD </a:t>
-            </a:r>
-            <a:r>
-              <a:rPr lang="ko-KR" altLang="en-US" dirty="0" smtClean="0"/>
-              <a:t>구축</a:t>
-            </a:r>
-            <a:endParaRPr lang="ko-KR" altLang="en-US" dirty="0"/>
-          </a:p>
-        </p:txBody>
-      </p:sp>
-      <p:pic>
-        <p:nvPicPr>
-          <p:cNvPr id="3094" name="Picture 22" descr="Kubernetes Documentation | Kubernetes"/>
-          <p:cNvPicPr>
-            <a:picLocks noChangeAspect="1" noChangeArrowheads="1"/>
-          </p:cNvPicPr>
-          <p:nvPr/>
-        </p:nvPicPr>
-        <p:blipFill>
-          <a:blip r:embed="rId3" cstate="print">
-            <a:extLst>
-              <a:ext uri="{28A0092B-C50C-407E-A947-70E740481C1C}">
-                <a14:useLocalDpi xmlns:a14="http://schemas.microsoft.com/office/drawing/2010/main" val="0"/>
-              </a:ext>
-            </a:extLst>
-          </a:blip>
-          <a:srcRect/>
-          <a:stretch>
-            <a:fillRect/>
-          </a:stretch>
-        </p:blipFill>
-        <p:spPr bwMode="auto">
-          <a:xfrm>
-            <a:off x="6162675" y="3802446"/>
-            <a:ext cx="5000429" cy="1080000"/>
-          </a:xfrm>
-          <a:prstGeom prst="rect">
-            <a:avLst/>
-          </a:prstGeom>
-          <a:noFill/>
-          <a:extLst>
-            <a:ext uri="{909E8E84-426E-40DD-AFC4-6F175D3DCCD1}">
-              <a14:hiddenFill xmlns:a14="http://schemas.microsoft.com/office/drawing/2010/main">
-                <a:solidFill>
-                  <a:srgbClr val="FFFFFF"/>
-                </a:solidFill>
-              </a14:hiddenFill>
-            </a:ext>
-          </a:extLst>
-        </p:spPr>
-      </p:pic>
-      <p:pic>
-        <p:nvPicPr>
-          <p:cNvPr id="3096" name="Picture 24" descr="Jenkins logo with title.svg"/>
-          <p:cNvPicPr>
-            <a:picLocks noChangeAspect="1" noChangeArrowheads="1"/>
-          </p:cNvPicPr>
-          <p:nvPr/>
-        </p:nvPicPr>
-        <p:blipFill>
-          <a:blip r:embed="rId4" cstate="print">
-            <a:extLst>
-              <a:ext uri="{28A0092B-C50C-407E-A947-70E740481C1C}">
-                <a14:useLocalDpi xmlns:a14="http://schemas.microsoft.com/office/drawing/2010/main" val="0"/>
-              </a:ext>
-            </a:extLst>
-          </a:blip>
-          <a:srcRect/>
-          <a:stretch>
-            <a:fillRect/>
-          </a:stretch>
-        </p:blipFill>
-        <p:spPr bwMode="auto">
-          <a:xfrm>
-            <a:off x="6162675" y="2544294"/>
-            <a:ext cx="3355340" cy="1080000"/>
-          </a:xfrm>
-          <a:prstGeom prst="rect">
-            <a:avLst/>
-          </a:prstGeom>
-          <a:noFill/>
-          <a:extLst>
-            <a:ext uri="{909E8E84-426E-40DD-AFC4-6F175D3DCCD1}">
-              <a14:hiddenFill xmlns:a14="http://schemas.microsoft.com/office/drawing/2010/main">
-                <a:solidFill>
-                  <a:srgbClr val="FFFFFF"/>
-                </a:solidFill>
-              </a14:hiddenFill>
-            </a:ext>
-          </a:extLst>
-        </p:spPr>
-      </p:pic>
-      <p:pic>
-        <p:nvPicPr>
-          <p:cNvPr id="3098" name="Picture 26" descr="Ubuntu-logo-2022.svg"/>
-          <p:cNvPicPr>
-            <a:picLocks noChangeAspect="1" noChangeArrowheads="1"/>
-          </p:cNvPicPr>
-          <p:nvPr/>
-        </p:nvPicPr>
-        <p:blipFill>
-          <a:blip r:embed="rId5" cstate="print">
-            <a:extLst>
-              <a:ext uri="{28A0092B-C50C-407E-A947-70E740481C1C}">
-                <a14:useLocalDpi xmlns:a14="http://schemas.microsoft.com/office/drawing/2010/main" val="0"/>
-              </a:ext>
-            </a:extLst>
-          </a:blip>
-          <a:srcRect/>
-          <a:stretch>
-            <a:fillRect/>
-          </a:stretch>
-        </p:blipFill>
-        <p:spPr bwMode="auto">
-          <a:xfrm>
-            <a:off x="2740297" y="2544294"/>
-            <a:ext cx="3067456" cy="1080000"/>
-          </a:xfrm>
-          <a:prstGeom prst="rect">
-            <a:avLst/>
-          </a:prstGeom>
-          <a:noFill/>
-          <a:extLst>
-            <a:ext uri="{909E8E84-426E-40DD-AFC4-6F175D3DCCD1}">
-              <a14:hiddenFill xmlns:a14="http://schemas.microsoft.com/office/drawing/2010/main">
-                <a:solidFill>
-                  <a:srgbClr val="FFFFFF"/>
-                </a:solidFill>
-              </a14:hiddenFill>
-            </a:ext>
-          </a:extLst>
-        </p:spPr>
-      </p:pic>
-      <p:pic>
-        <p:nvPicPr>
-          <p:cNvPr id="3100" name="Picture 28" descr="Docker logo.svg"/>
-          <p:cNvPicPr>
-            <a:picLocks noChangeAspect="1" noChangeArrowheads="1"/>
-          </p:cNvPicPr>
-          <p:nvPr/>
-        </p:nvPicPr>
-        <p:blipFill>
-          <a:blip r:embed="rId6" cstate="print">
-            <a:extLst>
-              <a:ext uri="{28A0092B-C50C-407E-A947-70E740481C1C}">
-                <a14:useLocalDpi xmlns:a14="http://schemas.microsoft.com/office/drawing/2010/main" val="0"/>
-              </a:ext>
-            </a:extLst>
-          </a:blip>
-          <a:srcRect/>
-          <a:stretch>
-            <a:fillRect/>
-          </a:stretch>
-        </p:blipFill>
-        <p:spPr bwMode="auto">
-          <a:xfrm>
-            <a:off x="1769484" y="3802446"/>
-            <a:ext cx="4266666" cy="1080000"/>
-          </a:xfrm>
-          <a:prstGeom prst="rect">
-            <a:avLst/>
-          </a:prstGeom>
-          <a:noFill/>
-          <a:extLst>
-            <a:ext uri="{909E8E84-426E-40DD-AFC4-6F175D3DCCD1}">
-              <a14:hiddenFill xmlns:a14="http://schemas.microsoft.com/office/drawing/2010/main">
-                <a:solidFill>
-                  <a:srgbClr val="FFFFFF"/>
-                </a:solidFill>
-              </a14:hiddenFill>
-            </a:ext>
-          </a:extLst>
-        </p:spPr>
-      </p:pic>
-    </p:spTree>
-    <p:extLst>
-      <p:ext uri="{BB962C8B-B14F-4D97-AF65-F5344CB8AC3E}">
-        <p14:creationId xmlns:p14="http://schemas.microsoft.com/office/powerpoint/2010/main" val="454720043"/>
+        <p14:creationId xmlns:p14="http://schemas.microsoft.com/office/powerpoint/2010/main" val="791313770"/>
       </p:ext>
     </p:extLst>
   </p:cSld>
@@ -13892,7 +14425,25 @@
                 <a:latin typeface="G마켓 산스 Bold" panose="02000000000000000000" pitchFamily="50" charset="-127"/>
                 <a:ea typeface="G마켓 산스 Bold" panose="02000000000000000000" pitchFamily="50" charset="-127"/>
               </a:rPr>
-              <a:t>설명</a:t>
+              <a:t>스</a:t>
+            </a:r>
+            <a:r>
+              <a:rPr lang="ko-KR" altLang="en-US" sz="3600" dirty="0" smtClean="0">
+                <a:ln w="19050">
+                  <a:solidFill>
+                    <a:schemeClr val="tx1">
+                      <a:lumMod val="65000"/>
+                      <a:lumOff val="35000"/>
+                    </a:schemeClr>
+                  </a:solidFill>
+                </a:ln>
+                <a:solidFill>
+                  <a:schemeClr val="bg1"/>
+                </a:solidFill>
+                <a:latin typeface="G마켓 산스 Bold" panose="02000000000000000000" pitchFamily="50" charset="-127"/>
+                <a:ea typeface="G마켓 산스 Bold" panose="02000000000000000000" pitchFamily="50" charset="-127"/>
+              </a:rPr>
+              <a:t>택</a:t>
             </a:r>
             <a:endParaRPr lang="en-US" altLang="ko-KR" sz="3600" dirty="0" smtClean="0">
               <a:ln w="19050">
@@ -14069,7 +14620,7 @@
           <a:p>
             <a:r>
               <a:rPr lang="en-US" altLang="ko-KR" dirty="0" smtClean="0"/>
-              <a:t>Infra</a:t>
+              <a:t>Front-end</a:t>
             </a:r>
             <a:endParaRPr lang="ko-KR" altLang="en-US" dirty="0"/>
           </a:p>
@@ -14087,12 +14638,37 @@
         </p:nvSpPr>
         <p:spPr/>
         <p:txBody>
-          <a:bodyPr/>
+          <a:bodyPr>
+            <a:normAutofit/>
+          </a:bodyPr>
           <a:lstStyle/>
           <a:p>
             <a:r>
-              <a:rPr lang="ko-KR" altLang="en-US" dirty="0" smtClean="0"/>
-              <a:t>부하에 따른 오토스케일링 구현</a:t>
+              <a:rPr lang="en-US" altLang="ko-KR" dirty="0" smtClean="0"/>
+              <a:t>Kotlin</a:t>
+            </a:r>
+            <a:r>
+              <a:rPr lang="ko-KR" altLang="en-US" dirty="0" smtClean="0"/>
+              <a:t>으로 안드로이드 애플리케이션 개발</a:t>
+            </a:r>
+            <a:endParaRPr lang="en-US" altLang="ko-KR" dirty="0" smtClean="0"/>
+          </a:p>
+          <a:p>
+            <a:r>
+              <a:rPr lang="en-US" altLang="ko-KR" dirty="0" smtClean="0"/>
+              <a:t>Unity</a:t>
+            </a:r>
+            <a:r>
+              <a:rPr lang="ko-KR" altLang="en-US" dirty="0" smtClean="0"/>
+              <a:t>를 활용하여 </a:t>
+            </a:r>
+            <a:r>
+              <a:rPr lang="en-US" altLang="ko-KR" dirty="0" smtClean="0"/>
+              <a:t>AR </a:t>
+            </a:r>
+            <a:r>
+              <a:rPr lang="ko-KR" altLang="en-US" dirty="0" smtClean="0"/>
+              <a:t>길 안내 구현</a:t>
             </a:r>
             <a:endParaRPr lang="ko-KR" altLang="en-US" dirty="0"/>
           </a:p>
@@ -14100,116 +14676,172 @@
       </p:sp>
       <p:pic>
         <p:nvPicPr>
-          <p:cNvPr id="7" name="그림 6"/>
+          <p:cNvPr id="1026" name="Picture 2" descr="Android (operating system) - Wikipedia"/>
           <p:cNvPicPr>
-            <a:picLocks noChangeAspect="1"/>
+            <a:picLocks noChangeAspect="1" noChangeArrowheads="1"/>
           </p:cNvPicPr>
           <p:nvPr/>
         </p:nvPicPr>
         <p:blipFill>
-          <a:blip r:embed="rId3"/>
+          <a:blip r:embed="rId3" cstate="print">
+            <a:extLst>
+              <a:ext uri="{28A0092B-C50C-407E-A947-70E740481C1C}">
+                <a14:useLocalDpi xmlns:a14="http://schemas.microsoft.com/office/drawing/2010/main" val="0"/>
+              </a:ext>
+            </a:extLst>
+          </a:blip>
+          <a:srcRect/>
           <a:stretch>
             <a:fillRect/>
           </a:stretch>
         </p:blipFill>
-        <p:spPr>
+        <p:spPr bwMode="auto">
           <a:xfrm>
-            <a:off x="3519128" y="2309651"/>
-            <a:ext cx="5153744" cy="419158"/>
+            <a:off x="3478961" y="2057115"/>
+            <a:ext cx="2061069" cy="1800000"/>
           </a:xfrm>
           <a:prstGeom prst="rect">
             <a:avLst/>
           </a:prstGeom>
-          <a:effectLst>
-            <a:softEdge rad="12700"/>
-          </a:effectLst>
+          <a:noFill/>
+          <a:extLst>
+            <a:ext uri="{909E8E84-426E-40DD-AFC4-6F175D3DCCD1}">
+              <a14:hiddenFill xmlns:a14="http://schemas.microsoft.com/office/drawing/2010/main">
+                <a:solidFill>
+                  <a:srgbClr val="FFFFFF"/>
+                </a:solidFill>
+              </a14:hiddenFill>
+            </a:ext>
+          </a:extLst>
         </p:spPr>
       </p:pic>
       <p:pic>
         <p:nvPicPr>
-          <p:cNvPr id="8" name="그림 7"/>
+          <p:cNvPr id="1028" name="Picture 4" descr="File:Unity Technologies logo.svg - Wikimedia Commons"/>
           <p:cNvPicPr>
-            <a:picLocks noChangeAspect="1"/>
+            <a:picLocks noChangeAspect="1" noChangeArrowheads="1"/>
           </p:cNvPicPr>
           <p:nvPr/>
         </p:nvPicPr>
         <p:blipFill>
-          <a:blip r:embed="rId4"/>
+          <a:blip r:embed="rId4" cstate="print">
+            <a:extLst>
+              <a:ext uri="{28A0092B-C50C-407E-A947-70E740481C1C}">
+                <a14:useLocalDpi xmlns:a14="http://schemas.microsoft.com/office/drawing/2010/main" val="0"/>
+              </a:ext>
+            </a:extLst>
+          </a:blip>
+          <a:srcRect/>
           <a:stretch>
             <a:fillRect/>
           </a:stretch>
         </p:blipFill>
-        <p:spPr>
+        <p:spPr bwMode="auto">
           <a:xfrm>
-            <a:off x="3633444" y="2828811"/>
-            <a:ext cx="4925112" cy="952633"/>
+            <a:off x="2219711" y="3852715"/>
+            <a:ext cx="3464662" cy="1260000"/>
           </a:xfrm>
           <a:prstGeom prst="rect">
             <a:avLst/>
           </a:prstGeom>
-          <a:effectLst>
-            <a:softEdge rad="12700"/>
-          </a:effectLst>
+          <a:noFill/>
+          <a:extLst>
+            <a:ext uri="{909E8E84-426E-40DD-AFC4-6F175D3DCCD1}">
+              <a14:hiddenFill xmlns:a14="http://schemas.microsoft.com/office/drawing/2010/main">
+                <a:solidFill>
+                  <a:srgbClr val="FFFFFF"/>
+                </a:solidFill>
+              </a14:hiddenFill>
+            </a:ext>
+          </a:extLst>
         </p:spPr>
       </p:pic>
       <p:pic>
         <p:nvPicPr>
-          <p:cNvPr id="9" name="그림 8"/>
+          <p:cNvPr id="1030" name="Picture 6" descr="File:Kotlin logo 2021.svg"/>
           <p:cNvPicPr>
-            <a:picLocks noChangeAspect="1"/>
+            <a:picLocks noChangeAspect="1" noChangeArrowheads="1"/>
           </p:cNvPicPr>
           <p:nvPr/>
         </p:nvPicPr>
         <p:blipFill>
-          <a:blip r:embed="rId5"/>
+          <a:blip r:embed="rId5">
+            <a:extLst>
+              <a:ext uri="{28A0092B-C50C-407E-A947-70E740481C1C}">
+                <a14:useLocalDpi xmlns:a14="http://schemas.microsoft.com/office/drawing/2010/main" val="0"/>
+              </a:ext>
+            </a:extLst>
+          </a:blip>
+          <a:srcRect/>
           <a:stretch>
             <a:fillRect/>
           </a:stretch>
         </p:blipFill>
-        <p:spPr>
+        <p:spPr bwMode="auto">
           <a:xfrm>
-            <a:off x="3528654" y="3876460"/>
-            <a:ext cx="5144218" cy="419158"/>
+            <a:off x="5872263" y="2744924"/>
+            <a:ext cx="4077873" cy="900000"/>
           </a:xfrm>
           <a:prstGeom prst="rect">
             <a:avLst/>
           </a:prstGeom>
-          <a:effectLst>
-            <a:softEdge rad="12700"/>
-          </a:effectLst>
+          <a:noFill/>
+          <a:extLst>
+            <a:ext uri="{909E8E84-426E-40DD-AFC4-6F175D3DCCD1}">
+              <a14:hiddenFill xmlns:a14="http://schemas.microsoft.com/office/drawing/2010/main">
+                <a:solidFill>
+                  <a:srgbClr val="FFFFFF"/>
+                </a:solidFill>
+              </a14:hiddenFill>
+            </a:ext>
+          </a:extLst>
         </p:spPr>
       </p:pic>
       <p:pic>
         <p:nvPicPr>
-          <p:cNvPr id="10" name="그림 9"/>
+          <p:cNvPr id="4" name="Picture 2" descr="Google Developers Blog: Announcing ARCore 1.0 and new updates to Google Lens"/>
           <p:cNvPicPr>
-            <a:picLocks noChangeAspect="1"/>
+            <a:picLocks noChangeAspect="1" noChangeArrowheads="1"/>
           </p:cNvPicPr>
           <p:nvPr/>
         </p:nvPicPr>
         <p:blipFill>
-          <a:blip r:embed="rId6"/>
+          <a:blip r:embed="rId6" cstate="print">
+            <a:extLst>
+              <a:ext uri="{28A0092B-C50C-407E-A947-70E740481C1C}">
+                <a14:useLocalDpi xmlns:a14="http://schemas.microsoft.com/office/drawing/2010/main" val="0"/>
+              </a:ext>
+            </a:extLst>
+          </a:blip>
+          <a:srcRect/>
           <a:stretch>
             <a:fillRect/>
           </a:stretch>
         </p:blipFill>
-        <p:spPr>
+        <p:spPr bwMode="auto">
           <a:xfrm>
-            <a:off x="4009734" y="4400404"/>
-            <a:ext cx="4172532" cy="943107"/>
+            <a:off x="5764566" y="3762715"/>
+            <a:ext cx="4740740" cy="1440000"/>
           </a:xfrm>
           <a:prstGeom prst="rect">
             <a:avLst/>
           </a:prstGeom>
-          <a:effectLst>
-            <a:softEdge rad="12700"/>
-          </a:effectLst>
+          <a:noFill/>
+          <a:extLst>
+            <a:ext uri="{909E8E84-426E-40DD-AFC4-6F175D3DCCD1}">
+              <a14:hiddenFill xmlns:a14="http://schemas.microsoft.com/office/drawing/2010/main">
+                <a:solidFill>
+                  <a:srgbClr val="FFFFFF"/>
+                </a:solidFill>
+              </a14:hiddenFill>
+            </a:ext>
+          </a:extLst>
         </p:spPr>
       </p:pic>
     </p:spTree>
     <p:extLst>
       <p:ext uri="{BB962C8B-B14F-4D97-AF65-F5344CB8AC3E}">
-        <p14:creationId xmlns:p14="http://schemas.microsoft.com/office/powerpoint/2010/main" val="2479185130"/>
+        <p14:creationId xmlns:p14="http://schemas.microsoft.com/office/powerpoint/2010/main" val="4207081010"/>
       </p:ext>
     </p:extLst>
   </p:cSld>
@@ -14260,7 +14892,7 @@
           <a:p>
             <a:r>
               <a:rPr lang="en-US" altLang="ko-KR" dirty="0" smtClean="0"/>
-              <a:t>AI</a:t>
+              <a:t>Back-end</a:t>
             </a:r>
             <a:endParaRPr lang="ko-KR" altLang="en-US" dirty="0"/>
           </a:p>
@@ -14278,39 +14910,45 @@
         </p:nvSpPr>
         <p:spPr/>
         <p:txBody>
-          <a:bodyPr anchor="b"/>
+          <a:bodyPr anchor="b">
+            <a:normAutofit/>
+          </a:bodyPr>
           <a:lstStyle/>
           <a:p>
             <a:r>
               <a:rPr lang="ko-KR" altLang="en-US" dirty="0" smtClean="0"/>
-              <a:t>리뷰 내용 </a:t>
-            </a:r>
-            <a:r>
-              <a:rPr lang="ko-KR" altLang="en-US" dirty="0" smtClean="0"/>
-              <a:t>긍정</a:t>
-            </a:r>
-            <a:r>
-              <a:rPr lang="en-US" altLang="ko-KR" dirty="0" smtClean="0"/>
-              <a:t>/</a:t>
-            </a:r>
-            <a:r>
-              <a:rPr lang="ko-KR" altLang="en-US" dirty="0" smtClean="0"/>
-              <a:t>부정 분류</a:t>
-            </a:r>
-            <a:endParaRPr lang="ko-KR" altLang="en-US" dirty="0"/>
+              <a:t>최단 경로 탐색 알고리즘 및 </a:t>
+            </a:r>
+            <a:r>
+              <a:rPr lang="ko-KR" altLang="en-US" dirty="0" err="1" smtClean="0"/>
+              <a:t>엘라스틱</a:t>
+            </a:r>
+            <a:r>
+              <a:rPr lang="ko-KR" altLang="en-US" dirty="0" smtClean="0"/>
+              <a:t> </a:t>
+            </a:r>
+            <a:r>
+              <a:rPr lang="ko-KR" altLang="en-US" dirty="0" err="1" smtClean="0"/>
+              <a:t>서치를</a:t>
+            </a:r>
+            <a:r>
+              <a:rPr lang="ko-KR" altLang="en-US" dirty="0" smtClean="0"/>
+              <a:t> 통한 상품 검색 구현</a:t>
+            </a:r>
+            <a:endParaRPr lang="en-US" altLang="ko-KR" dirty="0" smtClean="0"/>
           </a:p>
         </p:txBody>
       </p:sp>
       <p:pic>
         <p:nvPicPr>
-          <p:cNvPr id="4098" name="Picture 2" descr="FastAPI"/>
+          <p:cNvPr id="2050" name="Picture 2" descr="Spring Framework Logo 2018.svg"/>
           <p:cNvPicPr>
             <a:picLocks noChangeAspect="1" noChangeArrowheads="1"/>
           </p:cNvPicPr>
           <p:nvPr/>
         </p:nvPicPr>
         <p:blipFill>
-          <a:blip r:embed="rId3">
+          <a:blip r:embed="rId3" cstate="print">
             <a:extLst>
               <a:ext uri="{28A0092B-C50C-407E-A947-70E740481C1C}">
                 <a14:useLocalDpi xmlns:a14="http://schemas.microsoft.com/office/drawing/2010/main" val="0"/>
@@ -14324,8 +14962,8 @@
         </p:blipFill>
         <p:spPr bwMode="auto">
           <a:xfrm>
-            <a:off x="2105453" y="2651849"/>
-            <a:ext cx="4990243" cy="1800000"/>
+            <a:off x="682390" y="2741849"/>
+            <a:ext cx="4897165" cy="1260000"/>
           </a:xfrm>
           <a:prstGeom prst="rect">
             <a:avLst/>
@@ -14344,14 +14982,14 @@
       </p:pic>
       <p:pic>
         <p:nvPicPr>
-          <p:cNvPr id="4100" name="Picture 4" descr="TensorFlow - Wikipedia"/>
+          <p:cNvPr id="11" name="Picture 6" descr="File:Kotlin logo 2021.svg"/>
           <p:cNvPicPr>
             <a:picLocks noChangeAspect="1" noChangeArrowheads="1"/>
           </p:cNvPicPr>
           <p:nvPr/>
         </p:nvPicPr>
         <p:blipFill>
-          <a:blip r:embed="rId4" cstate="print">
+          <a:blip r:embed="rId4">
             <a:extLst>
               <a:ext uri="{28A0092B-C50C-407E-A947-70E740481C1C}">
                 <a14:useLocalDpi xmlns:a14="http://schemas.microsoft.com/office/drawing/2010/main" val="0"/>
@@ -14365,8 +15003,8 @@
         </p:blipFill>
         <p:spPr bwMode="auto">
           <a:xfrm>
-            <a:off x="5169975" y="2358750"/>
-            <a:ext cx="4500000" cy="2880000"/>
+            <a:off x="1303863" y="4235099"/>
+            <a:ext cx="4077873" cy="900000"/>
           </a:xfrm>
           <a:prstGeom prst="rect">
             <a:avLst/>
@@ -14383,10 +15021,174 @@
           </a:extLst>
         </p:spPr>
       </p:pic>
+      <p:pic>
+        <p:nvPicPr>
+          <p:cNvPr id="2052" name="Picture 4" descr="MySQL logo.svg"/>
+          <p:cNvPicPr>
+            <a:picLocks noChangeAspect="1" noChangeArrowheads="1"/>
+          </p:cNvPicPr>
+          <p:nvPr/>
+        </p:nvPicPr>
+        <p:blipFill>
+          <a:blip r:embed="rId5" cstate="print">
+            <a:extLst>
+              <a:ext uri="{28A0092B-C50C-407E-A947-70E740481C1C}">
+                <a14:useLocalDpi xmlns:a14="http://schemas.microsoft.com/office/drawing/2010/main" val="0"/>
+              </a:ext>
+            </a:extLst>
+          </a:blip>
+          <a:srcRect/>
+          <a:stretch>
+            <a:fillRect/>
+          </a:stretch>
+        </p:blipFill>
+        <p:spPr bwMode="auto">
+          <a:xfrm>
+            <a:off x="5726941" y="2832055"/>
+            <a:ext cx="1576283" cy="1080000"/>
+          </a:xfrm>
+          <a:prstGeom prst="rect">
+            <a:avLst/>
+          </a:prstGeom>
+          <a:noFill/>
+          <a:extLst>
+            <a:ext uri="{909E8E84-426E-40DD-AFC4-6F175D3DCCD1}">
+              <a14:hiddenFill xmlns:a14="http://schemas.microsoft.com/office/drawing/2010/main">
+                <a:solidFill>
+                  <a:srgbClr val="FFFFFF"/>
+                </a:solidFill>
+              </a14:hiddenFill>
+            </a:ext>
+          </a:extLst>
+        </p:spPr>
+      </p:pic>
+      <p:pic>
+        <p:nvPicPr>
+          <p:cNvPr id="2054" name="Picture 6" descr="Redis Logo.svg"/>
+          <p:cNvPicPr>
+            <a:picLocks noChangeAspect="1" noChangeArrowheads="1"/>
+          </p:cNvPicPr>
+          <p:nvPr/>
+        </p:nvPicPr>
+        <p:blipFill>
+          <a:blip r:embed="rId6" cstate="print">
+            <a:extLst>
+              <a:ext uri="{28A0092B-C50C-407E-A947-70E740481C1C}">
+                <a14:useLocalDpi xmlns:a14="http://schemas.microsoft.com/office/drawing/2010/main" val="0"/>
+              </a:ext>
+            </a:extLst>
+          </a:blip>
+          <a:srcRect/>
+          <a:stretch>
+            <a:fillRect/>
+          </a:stretch>
+        </p:blipFill>
+        <p:spPr bwMode="auto">
+          <a:xfrm>
+            <a:off x="7450610" y="2831849"/>
+            <a:ext cx="3234945" cy="1080000"/>
+          </a:xfrm>
+          <a:prstGeom prst="rect">
+            <a:avLst/>
+          </a:prstGeom>
+          <a:noFill/>
+          <a:extLst>
+            <a:ext uri="{909E8E84-426E-40DD-AFC4-6F175D3DCCD1}">
+              <a14:hiddenFill xmlns:a14="http://schemas.microsoft.com/office/drawing/2010/main">
+                <a:solidFill>
+                  <a:srgbClr val="FFFFFF"/>
+                </a:solidFill>
+              </a14:hiddenFill>
+            </a:ext>
+          </a:extLst>
+        </p:spPr>
+      </p:pic>
+      <p:pic>
+        <p:nvPicPr>
+          <p:cNvPr id="2056" name="Picture 8" descr="Amazon-S3-Logo.svg"/>
+          <p:cNvPicPr>
+            <a:picLocks noChangeAspect="1" noChangeArrowheads="1"/>
+          </p:cNvPicPr>
+          <p:nvPr/>
+        </p:nvPicPr>
+        <p:blipFill>
+          <a:blip r:embed="rId7" cstate="print">
+            <a:extLst>
+              <a:ext uri="{28A0092B-C50C-407E-A947-70E740481C1C}">
+                <a14:useLocalDpi xmlns:a14="http://schemas.microsoft.com/office/drawing/2010/main" val="0"/>
+              </a:ext>
+            </a:extLst>
+          </a:blip>
+          <a:srcRect/>
+          <a:stretch>
+            <a:fillRect/>
+          </a:stretch>
+        </p:blipFill>
+        <p:spPr bwMode="auto">
+          <a:xfrm>
+            <a:off x="10652355" y="3695099"/>
+            <a:ext cx="902821" cy="1080000"/>
+          </a:xfrm>
+          <a:prstGeom prst="rect">
+            <a:avLst/>
+          </a:prstGeom>
+          <a:noFill/>
+          <a:extLst>
+            <a:ext uri="{909E8E84-426E-40DD-AFC4-6F175D3DCCD1}">
+              <a14:hiddenFill xmlns:a14="http://schemas.microsoft.com/office/drawing/2010/main">
+                <a:solidFill>
+                  <a:srgbClr val="FFFFFF"/>
+                </a:solidFill>
+              </a14:hiddenFill>
+            </a:ext>
+          </a:extLst>
+        </p:spPr>
+      </p:pic>
+      <p:pic>
+        <p:nvPicPr>
+          <p:cNvPr id="2058" name="Picture 10" descr="Elasticsearch logo.svg"/>
+          <p:cNvPicPr>
+            <a:picLocks noChangeAspect="1" noChangeArrowheads="1"/>
+          </p:cNvPicPr>
+          <p:nvPr/>
+        </p:nvPicPr>
+        <p:blipFill>
+          <a:blip r:embed="rId8" cstate="print">
+            <a:extLst>
+              <a:ext uri="{28A0092B-C50C-407E-A947-70E740481C1C}">
+                <a14:useLocalDpi xmlns:a14="http://schemas.microsoft.com/office/drawing/2010/main" val="0"/>
+              </a:ext>
+            </a:extLst>
+          </a:blip>
+          <a:srcRect/>
+          <a:stretch>
+            <a:fillRect/>
+          </a:stretch>
+        </p:blipFill>
+        <p:spPr bwMode="auto">
+          <a:xfrm>
+            <a:off x="5579555" y="4056752"/>
+            <a:ext cx="4925414" cy="1080000"/>
+          </a:xfrm>
+          <a:prstGeom prst="rect">
+            <a:avLst/>
+          </a:prstGeom>
+          <a:noFill/>
+          <a:extLst>
+            <a:ext uri="{909E8E84-426E-40DD-AFC4-6F175D3DCCD1}">
+              <a14:hiddenFill xmlns:a14="http://schemas.microsoft.com/office/drawing/2010/main">
+                <a:solidFill>
+                  <a:srgbClr val="FFFFFF"/>
+                </a:solidFill>
+              </a14:hiddenFill>
+            </a:ext>
+          </a:extLst>
+        </p:spPr>
+      </p:pic>
     </p:spTree>
     <p:extLst>
       <p:ext uri="{BB962C8B-B14F-4D97-AF65-F5344CB8AC3E}">
-        <p14:creationId xmlns:p14="http://schemas.microsoft.com/office/powerpoint/2010/main" val="2888187600"/>
+        <p14:creationId xmlns:p14="http://schemas.microsoft.com/office/powerpoint/2010/main" val="2209863317"/>
       </p:ext>
     </p:extLst>
   </p:cSld>
@@ -14460,11 +15262,7 @@
           <a:p>
             <a:r>
               <a:rPr lang="ko-KR" altLang="en-US" dirty="0" smtClean="0"/>
-              <a:t>리뷰 내용 </a:t>
-            </a:r>
-            <a:r>
-              <a:rPr lang="ko-KR" altLang="en-US" dirty="0" smtClean="0"/>
-              <a:t>긍정</a:t>
+              <a:t>리뷰 내용 긍정</a:t>
             </a:r>
             <a:r>
               <a:rPr lang="en-US" altLang="ko-KR" dirty="0" smtClean="0"/>
@@ -14478,10 +15276,92 @@
           </a:p>
         </p:txBody>
       </p:sp>
+      <p:pic>
+        <p:nvPicPr>
+          <p:cNvPr id="4098" name="Picture 2" descr="FastAPI"/>
+          <p:cNvPicPr>
+            <a:picLocks noChangeAspect="1" noChangeArrowheads="1"/>
+          </p:cNvPicPr>
+          <p:nvPr/>
+        </p:nvPicPr>
+        <p:blipFill>
+          <a:blip r:embed="rId3">
+            <a:extLst>
+              <a:ext uri="{28A0092B-C50C-407E-A947-70E740481C1C}">
+                <a14:useLocalDpi xmlns:a14="http://schemas.microsoft.com/office/drawing/2010/main" val="0"/>
+              </a:ext>
+            </a:extLst>
+          </a:blip>
+          <a:srcRect/>
+          <a:stretch>
+            <a:fillRect/>
+          </a:stretch>
+        </p:blipFill>
+        <p:spPr bwMode="auto">
+          <a:xfrm>
+            <a:off x="2105453" y="2651849"/>
+            <a:ext cx="4990243" cy="1800000"/>
+          </a:xfrm>
+          <a:prstGeom prst="rect">
+            <a:avLst/>
+          </a:prstGeom>
+          <a:noFill/>
+          <a:extLst>
+            <a:ext uri="{909E8E84-426E-40DD-AFC4-6F175D3DCCD1}">
+              <a14:hiddenFill xmlns:a14="http://schemas.microsoft.com/office/drawing/2010/main">
+                <a:solidFill>
+                  <a:srgbClr val="FFFFFF"/>
+                </a:solidFill>
+              </a14:hiddenFill>
+            </a:ext>
+          </a:extLst>
+        </p:spPr>
+      </p:pic>
+      <p:pic>
+        <p:nvPicPr>
+          <p:cNvPr id="4100" name="Picture 4" descr="TensorFlow - Wikipedia"/>
+          <p:cNvPicPr>
+            <a:picLocks noChangeAspect="1" noChangeArrowheads="1"/>
+          </p:cNvPicPr>
+          <p:nvPr/>
+        </p:nvPicPr>
+        <p:blipFill>
+          <a:blip r:embed="rId4" cstate="print">
+            <a:extLst>
+              <a:ext uri="{28A0092B-C50C-407E-A947-70E740481C1C}">
+                <a14:useLocalDpi xmlns:a14="http://schemas.microsoft.com/office/drawing/2010/main" val="0"/>
+              </a:ext>
+            </a:extLst>
+          </a:blip>
+          <a:srcRect/>
+          <a:stretch>
+            <a:fillRect/>
+          </a:stretch>
+        </p:blipFill>
+        <p:spPr bwMode="auto">
+          <a:xfrm>
+            <a:off x="5169975" y="2358750"/>
+            <a:ext cx="4500000" cy="2880000"/>
+          </a:xfrm>
+          <a:prstGeom prst="rect">
+            <a:avLst/>
+          </a:prstGeom>
+          <a:noFill/>
+          <a:extLst>
+            <a:ext uri="{909E8E84-426E-40DD-AFC4-6F175D3DCCD1}">
+              <a14:hiddenFill xmlns:a14="http://schemas.microsoft.com/office/drawing/2010/main">
+                <a:solidFill>
+                  <a:srgbClr val="FFFFFF"/>
+                </a:solidFill>
+              </a14:hiddenFill>
+            </a:ext>
+          </a:extLst>
+        </p:spPr>
+      </p:pic>
     </p:spTree>
     <p:extLst>
       <p:ext uri="{BB962C8B-B14F-4D97-AF65-F5344CB8AC3E}">
-        <p14:creationId xmlns:p14="http://schemas.microsoft.com/office/powerpoint/2010/main" val="1064493051"/>
+        <p14:creationId xmlns:p14="http://schemas.microsoft.com/office/powerpoint/2010/main" val="2888187600"/>
       </p:ext>
     </p:extLst>
   </p:cSld>
@@ -14522,7 +15402,7 @@
             <a:spLocks noGrp="1"/>
           </p:cNvSpPr>
           <p:nvPr>
-            <p:ph type="ctrTitle"/>
+            <p:ph type="title"/>
           </p:nvPr>
         </p:nvSpPr>
         <p:spPr/>
@@ -14531,17 +15411,227 @@
           <a:lstStyle/>
           <a:p>
             <a:r>
-              <a:rPr lang="ko-KR" altLang="en-US" dirty="0" smtClean="0"/>
-              <a:t>팀 소개</a:t>
+              <a:rPr lang="en-US" altLang="ko-KR" dirty="0" smtClean="0"/>
+              <a:t>Infra</a:t>
             </a:r>
             <a:endParaRPr lang="ko-KR" altLang="en-US" dirty="0"/>
           </a:p>
         </p:txBody>
       </p:sp>
+      <p:sp>
+        <p:nvSpPr>
+          <p:cNvPr id="3" name="내용 개체 틀 2"/>
+          <p:cNvSpPr>
+            <a:spLocks noGrp="1"/>
+          </p:cNvSpPr>
+          <p:nvPr>
+            <p:ph idx="1"/>
+          </p:nvPr>
+        </p:nvSpPr>
+        <p:spPr/>
+        <p:txBody>
+          <a:bodyPr/>
+          <a:lstStyle/>
+          <a:p>
+            <a:r>
+              <a:rPr lang="ko-KR" altLang="en-US" dirty="0" err="1" smtClean="0"/>
+              <a:t>쿠버네티스를</a:t>
+            </a:r>
+            <a:r>
+              <a:rPr lang="ko-KR" altLang="en-US" dirty="0" smtClean="0"/>
+              <a:t> 활용하여 컨테이너 오케스트레이션 적용</a:t>
+            </a:r>
+            <a:endParaRPr lang="en-US" altLang="ko-KR" dirty="0" smtClean="0"/>
+          </a:p>
+          <a:p>
+            <a:r>
+              <a:rPr lang="ko-KR" altLang="en-US" dirty="0" err="1" smtClean="0"/>
+              <a:t>젠킨스를</a:t>
+            </a:r>
+            <a:r>
+              <a:rPr lang="ko-KR" altLang="en-US" dirty="0" smtClean="0"/>
+              <a:t> 활용한 </a:t>
+            </a:r>
+            <a:r>
+              <a:rPr lang="en-US" altLang="ko-KR" dirty="0" smtClean="0"/>
+              <a:t>CI/CD </a:t>
+            </a:r>
+            <a:r>
+              <a:rPr lang="ko-KR" altLang="en-US" dirty="0" smtClean="0"/>
+              <a:t>구축</a:t>
+            </a:r>
+            <a:endParaRPr lang="ko-KR" altLang="en-US" dirty="0"/>
+          </a:p>
+        </p:txBody>
+      </p:sp>
+      <p:pic>
+        <p:nvPicPr>
+          <p:cNvPr id="3094" name="Picture 22" descr="Kubernetes Documentation | Kubernetes"/>
+          <p:cNvPicPr>
+            <a:picLocks noChangeAspect="1" noChangeArrowheads="1"/>
+          </p:cNvPicPr>
+          <p:nvPr/>
+        </p:nvPicPr>
+        <p:blipFill>
+          <a:blip r:embed="rId3" cstate="print">
+            <a:extLst>
+              <a:ext uri="{28A0092B-C50C-407E-A947-70E740481C1C}">
+                <a14:useLocalDpi xmlns:a14="http://schemas.microsoft.com/office/drawing/2010/main" val="0"/>
+              </a:ext>
+            </a:extLst>
+          </a:blip>
+          <a:srcRect/>
+          <a:stretch>
+            <a:fillRect/>
+          </a:stretch>
+        </p:blipFill>
+        <p:spPr bwMode="auto">
+          <a:xfrm>
+            <a:off x="6162675" y="3802446"/>
+            <a:ext cx="5000429" cy="1080000"/>
+          </a:xfrm>
+          <a:prstGeom prst="rect">
+            <a:avLst/>
+          </a:prstGeom>
+          <a:noFill/>
+          <a:extLst>
+            <a:ext uri="{909E8E84-426E-40DD-AFC4-6F175D3DCCD1}">
+              <a14:hiddenFill xmlns:a14="http://schemas.microsoft.com/office/drawing/2010/main">
+                <a:solidFill>
+                  <a:srgbClr val="FFFFFF"/>
+                </a:solidFill>
+              </a14:hiddenFill>
+            </a:ext>
+          </a:extLst>
+        </p:spPr>
+      </p:pic>
+      <p:pic>
+        <p:nvPicPr>
+          <p:cNvPr id="3096" name="Picture 24" descr="Jenkins logo with title.svg"/>
+          <p:cNvPicPr>
+            <a:picLocks noChangeAspect="1" noChangeArrowheads="1"/>
+          </p:cNvPicPr>
+          <p:nvPr/>
+        </p:nvPicPr>
+        <p:blipFill>
+          <a:blip r:embed="rId4" cstate="print">
+            <a:extLst>
+              <a:ext uri="{28A0092B-C50C-407E-A947-70E740481C1C}">
+                <a14:useLocalDpi xmlns:a14="http://schemas.microsoft.com/office/drawing/2010/main" val="0"/>
+              </a:ext>
+            </a:extLst>
+          </a:blip>
+          <a:srcRect/>
+          <a:stretch>
+            <a:fillRect/>
+          </a:stretch>
+        </p:blipFill>
+        <p:spPr bwMode="auto">
+          <a:xfrm>
+            <a:off x="6162675" y="2544294"/>
+            <a:ext cx="3355340" cy="1080000"/>
+          </a:xfrm>
+          <a:prstGeom prst="rect">
+            <a:avLst/>
+          </a:prstGeom>
+          <a:noFill/>
+          <a:extLst>
+            <a:ext uri="{909E8E84-426E-40DD-AFC4-6F175D3DCCD1}">
+              <a14:hiddenFill xmlns:a14="http://schemas.microsoft.com/office/drawing/2010/main">
+                <a:solidFill>
+                  <a:srgbClr val="FFFFFF"/>
+                </a:solidFill>
+              </a14:hiddenFill>
+            </a:ext>
+          </a:extLst>
+        </p:spPr>
+      </p:pic>
+      <p:pic>
+        <p:nvPicPr>
+          <p:cNvPr id="3098" name="Picture 26" descr="Ubuntu-logo-2022.svg"/>
+          <p:cNvPicPr>
+            <a:picLocks noChangeAspect="1" noChangeArrowheads="1"/>
+          </p:cNvPicPr>
+          <p:nvPr/>
+        </p:nvPicPr>
+        <p:blipFill>
+          <a:blip r:embed="rId5" cstate="print">
+            <a:extLst>
+              <a:ext uri="{28A0092B-C50C-407E-A947-70E740481C1C}">
+                <a14:useLocalDpi xmlns:a14="http://schemas.microsoft.com/office/drawing/2010/main" val="0"/>
+              </a:ext>
+            </a:extLst>
+          </a:blip>
+          <a:srcRect/>
+          <a:stretch>
+            <a:fillRect/>
+          </a:stretch>
+        </p:blipFill>
+        <p:spPr bwMode="auto">
+          <a:xfrm>
+            <a:off x="2740297" y="2544294"/>
+            <a:ext cx="3067456" cy="1080000"/>
+          </a:xfrm>
+          <a:prstGeom prst="rect">
+            <a:avLst/>
+          </a:prstGeom>
+          <a:noFill/>
+          <a:extLst>
+            <a:ext uri="{909E8E84-426E-40DD-AFC4-6F175D3DCCD1}">
+              <a14:hiddenFill xmlns:a14="http://schemas.microsoft.com/office/drawing/2010/main">
+                <a:solidFill>
+                  <a:srgbClr val="FFFFFF"/>
+                </a:solidFill>
+              </a14:hiddenFill>
+            </a:ext>
+          </a:extLst>
+        </p:spPr>
+      </p:pic>
+      <p:pic>
+        <p:nvPicPr>
+          <p:cNvPr id="3100" name="Picture 28" descr="Docker logo.svg"/>
+          <p:cNvPicPr>
+            <a:picLocks noChangeAspect="1" noChangeArrowheads="1"/>
+          </p:cNvPicPr>
+          <p:nvPr/>
+        </p:nvPicPr>
+        <p:blipFill>
+          <a:blip r:embed="rId6" cstate="print">
+            <a:extLst>
+              <a:ext uri="{28A0092B-C50C-407E-A947-70E740481C1C}">
+                <a14:useLocalDpi xmlns:a14="http://schemas.microsoft.com/office/drawing/2010/main" val="0"/>
+              </a:ext>
+            </a:extLst>
+          </a:blip>
+          <a:srcRect/>
+          <a:stretch>
+            <a:fillRect/>
+          </a:stretch>
+        </p:blipFill>
+        <p:spPr bwMode="auto">
+          <a:xfrm>
+            <a:off x="1769484" y="3802446"/>
+            <a:ext cx="4266666" cy="1080000"/>
+          </a:xfrm>
+          <a:prstGeom prst="rect">
+            <a:avLst/>
+          </a:prstGeom>
+          <a:noFill/>
+          <a:extLst>
+            <a:ext uri="{909E8E84-426E-40DD-AFC4-6F175D3DCCD1}">
+              <a14:hiddenFill xmlns:a14="http://schemas.microsoft.com/office/drawing/2010/main">
+                <a:solidFill>
+                  <a:srgbClr val="FFFFFF"/>
+                </a:solidFill>
+              </a14:hiddenFill>
+            </a:ext>
+          </a:extLst>
+        </p:spPr>
+      </p:pic>
     </p:spTree>
     <p:extLst>
       <p:ext uri="{BB962C8B-B14F-4D97-AF65-F5344CB8AC3E}">
-        <p14:creationId xmlns:p14="http://schemas.microsoft.com/office/powerpoint/2010/main" val="1381059470"/>
+        <p14:creationId xmlns:p14="http://schemas.microsoft.com/office/powerpoint/2010/main" val="454720043"/>
       </p:ext>
     </p:extLst>
   </p:cSld>
@@ -14592,6 +15682,257 @@
           <a:p>
             <a:r>
               <a:rPr lang="en-US" altLang="ko-KR" dirty="0" smtClean="0"/>
+              <a:t>Infra</a:t>
+            </a:r>
+            <a:endParaRPr lang="ko-KR" altLang="en-US" dirty="0"/>
+          </a:p>
+        </p:txBody>
+      </p:sp>
+      <p:sp>
+        <p:nvSpPr>
+          <p:cNvPr id="3" name="내용 개체 틀 2"/>
+          <p:cNvSpPr>
+            <a:spLocks noGrp="1"/>
+          </p:cNvSpPr>
+          <p:nvPr>
+            <p:ph idx="1"/>
+          </p:nvPr>
+        </p:nvSpPr>
+        <p:spPr/>
+        <p:txBody>
+          <a:bodyPr/>
+          <a:lstStyle/>
+          <a:p>
+            <a:r>
+              <a:rPr lang="ko-KR" altLang="en-US" dirty="0" smtClean="0"/>
+              <a:t>부하에 따른 오토스케일링 구현</a:t>
+            </a:r>
+            <a:endParaRPr lang="ko-KR" altLang="en-US" dirty="0"/>
+          </a:p>
+        </p:txBody>
+      </p:sp>
+      <p:pic>
+        <p:nvPicPr>
+          <p:cNvPr id="7" name="그림 6"/>
+          <p:cNvPicPr>
+            <a:picLocks noChangeAspect="1"/>
+          </p:cNvPicPr>
+          <p:nvPr/>
+        </p:nvPicPr>
+        <p:blipFill>
+          <a:blip r:embed="rId3"/>
+          <a:stretch>
+            <a:fillRect/>
+          </a:stretch>
+        </p:blipFill>
+        <p:spPr>
+          <a:xfrm>
+            <a:off x="3519128" y="2309651"/>
+            <a:ext cx="5153744" cy="419158"/>
+          </a:xfrm>
+          <a:prstGeom prst="rect">
+            <a:avLst/>
+          </a:prstGeom>
+          <a:effectLst>
+            <a:softEdge rad="12700"/>
+          </a:effectLst>
+        </p:spPr>
+      </p:pic>
+      <p:pic>
+        <p:nvPicPr>
+          <p:cNvPr id="8" name="그림 7"/>
+          <p:cNvPicPr>
+            <a:picLocks noChangeAspect="1"/>
+          </p:cNvPicPr>
+          <p:nvPr/>
+        </p:nvPicPr>
+        <p:blipFill>
+          <a:blip r:embed="rId4"/>
+          <a:stretch>
+            <a:fillRect/>
+          </a:stretch>
+        </p:blipFill>
+        <p:spPr>
+          <a:xfrm>
+            <a:off x="3633444" y="2828811"/>
+            <a:ext cx="4925112" cy="952633"/>
+          </a:xfrm>
+          <a:prstGeom prst="rect">
+            <a:avLst/>
+          </a:prstGeom>
+          <a:effectLst>
+            <a:softEdge rad="12700"/>
+          </a:effectLst>
+        </p:spPr>
+      </p:pic>
+      <p:pic>
+        <p:nvPicPr>
+          <p:cNvPr id="9" name="그림 8"/>
+          <p:cNvPicPr>
+            <a:picLocks noChangeAspect="1"/>
+          </p:cNvPicPr>
+          <p:nvPr/>
+        </p:nvPicPr>
+        <p:blipFill>
+          <a:blip r:embed="rId5"/>
+          <a:stretch>
+            <a:fillRect/>
+          </a:stretch>
+        </p:blipFill>
+        <p:spPr>
+          <a:xfrm>
+            <a:off x="3528654" y="3876460"/>
+            <a:ext cx="5144218" cy="419158"/>
+          </a:xfrm>
+          <a:prstGeom prst="rect">
+            <a:avLst/>
+          </a:prstGeom>
+          <a:effectLst>
+            <a:softEdge rad="12700"/>
+          </a:effectLst>
+        </p:spPr>
+      </p:pic>
+      <p:pic>
+        <p:nvPicPr>
+          <p:cNvPr id="10" name="그림 9"/>
+          <p:cNvPicPr>
+            <a:picLocks noChangeAspect="1"/>
+          </p:cNvPicPr>
+          <p:nvPr/>
+        </p:nvPicPr>
+        <p:blipFill>
+          <a:blip r:embed="rId6"/>
+          <a:stretch>
+            <a:fillRect/>
+          </a:stretch>
+        </p:blipFill>
+        <p:spPr>
+          <a:xfrm>
+            <a:off x="4009734" y="4400404"/>
+            <a:ext cx="4172532" cy="943107"/>
+          </a:xfrm>
+          <a:prstGeom prst="rect">
+            <a:avLst/>
+          </a:prstGeom>
+          <a:effectLst>
+            <a:softEdge rad="12700"/>
+          </a:effectLst>
+        </p:spPr>
+      </p:pic>
+    </p:spTree>
+    <p:extLst>
+      <p:ext uri="{BB962C8B-B14F-4D97-AF65-F5344CB8AC3E}">
+        <p14:creationId xmlns:p14="http://schemas.microsoft.com/office/powerpoint/2010/main" val="2479185130"/>
+      </p:ext>
+    </p:extLst>
+  </p:cSld>
+  <p:clrMapOvr>
+    <a:masterClrMapping/>
+  </p:clrMapOvr>
+  <p:timing>
+    <p:tnLst>
+      <p:par>
+        <p:cTn id="1" dur="indefinite" restart="never" nodeType="tmRoot"/>
+      </p:par>
+    </p:tnLst>
+  </p:timing>
+</p:sld>
+</file>
+
+<file path=ppt/slides/slide25.xml><?xml version="1.0" encoding="utf-8"?>
+<p:sld xmlns:a="http://schemas.openxmlformats.org/drawingml/2006/main" xmlns:r="http://schemas.openxmlformats.org/officeDocument/2006/relationships" xmlns:p="http://schemas.openxmlformats.org/presentationml/2006/main">
+  <p:cSld>
+    <p:spTree>
+      <p:nvGrpSpPr>
+        <p:cNvPr id="1" name=""/>
+        <p:cNvGrpSpPr/>
+        <p:nvPr/>
+      </p:nvGrpSpPr>
+      <p:grpSpPr>
+        <a:xfrm>
+          <a:off x="0" y="0"/>
+          <a:ext cx="0" cy="0"/>
+          <a:chOff x="0" y="0"/>
+          <a:chExt cx="0" cy="0"/>
+        </a:xfrm>
+      </p:grpSpPr>
+      <p:sp>
+        <p:nvSpPr>
+          <p:cNvPr id="2" name="제목 1"/>
+          <p:cNvSpPr>
+            <a:spLocks noGrp="1"/>
+          </p:cNvSpPr>
+          <p:nvPr>
+            <p:ph type="ctrTitle"/>
+          </p:nvPr>
+        </p:nvSpPr>
+        <p:spPr/>
+        <p:txBody>
+          <a:bodyPr/>
+          <a:lstStyle/>
+          <a:p>
+            <a:r>
+              <a:rPr lang="ko-KR" altLang="en-US" dirty="0" smtClean="0"/>
+              <a:t>팀 소개</a:t>
+            </a:r>
+            <a:endParaRPr lang="ko-KR" altLang="en-US" dirty="0"/>
+          </a:p>
+        </p:txBody>
+      </p:sp>
+    </p:spTree>
+    <p:extLst>
+      <p:ext uri="{BB962C8B-B14F-4D97-AF65-F5344CB8AC3E}">
+        <p14:creationId xmlns:p14="http://schemas.microsoft.com/office/powerpoint/2010/main" val="1381059470"/>
+      </p:ext>
+    </p:extLst>
+  </p:cSld>
+  <p:clrMapOvr>
+    <a:masterClrMapping/>
+  </p:clrMapOvr>
+  <p:timing>
+    <p:tnLst>
+      <p:par>
+        <p:cTn id="1" dur="indefinite" restart="never" nodeType="tmRoot"/>
+      </p:par>
+    </p:tnLst>
+  </p:timing>
+</p:sld>
+</file>
+
+<file path=ppt/slides/slide26.xml><?xml version="1.0" encoding="utf-8"?>
+<p:sld xmlns:a="http://schemas.openxmlformats.org/drawingml/2006/main" xmlns:r="http://schemas.openxmlformats.org/officeDocument/2006/relationships" xmlns:p="http://schemas.openxmlformats.org/presentationml/2006/main">
+  <p:cSld>
+    <p:spTree>
+      <p:nvGrpSpPr>
+        <p:cNvPr id="1" name=""/>
+        <p:cNvGrpSpPr/>
+        <p:nvPr/>
+      </p:nvGrpSpPr>
+      <p:grpSpPr>
+        <a:xfrm>
+          <a:off x="0" y="0"/>
+          <a:ext cx="0" cy="0"/>
+          <a:chOff x="0" y="0"/>
+          <a:chExt cx="0" cy="0"/>
+        </a:xfrm>
+      </p:grpSpPr>
+      <p:sp>
+        <p:nvSpPr>
+          <p:cNvPr id="2" name="제목 1"/>
+          <p:cNvSpPr>
+            <a:spLocks noGrp="1"/>
+          </p:cNvSpPr>
+          <p:nvPr>
+            <p:ph type="title"/>
+          </p:nvPr>
+        </p:nvSpPr>
+        <p:spPr/>
+        <p:txBody>
+          <a:bodyPr/>
+          <a:lstStyle/>
+          <a:p>
+            <a:r>
+              <a:rPr lang="en-US" altLang="ko-KR" dirty="0" smtClean="0"/>
               <a:t>A405 </a:t>
             </a:r>
             <a:r>
@@ -14986,16 +16327,6 @@
               </a:rPr>
               <a:t>Infra</a:t>
             </a:r>
-            <a:endParaRPr lang="en-US" altLang="ko-KR" sz="1600" dirty="0" smtClean="0">
-              <a:solidFill>
-                <a:schemeClr val="tx1">
-                  <a:lumMod val="65000"/>
-                  <a:lumOff val="35000"/>
-                </a:schemeClr>
-              </a:solidFill>
-              <a:latin typeface="G마켓 산스 Light" panose="02000000000000000000" pitchFamily="50" charset="-127"/>
-              <a:ea typeface="G마켓 산스 Light" panose="02000000000000000000" pitchFamily="50" charset="-127"/>
-            </a:endParaRPr>
           </a:p>
         </p:txBody>
       </p:sp>
@@ -15141,7 +16472,7 @@
 </p:sld>
 </file>
 
-<file path=ppt/slides/slide25.xml><?xml version="1.0" encoding="utf-8"?>
+<file path=ppt/slides/slide27.xml><?xml version="1.0" encoding="utf-8"?>
 <p:sld xmlns:a="http://schemas.openxmlformats.org/drawingml/2006/main" xmlns:r="http://schemas.openxmlformats.org/officeDocument/2006/relationships" xmlns:p="http://schemas.openxmlformats.org/presentationml/2006/main">
   <p:cSld>
     <p:spTree>
@@ -15295,7 +16626,11 @@
           <a:p>
             <a:r>
               <a:rPr lang="ko-KR" altLang="en-US" dirty="0" smtClean="0"/>
-              <a:t>기획 배경</a:t>
+              <a:t>기획 </a:t>
+            </a:r>
+            <a:r>
+              <a:rPr lang="ko-KR" altLang="en-US" dirty="0" smtClean="0"/>
+              <a:t>배경 </a:t>
             </a:r>
             <a:r>
               <a:rPr lang="en-US" altLang="ko-KR" dirty="0" smtClean="0"/>
@@ -15393,11 +16728,15 @@
           <a:p>
             <a:r>
               <a:rPr lang="ko-KR" altLang="en-US" dirty="0" smtClean="0"/>
-              <a:t>기획 배경 </a:t>
+              <a:t>기획 </a:t>
+            </a:r>
+            <a:r>
+              <a:rPr lang="ko-KR" altLang="en-US" dirty="0" smtClean="0"/>
+              <a:t>배경 </a:t>
             </a:r>
             <a:r>
               <a:rPr lang="en-US" altLang="ko-KR" dirty="0" smtClean="0"/>
-              <a:t>– </a:t>
+              <a:t>- </a:t>
             </a:r>
             <a:r>
               <a:rPr lang="ko-KR" altLang="en-US" dirty="0" smtClean="0"/>

--- a/A405최종발표.pptx
+++ b/A405최종발표.pptx
@@ -10071,11 +10071,7 @@
           <a:p>
             <a:r>
               <a:rPr lang="ko-KR" altLang="en-US" dirty="0" smtClean="0"/>
-              <a:t>주요 </a:t>
-            </a:r>
-            <a:r>
-              <a:rPr lang="ko-KR" altLang="en-US" dirty="0" smtClean="0"/>
-              <a:t>기술 </a:t>
+              <a:t>주요 기술 </a:t>
             </a:r>
             <a:r>
               <a:rPr lang="en-US" altLang="ko-KR" dirty="0" smtClean="0"/>
@@ -10203,11 +10199,7 @@
           <a:p>
             <a:r>
               <a:rPr lang="ko-KR" altLang="en-US" dirty="0" smtClean="0"/>
-              <a:t>주요 </a:t>
-            </a:r>
-            <a:r>
-              <a:rPr lang="ko-KR" altLang="en-US" dirty="0" smtClean="0"/>
-              <a:t>기술 </a:t>
+              <a:t>주요 기술 </a:t>
             </a:r>
             <a:r>
               <a:rPr lang="en-US" altLang="ko-KR" dirty="0" smtClean="0"/>
@@ -10294,11 +10286,7 @@
           <a:p>
             <a:r>
               <a:rPr lang="ko-KR" altLang="en-US" dirty="0" smtClean="0"/>
-              <a:t>주요 </a:t>
-            </a:r>
-            <a:r>
-              <a:rPr lang="ko-KR" altLang="en-US" dirty="0" smtClean="0"/>
-              <a:t>기술 </a:t>
+              <a:t>주요 기술 </a:t>
             </a:r>
             <a:r>
               <a:rPr lang="en-US" altLang="ko-KR" dirty="0" smtClean="0"/>
@@ -10979,11 +10967,7 @@
           <a:p>
             <a:r>
               <a:rPr lang="ko-KR" altLang="en-US" dirty="0" smtClean="0"/>
-              <a:t>기술 </a:t>
-            </a:r>
-            <a:r>
-              <a:rPr lang="ko-KR" altLang="en-US" dirty="0" smtClean="0"/>
-              <a:t>스택</a:t>
+              <a:t>기술 스택</a:t>
             </a:r>
             <a:endParaRPr lang="ko-KR" altLang="en-US" dirty="0"/>
           </a:p>
@@ -14407,43 +14391,7 @@
                 <a:latin typeface="G마켓 산스 Bold" panose="02000000000000000000" pitchFamily="50" charset="-127"/>
                 <a:ea typeface="G마켓 산스 Bold" panose="02000000000000000000" pitchFamily="50" charset="-127"/>
               </a:rPr>
-              <a:t>기술 </a:t>
-            </a:r>
-            <a:r>
-              <a:rPr lang="ko-KR" altLang="en-US" sz="3600" dirty="0" smtClean="0">
-                <a:ln w="19050">
-                  <a:solidFill>
-                    <a:schemeClr val="tx1">
-                      <a:lumMod val="65000"/>
-                      <a:lumOff val="35000"/>
-                    </a:schemeClr>
-                  </a:solidFill>
-                </a:ln>
-                <a:solidFill>
-                  <a:schemeClr val="bg1"/>
-                </a:solidFill>
-                <a:latin typeface="G마켓 산스 Bold" panose="02000000000000000000" pitchFamily="50" charset="-127"/>
-                <a:ea typeface="G마켓 산스 Bold" panose="02000000000000000000" pitchFamily="50" charset="-127"/>
-              </a:rPr>
-              <a:t>스</a:t>
-            </a:r>
-            <a:r>
-              <a:rPr lang="ko-KR" altLang="en-US" sz="3600" dirty="0" smtClean="0">
-                <a:ln w="19050">
-                  <a:solidFill>
-                    <a:schemeClr val="tx1">
-                      <a:lumMod val="65000"/>
-                      <a:lumOff val="35000"/>
-                    </a:schemeClr>
-                  </a:solidFill>
-                </a:ln>
-                <a:solidFill>
-                  <a:schemeClr val="bg1"/>
-                </a:solidFill>
-                <a:latin typeface="G마켓 산스 Bold" panose="02000000000000000000" pitchFamily="50" charset="-127"/>
-                <a:ea typeface="G마켓 산스 Bold" panose="02000000000000000000" pitchFamily="50" charset="-127"/>
-              </a:rPr>
-              <a:t>택</a:t>
+              <a:t>기술 스택</a:t>
             </a:r>
             <a:endParaRPr lang="en-US" altLang="ko-KR" sz="3600" dirty="0" smtClean="0">
               <a:ln w="19050">
@@ -14660,7 +14608,19 @@
             </a:r>
             <a:r>
               <a:rPr lang="ko-KR" altLang="en-US" dirty="0" smtClean="0"/>
-              <a:t>를 활용하여 </a:t>
+              <a:t>와 </a:t>
+            </a:r>
+            <a:r>
+              <a:rPr lang="en-US" altLang="ko-KR" dirty="0" err="1" smtClean="0"/>
+              <a:t>ARCore</a:t>
+            </a:r>
+            <a:r>
+              <a:rPr lang="ko-KR" altLang="en-US" dirty="0" smtClean="0"/>
+              <a:t>를 </a:t>
+            </a:r>
+            <a:r>
+              <a:rPr lang="ko-KR" altLang="en-US" dirty="0" smtClean="0"/>
+              <a:t>활용하여 </a:t>
             </a:r>
             <a:r>
               <a:rPr lang="en-US" altLang="ko-KR" dirty="0" smtClean="0"/>
@@ -15261,8 +15221,31 @@
           <a:lstStyle/>
           <a:p>
             <a:r>
-              <a:rPr lang="ko-KR" altLang="en-US" dirty="0" smtClean="0"/>
-              <a:t>리뷰 내용 긍정</a:t>
+              <a:rPr lang="en-US" altLang="ko-KR" dirty="0" err="1" smtClean="0"/>
+              <a:t>TensorFlow</a:t>
+            </a:r>
+            <a:r>
+              <a:rPr lang="ko-KR" altLang="en-US" dirty="0" smtClean="0"/>
+              <a:t>와 </a:t>
+            </a:r>
+            <a:r>
+              <a:rPr lang="en-US" altLang="ko-KR" dirty="0" smtClean="0"/>
+              <a:t>BERT</a:t>
+            </a:r>
+            <a:r>
+              <a:rPr lang="ko-KR" altLang="en-US" dirty="0" smtClean="0"/>
+              <a:t>모델을 활용한 </a:t>
+            </a:r>
+            <a:endParaRPr lang="en-US" altLang="ko-KR" dirty="0" smtClean="0"/>
+          </a:p>
+          <a:p>
+            <a:r>
+              <a:rPr lang="ko-KR" altLang="en-US" dirty="0" smtClean="0"/>
+              <a:t>리뷰 </a:t>
+            </a:r>
+            <a:r>
+              <a:rPr lang="ko-KR" altLang="en-US" dirty="0" smtClean="0"/>
+              <a:t>내용 긍정</a:t>
             </a:r>
             <a:r>
               <a:rPr lang="en-US" altLang="ko-KR" dirty="0" smtClean="0"/>
@@ -16505,7 +16488,7 @@
           <a:lstStyle/>
           <a:p>
             <a:r>
-              <a:rPr lang="en-US" altLang="ko-KR" smtClean="0"/>
+              <a:rPr lang="en-US" altLang="ko-KR" dirty="0" smtClean="0"/>
               <a:t>Thanks ! !</a:t>
             </a:r>
             <a:endParaRPr lang="ko-KR" altLang="en-US" dirty="0"/>
@@ -16626,11 +16609,7 @@
           <a:p>
             <a:r>
               <a:rPr lang="ko-KR" altLang="en-US" dirty="0" smtClean="0"/>
-              <a:t>기획 </a:t>
-            </a:r>
-            <a:r>
-              <a:rPr lang="ko-KR" altLang="en-US" dirty="0" smtClean="0"/>
-              <a:t>배경 </a:t>
+              <a:t>기획 배경 </a:t>
             </a:r>
             <a:r>
               <a:rPr lang="en-US" altLang="ko-KR" dirty="0" smtClean="0"/>
@@ -16728,11 +16707,7 @@
           <a:p>
             <a:r>
               <a:rPr lang="ko-KR" altLang="en-US" dirty="0" smtClean="0"/>
-              <a:t>기획 </a:t>
-            </a:r>
-            <a:r>
-              <a:rPr lang="ko-KR" altLang="en-US" dirty="0" smtClean="0"/>
-              <a:t>배경 </a:t>
+              <a:t>기획 배경 </a:t>
             </a:r>
             <a:r>
               <a:rPr lang="en-US" altLang="ko-KR" dirty="0" smtClean="0"/>
